--- a/Treinamento FAST REPORT/treinamento fast - nível 1 parte 1.pptx
+++ b/Treinamento FAST REPORT/treinamento fast - nível 1 parte 1.pptx
@@ -6,30 +6,31 @@
     <p:sldMasterId id="2147483661" r:id="rId3"/>
   </p:sldMasterIdLst>
   <p:notesMasterIdLst>
-    <p:notesMasterId r:id="rId16"/>
+    <p:notesMasterId r:id="rId17"/>
   </p:notesMasterIdLst>
   <p:sldIdLst>
     <p:sldId id="256" r:id="rId4"/>
     <p:sldId id="258" r:id="rId5"/>
     <p:sldId id="380" r:id="rId6"/>
-    <p:sldId id="381" r:id="rId7"/>
-    <p:sldId id="382" r:id="rId8"/>
-    <p:sldId id="261" r:id="rId9"/>
-    <p:sldId id="346" r:id="rId10"/>
-    <p:sldId id="347" r:id="rId11"/>
-    <p:sldId id="348" r:id="rId12"/>
-    <p:sldId id="349" r:id="rId13"/>
-    <p:sldId id="350" r:id="rId14"/>
-    <p:sldId id="370" r:id="rId15"/>
-    <p:sldId id="371" r:id="rId17"/>
-    <p:sldId id="372" r:id="rId18"/>
-    <p:sldId id="373" r:id="rId19"/>
-    <p:sldId id="374" r:id="rId20"/>
-    <p:sldId id="345" r:id="rId21"/>
-    <p:sldId id="302" r:id="rId22"/>
-    <p:sldId id="301" r:id="rId23"/>
-    <p:sldId id="303" r:id="rId24"/>
-    <p:sldId id="304" r:id="rId25"/>
+    <p:sldId id="399" r:id="rId7"/>
+    <p:sldId id="381" r:id="rId8"/>
+    <p:sldId id="382" r:id="rId9"/>
+    <p:sldId id="261" r:id="rId10"/>
+    <p:sldId id="346" r:id="rId11"/>
+    <p:sldId id="347" r:id="rId12"/>
+    <p:sldId id="348" r:id="rId13"/>
+    <p:sldId id="349" r:id="rId14"/>
+    <p:sldId id="350" r:id="rId15"/>
+    <p:sldId id="370" r:id="rId16"/>
+    <p:sldId id="371" r:id="rId18"/>
+    <p:sldId id="372" r:id="rId19"/>
+    <p:sldId id="373" r:id="rId20"/>
+    <p:sldId id="374" r:id="rId21"/>
+    <p:sldId id="345" r:id="rId22"/>
+    <p:sldId id="302" r:id="rId23"/>
+    <p:sldId id="301" r:id="rId24"/>
+    <p:sldId id="303" r:id="rId25"/>
+    <p:sldId id="304" r:id="rId26"/>
   </p:sldIdLst>
   <p:sldSz cx="9144000" cy="5143500"/>
   <p:notesSz cx="6858000" cy="9144000"/>
@@ -5829,6 +5830,397 @@
                 <a:ea typeface="Arial" panose="020B0604020202020204"/>
                 <a:sym typeface="+mn-ea"/>
               </a:rPr>
+              <a:t>Base de dados - Nomeando </a:t>
+            </a:r>
+            <a:endParaRPr lang="pt-BR" altLang="en-US" sz="2400" b="1" i="0" strike="noStrike">
+              <a:solidFill>
+                <a:srgbClr val="00315D"/>
+              </a:solidFill>
+              <a:latin typeface="Arial" panose="020B0604020202020204"/>
+              <a:ea typeface="Arial" panose="020B0604020202020204"/>
+              <a:sym typeface="+mn-ea"/>
+            </a:endParaRPr>
+          </a:p>
+        </p:txBody>
+      </p:sp>
+      <p:sp>
+        <p:nvSpPr>
+          <p:cNvPr id="3" name="Espaço Reservado para Conteúdo 2"/>
+          <p:cNvSpPr>
+            <a:spLocks noGrp="1"/>
+          </p:cNvSpPr>
+          <p:nvPr>
+            <p:ph/>
+          </p:nvPr>
+        </p:nvSpPr>
+        <p:spPr>
+          <a:xfrm>
+            <a:off x="311785" y="1152525"/>
+            <a:ext cx="4852035" cy="3416300"/>
+          </a:xfrm>
+        </p:spPr>
+        <p:txBody>
+          <a:bodyPr/>
+          <a:p>
+            <a:pPr marL="285750" indent="-285750" algn="just">
+              <a:buFont typeface="Arial" panose="020B0604020202020204" pitchFamily="34" charset="0"/>
+              <a:buChar char="•"/>
+            </a:pPr>
+            <a:r>
+              <a:rPr lang="pt-BR" altLang="en-US"/>
+              <a:t>É importante identificar a base de dados atribuindo um nome à ela para uma melhor organização e padronização;</a:t>
+            </a:r>
+            <a:endParaRPr lang="pt-BR" altLang="en-US"/>
+          </a:p>
+          <a:p>
+            <a:pPr marL="285750" indent="-285750" algn="just">
+              <a:buFont typeface="Arial" panose="020B0604020202020204" pitchFamily="34" charset="0"/>
+              <a:buChar char="•"/>
+            </a:pPr>
+            <a:endParaRPr lang="pt-BR" altLang="en-US"/>
+          </a:p>
+          <a:p>
+            <a:pPr marL="285750" indent="-285750" algn="l" fontAlgn="t">
+              <a:buFont typeface="Arial" panose="020B0604020202020204" pitchFamily="34" charset="0"/>
+              <a:buChar char="•"/>
+            </a:pPr>
+            <a:r>
+              <a:rPr lang="pt-BR" altLang="en-US"/>
+              <a:t>Atribua o nome nos dois campos destacados na imagem;</a:t>
+            </a:r>
+            <a:endParaRPr lang="pt-BR" altLang="en-US"/>
+          </a:p>
+          <a:p>
+            <a:pPr marL="285750" indent="-285750" algn="just">
+              <a:buFont typeface="Arial" panose="020B0604020202020204" pitchFamily="34" charset="0"/>
+              <a:buChar char="•"/>
+            </a:pPr>
+            <a:endParaRPr lang="pt-BR" altLang="en-US"/>
+          </a:p>
+          <a:p>
+            <a:pPr marL="285750" indent="-285750" algn="just">
+              <a:buFont typeface="Arial" panose="020B0604020202020204" pitchFamily="34" charset="0"/>
+              <a:buChar char="•"/>
+            </a:pPr>
+            <a:r>
+              <a:rPr lang="pt-BR" altLang="en-US"/>
+              <a:t>O campo “</a:t>
+            </a:r>
+            <a:r>
+              <a:rPr lang="pt-BR" altLang="en-US">
+                <a:solidFill>
+                  <a:schemeClr val="accent1">
+                    <a:lumMod val="75000"/>
+                  </a:schemeClr>
+                </a:solidFill>
+              </a:rPr>
+              <a:t>Name</a:t>
+            </a:r>
+            <a:r>
+              <a:rPr lang="pt-BR" altLang="en-US"/>
+              <a:t>” irá aparecer em baixo da base de dados, enquanto que o campo “</a:t>
+            </a:r>
+            <a:r>
+              <a:rPr lang="pt-BR" altLang="en-US">
+                <a:solidFill>
+                  <a:schemeClr val="accent1">
+                    <a:lumMod val="75000"/>
+                  </a:schemeClr>
+                </a:solidFill>
+              </a:rPr>
+              <a:t>UserName</a:t>
+            </a:r>
+            <a:r>
+              <a:rPr lang="pt-BR" altLang="en-US"/>
+              <a:t>” irá aparecer no menu lateral, para identificar a base.</a:t>
+            </a:r>
+            <a:endParaRPr lang="pt-BR" altLang="en-US"/>
+          </a:p>
+          <a:p>
+            <a:pPr marL="285750" indent="-285750" algn="just">
+              <a:buFont typeface="Arial" panose="020B0604020202020204" pitchFamily="34" charset="0"/>
+              <a:buChar char="•"/>
+            </a:pPr>
+            <a:endParaRPr lang="pt-BR" altLang="en-US"/>
+          </a:p>
+          <a:p>
+            <a:pPr marL="285750" indent="-285750" algn="just">
+              <a:buFont typeface="Arial" panose="020B0604020202020204" pitchFamily="34" charset="0"/>
+              <a:buChar char="•"/>
+            </a:pPr>
+            <a:endParaRPr lang="pt-BR" altLang="en-US"/>
+          </a:p>
+        </p:txBody>
+      </p:sp>
+      <p:sp>
+        <p:nvSpPr>
+          <p:cNvPr id="112" name="Google Shape;97;p17"/>
+          <p:cNvSpPr/>
+          <p:nvPr/>
+        </p:nvSpPr>
+        <p:spPr>
+          <a:xfrm flipH="1">
+            <a:off x="-720" y="4570920"/>
+            <a:ext cx="9143640" cy="572400"/>
+          </a:xfrm>
+          <a:prstGeom prst="rtTriangle">
+            <a:avLst/>
+          </a:prstGeom>
+          <a:gradFill rotWithShape="0">
+            <a:gsLst>
+              <a:gs pos="0">
+                <a:srgbClr val="DFE9FB"/>
+              </a:gs>
+              <a:gs pos="100000">
+                <a:srgbClr val="6E9BE7"/>
+              </a:gs>
+            </a:gsLst>
+            <a:lin ang="5394000"/>
+          </a:gradFill>
+          <a:ln w="0">
+            <a:noFill/>
+          </a:ln>
+        </p:spPr>
+        <p:style>
+          <a:lnRef idx="0">
+            <a:srgbClr val="FFFFFF"/>
+          </a:lnRef>
+          <a:fillRef idx="0">
+            <a:srgbClr val="FFFFFF"/>
+          </a:fillRef>
+          <a:effectRef idx="0">
+            <a:srgbClr val="FFFFFF"/>
+          </a:effectRef>
+          <a:fontRef idx="minor"/>
+        </p:style>
+        <p:txBody>
+          <a:bodyPr tIns="91440" bIns="91440" anchor="ctr">
+            <a:noAutofit/>
+          </a:bodyPr>
+          <a:p>
+            <a:pPr>
+              <a:lnSpc>
+                <a:spcPct val="100000"/>
+              </a:lnSpc>
+              <a:tabLst>
+                <a:tab pos="0" algn="l"/>
+              </a:tabLst>
+            </a:pPr>
+            <a:endParaRPr lang="pt-BR" sz="1400" b="0" strike="noStrike" spc="-1">
+              <a:solidFill>
+                <a:srgbClr val="000000"/>
+              </a:solidFill>
+              <a:latin typeface="Arial" panose="020B0604020202020204"/>
+              <a:ea typeface="Arial" panose="020B0604020202020204"/>
+            </a:endParaRPr>
+          </a:p>
+        </p:txBody>
+      </p:sp>
+      <p:sp>
+        <p:nvSpPr>
+          <p:cNvPr id="113" name="Google Shape;98;p17"/>
+          <p:cNvSpPr/>
+          <p:nvPr/>
+        </p:nvSpPr>
+        <p:spPr>
+          <a:xfrm>
+            <a:off x="0" y="4570920"/>
+            <a:ext cx="9143640" cy="572400"/>
+          </a:xfrm>
+          <a:prstGeom prst="rtTriangle">
+            <a:avLst/>
+          </a:prstGeom>
+          <a:gradFill rotWithShape="0">
+            <a:gsLst>
+              <a:gs pos="0">
+                <a:srgbClr val="00315D"/>
+              </a:gs>
+              <a:gs pos="100000">
+                <a:srgbClr val="1155CC"/>
+              </a:gs>
+            </a:gsLst>
+            <a:lin ang="2700000"/>
+          </a:gradFill>
+          <a:ln w="0">
+            <a:noFill/>
+          </a:ln>
+        </p:spPr>
+        <p:style>
+          <a:lnRef idx="0">
+            <a:srgbClr val="FFFFFF"/>
+          </a:lnRef>
+          <a:fillRef idx="0">
+            <a:srgbClr val="FFFFFF"/>
+          </a:fillRef>
+          <a:effectRef idx="0">
+            <a:srgbClr val="FFFFFF"/>
+          </a:effectRef>
+          <a:fontRef idx="minor"/>
+        </p:style>
+        <p:txBody>
+          <a:bodyPr tIns="91440" bIns="91440" anchor="ctr">
+            <a:noAutofit/>
+          </a:bodyPr>
+          <a:p>
+            <a:pPr>
+              <a:lnSpc>
+                <a:spcPct val="100000"/>
+              </a:lnSpc>
+              <a:tabLst>
+                <a:tab pos="0" algn="l"/>
+              </a:tabLst>
+            </a:pPr>
+            <a:endParaRPr lang="pt-BR" sz="1400" b="0" strike="noStrike" spc="-1">
+              <a:solidFill>
+                <a:srgbClr val="000000"/>
+              </a:solidFill>
+              <a:latin typeface="Arial" panose="020B0604020202020204"/>
+              <a:ea typeface="Arial" panose="020B0604020202020204"/>
+            </a:endParaRPr>
+          </a:p>
+        </p:txBody>
+      </p:sp>
+      <p:pic>
+        <p:nvPicPr>
+          <p:cNvPr id="114" name="Google Shape;99;p17"/>
+          <p:cNvPicPr/>
+          <p:nvPr/>
+        </p:nvPicPr>
+        <p:blipFill>
+          <a:blip r:embed="rId1"/>
+          <a:stretch>
+            <a:fillRect/>
+          </a:stretch>
+        </p:blipFill>
+        <p:spPr>
+          <a:xfrm>
+            <a:off x="117000" y="4700520"/>
+            <a:ext cx="1223280" cy="466920"/>
+          </a:xfrm>
+          <a:prstGeom prst="rect">
+            <a:avLst/>
+          </a:prstGeom>
+          <a:ln w="0">
+            <a:noFill/>
+          </a:ln>
+          <a:effectLst>
+            <a:outerShdw blurRad="57240" dist="19080" dir="5400000" algn="bl" rotWithShape="0">
+              <a:srgbClr val="000000">
+                <a:alpha val="50000"/>
+              </a:srgbClr>
+            </a:outerShdw>
+          </a:effectLst>
+        </p:spPr>
+      </p:pic>
+      <p:pic>
+        <p:nvPicPr>
+          <p:cNvPr id="5" name="Imagem 4"/>
+          <p:cNvPicPr>
+            <a:picLocks noChangeAspect="1"/>
+          </p:cNvPicPr>
+          <p:nvPr/>
+        </p:nvPicPr>
+        <p:blipFill>
+          <a:blip r:embed="rId2"/>
+          <a:stretch>
+            <a:fillRect/>
+          </a:stretch>
+        </p:blipFill>
+        <p:spPr>
+          <a:xfrm>
+            <a:off x="5652135" y="1162050"/>
+            <a:ext cx="2551430" cy="3263900"/>
+          </a:xfrm>
+          <a:prstGeom prst="rect">
+            <a:avLst/>
+          </a:prstGeom>
+        </p:spPr>
+      </p:pic>
+      <p:sp>
+        <p:nvSpPr>
+          <p:cNvPr id="4" name="Caixa de Texto 3"/>
+          <p:cNvSpPr txBox="1"/>
+          <p:nvPr/>
+        </p:nvSpPr>
+        <p:spPr>
+          <a:xfrm>
+            <a:off x="7452360" y="2211705"/>
+            <a:ext cx="1197610" cy="245110"/>
+          </a:xfrm>
+          <a:prstGeom prst="rect">
+            <a:avLst/>
+          </a:prstGeom>
+          <a:noFill/>
+        </p:spPr>
+        <p:txBody>
+          <a:bodyPr wrap="square" rtlCol="0">
+            <a:spAutoFit/>
+          </a:bodyPr>
+          <a:p>
+            <a:r>
+              <a:rPr lang="pt-BR" altLang="en-US" sz="1000">
+                <a:solidFill>
+                  <a:srgbClr val="FF0000"/>
+                </a:solidFill>
+              </a:rPr>
+              <a:t>Base de dados</a:t>
+            </a:r>
+            <a:endParaRPr lang="pt-BR" altLang="en-US" sz="1000">
+              <a:solidFill>
+                <a:srgbClr val="FF0000"/>
+              </a:solidFill>
+            </a:endParaRPr>
+          </a:p>
+        </p:txBody>
+      </p:sp>
+    </p:spTree>
+  </p:cSld>
+  <p:clrMapOvr>
+    <a:masterClrMapping/>
+  </p:clrMapOvr>
+  <p:timing>
+    <p:tnLst>
+      <p:par>
+        <p:cTn id="1" dur="indefinite" restart="never" nodeType="tmRoot"/>
+      </p:par>
+    </p:tnLst>
+  </p:timing>
+</p:sld>
+</file>
+
+<file path=ppt/slides/slide11.xml><?xml version="1.0" encoding="utf-8"?>
+<p:sld xmlns:a="http://schemas.openxmlformats.org/drawingml/2006/main" xmlns:r="http://schemas.openxmlformats.org/officeDocument/2006/relationships" xmlns:p="http://schemas.openxmlformats.org/presentationml/2006/main">
+  <p:cSld>
+    <p:spTree>
+      <p:nvGrpSpPr>
+        <p:cNvPr id="1" name=""/>
+        <p:cNvGrpSpPr/>
+        <p:nvPr/>
+      </p:nvGrpSpPr>
+      <p:grpSpPr/>
+      <p:sp>
+        <p:nvSpPr>
+          <p:cNvPr id="2" name="Título 1"/>
+          <p:cNvSpPr>
+            <a:spLocks noGrp="1"/>
+          </p:cNvSpPr>
+          <p:nvPr>
+            <p:ph type="title"/>
+          </p:nvPr>
+        </p:nvSpPr>
+        <p:spPr/>
+        <p:txBody>
+          <a:bodyPr/>
+          <a:p>
+            <a:r>
+              <a:rPr lang="pt-BR" sz="2400" b="1" i="0" strike="noStrike">
+                <a:solidFill>
+                  <a:srgbClr val="00315D"/>
+                </a:solidFill>
+                <a:latin typeface="Arial" panose="020B0604020202020204"/>
+                <a:ea typeface="Arial" panose="020B0604020202020204"/>
+                <a:sym typeface="+mn-ea"/>
+              </a:rPr>
               <a:t>Base de dados - Inserindo uma Query</a:t>
             </a:r>
             <a:endParaRPr lang="pt-BR" altLang="en-US" sz="2400" b="1" i="0" strike="noStrike">
@@ -6101,7 +6493,7 @@
 </p:sld>
 </file>
 
-<file path=ppt/slides/slide11.xml><?xml version="1.0" encoding="utf-8"?>
+<file path=ppt/slides/slide12.xml><?xml version="1.0" encoding="utf-8"?>
 <p:sld xmlns:a="http://schemas.openxmlformats.org/drawingml/2006/main" xmlns:r="http://schemas.openxmlformats.org/officeDocument/2006/relationships" xmlns:p="http://schemas.openxmlformats.org/presentationml/2006/main">
   <p:cSld>
     <p:spTree>
@@ -6675,7 +7067,7 @@
 </p:sld>
 </file>
 
-<file path=ppt/slides/slide12.xml><?xml version="1.0" encoding="utf-8"?>
+<file path=ppt/slides/slide13.xml><?xml version="1.0" encoding="utf-8"?>
 <p:sld xmlns:a="http://schemas.openxmlformats.org/drawingml/2006/main" xmlns:r="http://schemas.openxmlformats.org/officeDocument/2006/relationships" xmlns:p="http://schemas.openxmlformats.org/presentationml/2006/main">
   <p:cSld>
     <p:spTree>
@@ -7014,7 +7406,7 @@
 </p:sld>
 </file>
 
-<file path=ppt/slides/slide13.xml><?xml version="1.0" encoding="utf-8"?>
+<file path=ppt/slides/slide14.xml><?xml version="1.0" encoding="utf-8"?>
 <p:sld xmlns:a="http://schemas.openxmlformats.org/drawingml/2006/main" xmlns:r="http://schemas.openxmlformats.org/officeDocument/2006/relationships" xmlns:p="http://schemas.openxmlformats.org/presentationml/2006/main">
   <p:cSld>
     <p:spTree>
@@ -7428,7 +7820,7 @@
 </p:sld>
 </file>
 
-<file path=ppt/slides/slide14.xml><?xml version="1.0" encoding="utf-8"?>
+<file path=ppt/slides/slide15.xml><?xml version="1.0" encoding="utf-8"?>
 <p:sld xmlns:a="http://schemas.openxmlformats.org/drawingml/2006/main" xmlns:r="http://schemas.openxmlformats.org/officeDocument/2006/relationships" xmlns:p="http://schemas.openxmlformats.org/presentationml/2006/main">
   <p:cSld>
     <p:spTree>
@@ -7752,7 +8144,7 @@
 </p:sld>
 </file>
 
-<file path=ppt/slides/slide15.xml><?xml version="1.0" encoding="utf-8"?>
+<file path=ppt/slides/slide16.xml><?xml version="1.0" encoding="utf-8"?>
 <p:sld xmlns:a="http://schemas.openxmlformats.org/drawingml/2006/main" xmlns:r="http://schemas.openxmlformats.org/officeDocument/2006/relationships" xmlns:p="http://schemas.openxmlformats.org/presentationml/2006/main">
   <p:cSld>
     <p:spTree>
@@ -8152,467 +8544,6 @@
           <a:xfrm>
             <a:off x="6156325" y="1419860"/>
             <a:ext cx="2881630" cy="3095625"/>
-          </a:xfrm>
-          <a:prstGeom prst="rect">
-            <a:avLst/>
-          </a:prstGeom>
-        </p:spPr>
-      </p:pic>
-    </p:spTree>
-  </p:cSld>
-  <p:clrMapOvr>
-    <a:masterClrMapping/>
-  </p:clrMapOvr>
-  <mc:AlternateContent xmlns:mc="http://schemas.openxmlformats.org/markup-compatibility/2006">
-    <mc:Choice xmlns:p14="http://schemas.microsoft.com/office/powerpoint/2010/main" Requires="p14">
-      <p:transition spd="slow" p14:dur="1000">
-        <p:wipe/>
-      </p:transition>
-    </mc:Choice>
-    <mc:Fallback>
-      <p:transition spd="slow">
-        <p:wipe/>
-      </p:transition>
-    </mc:Fallback>
-  </mc:AlternateContent>
-  <p:timing>
-    <p:tnLst>
-      <p:par>
-        <p:cTn id="1" dur="indefinite" restart="never" nodeType="tmRoot"/>
-      </p:par>
-    </p:tnLst>
-  </p:timing>
-</p:sld>
-</file>
-
-<file path=ppt/slides/slide16.xml><?xml version="1.0" encoding="utf-8"?>
-<p:sld xmlns:a="http://schemas.openxmlformats.org/drawingml/2006/main" xmlns:r="http://schemas.openxmlformats.org/officeDocument/2006/relationships" xmlns:p="http://schemas.openxmlformats.org/presentationml/2006/main">
-  <p:cSld>
-    <p:spTree>
-      <p:nvGrpSpPr>
-        <p:cNvPr id="1" name=""/>
-        <p:cNvGrpSpPr/>
-        <p:nvPr/>
-      </p:nvGrpSpPr>
-      <p:grpSpPr/>
-      <p:sp>
-        <p:nvSpPr>
-          <p:cNvPr id="2" name="Título 1"/>
-          <p:cNvSpPr>
-            <a:spLocks noGrp="1"/>
-          </p:cNvSpPr>
-          <p:nvPr>
-            <p:ph type="title"/>
-          </p:nvPr>
-        </p:nvSpPr>
-        <p:spPr>
-          <a:xfrm>
-            <a:off x="311760" y="109680"/>
-            <a:ext cx="8520120" cy="572400"/>
-          </a:xfrm>
-        </p:spPr>
-        <p:txBody>
-          <a:bodyPr/>
-          <a:p>
-            <a:r>
-              <a:rPr lang="pt-BR" sz="2400" b="1" i="0" strike="noStrike">
-                <a:solidFill>
-                  <a:srgbClr val="00315D"/>
-                </a:solidFill>
-                <a:latin typeface="Arial" panose="020B0604020202020204"/>
-                <a:ea typeface="Arial" panose="020B0604020202020204"/>
-                <a:sym typeface="+mn-ea"/>
-              </a:rPr>
-              <a:t>Parâmetros - Verificando uma query no FAST</a:t>
-            </a:r>
-            <a:endParaRPr lang="pt-BR" altLang="en-US" sz="2400" b="1" i="0" strike="noStrike">
-              <a:solidFill>
-                <a:srgbClr val="00315D"/>
-              </a:solidFill>
-              <a:latin typeface="Arial" panose="020B0604020202020204"/>
-              <a:ea typeface="Arial" panose="020B0604020202020204"/>
-              <a:sym typeface="+mn-ea"/>
-            </a:endParaRPr>
-          </a:p>
-        </p:txBody>
-      </p:sp>
-      <p:sp>
-        <p:nvSpPr>
-          <p:cNvPr id="3" name="Espaço Reservado para Conteúdo 2"/>
-          <p:cNvSpPr>
-            <a:spLocks noGrp="1"/>
-          </p:cNvSpPr>
-          <p:nvPr>
-            <p:ph/>
-          </p:nvPr>
-        </p:nvSpPr>
-        <p:spPr>
-          <a:xfrm>
-            <a:off x="311785" y="656590"/>
-            <a:ext cx="4800600" cy="3416300"/>
-          </a:xfrm>
-        </p:spPr>
-        <p:txBody>
-          <a:bodyPr>
-            <a:normAutofit lnSpcReduction="10000"/>
-          </a:bodyPr>
-          <a:p>
-            <a:pPr marL="285750" indent="-285750" algn="just">
-              <a:buFont typeface="Arial" panose="020B0604020202020204" pitchFamily="34" charset="0"/>
-              <a:buChar char="•"/>
-            </a:pPr>
-            <a:r>
-              <a:rPr lang="pt-BR" altLang="en-US" sz="1600"/>
-              <a:t>Como foi dito anteriormente, para verificar se a consulta SQL está rodando, o nome da base de dados precisar estar em </a:t>
-            </a:r>
-            <a:r>
-              <a:rPr lang="pt-BR" altLang="en-US" sz="1600" b="1"/>
-              <a:t>negrito </a:t>
-            </a:r>
-            <a:r>
-              <a:rPr lang="pt-BR" altLang="en-US" sz="1600" b="0"/>
-              <a:t>no menu lateral direito. Mas quando se tem parâmetros, existe um procedimento a mais que deve ser feito para que o menu fique em </a:t>
-            </a:r>
-            <a:r>
-              <a:rPr lang="pt-BR" altLang="en-US" sz="1600" b="1"/>
-              <a:t>negrito</a:t>
-            </a:r>
-            <a:r>
-              <a:rPr lang="pt-BR" altLang="en-US" sz="1600" b="0"/>
-              <a:t>. É preciso clicar nos 3 pontos do campo “Params” das propriedades da base de dados, e na tela que se abrir clicar em “ok”. Caso ainda não fique em </a:t>
-            </a:r>
-            <a:r>
-              <a:rPr lang="pt-BR" altLang="en-US" sz="1600" b="1"/>
-              <a:t>negrito </a:t>
-            </a:r>
-            <a:r>
-              <a:rPr lang="pt-BR" altLang="en-US" sz="1600" b="0"/>
-              <a:t>verifique a query / parâmetro.</a:t>
-            </a:r>
-            <a:endParaRPr lang="pt-BR" altLang="en-US" sz="1600" b="0"/>
-          </a:p>
-          <a:p>
-            <a:pPr marL="285750" indent="-285750" algn="just">
-              <a:buFont typeface="Arial" panose="020B0604020202020204" pitchFamily="34" charset="0"/>
-              <a:buChar char="•"/>
-            </a:pPr>
-            <a:endParaRPr lang="pt-BR" altLang="en-US" sz="1600" b="0"/>
-          </a:p>
-          <a:p>
-            <a:pPr marL="285750" indent="-285750" algn="just">
-              <a:buFont typeface="Arial" panose="020B0604020202020204" pitchFamily="34" charset="0"/>
-              <a:buChar char="•"/>
-            </a:pPr>
-            <a:r>
-              <a:rPr lang="pt-BR" altLang="en-US" sz="1600" b="0"/>
-              <a:t>É importante deixar as bases em </a:t>
-            </a:r>
-            <a:r>
-              <a:rPr lang="pt-BR" altLang="en-US" sz="1600" b="1"/>
-              <a:t>negrito </a:t>
-            </a:r>
-            <a:r>
-              <a:rPr lang="pt-BR" altLang="en-US" sz="1600" b="0"/>
-              <a:t>no menu lateral direito, para você se certificar que o FAST está rodando as query e trazendo os campos.</a:t>
-            </a:r>
-            <a:endParaRPr lang="pt-BR" altLang="en-US" sz="1600" b="0"/>
-          </a:p>
-        </p:txBody>
-      </p:sp>
-      <p:sp>
-        <p:nvSpPr>
-          <p:cNvPr id="112" name="Google Shape;97;p17"/>
-          <p:cNvSpPr/>
-          <p:nvPr/>
-        </p:nvSpPr>
-        <p:spPr>
-          <a:xfrm flipH="1">
-            <a:off x="-720" y="4570920"/>
-            <a:ext cx="9143640" cy="572400"/>
-          </a:xfrm>
-          <a:prstGeom prst="rtTriangle">
-            <a:avLst/>
-          </a:prstGeom>
-          <a:gradFill rotWithShape="0">
-            <a:gsLst>
-              <a:gs pos="0">
-                <a:srgbClr val="DFE9FB"/>
-              </a:gs>
-              <a:gs pos="100000">
-                <a:srgbClr val="6E9BE7"/>
-              </a:gs>
-            </a:gsLst>
-            <a:lin ang="5394000"/>
-          </a:gradFill>
-          <a:ln w="0">
-            <a:noFill/>
-          </a:ln>
-        </p:spPr>
-        <p:style>
-          <a:lnRef idx="0">
-            <a:srgbClr val="FFFFFF"/>
-          </a:lnRef>
-          <a:fillRef idx="0">
-            <a:srgbClr val="FFFFFF"/>
-          </a:fillRef>
-          <a:effectRef idx="0">
-            <a:srgbClr val="FFFFFF"/>
-          </a:effectRef>
-          <a:fontRef idx="minor"/>
-        </p:style>
-        <p:txBody>
-          <a:bodyPr tIns="91440" bIns="91440" anchor="ctr">
-            <a:noAutofit/>
-          </a:bodyPr>
-          <a:p>
-            <a:pPr>
-              <a:lnSpc>
-                <a:spcPct val="100000"/>
-              </a:lnSpc>
-              <a:tabLst>
-                <a:tab pos="0" algn="l"/>
-              </a:tabLst>
-            </a:pPr>
-            <a:endParaRPr lang="pt-BR" sz="1400" b="0" strike="noStrike" spc="-1">
-              <a:solidFill>
-                <a:srgbClr val="000000"/>
-              </a:solidFill>
-              <a:latin typeface="Arial" panose="020B0604020202020204"/>
-              <a:ea typeface="Arial" panose="020B0604020202020204"/>
-            </a:endParaRPr>
-          </a:p>
-        </p:txBody>
-      </p:sp>
-      <p:sp>
-        <p:nvSpPr>
-          <p:cNvPr id="113" name="Google Shape;98;p17"/>
-          <p:cNvSpPr/>
-          <p:nvPr/>
-        </p:nvSpPr>
-        <p:spPr>
-          <a:xfrm>
-            <a:off x="0" y="4570920"/>
-            <a:ext cx="9143640" cy="572400"/>
-          </a:xfrm>
-          <a:prstGeom prst="rtTriangle">
-            <a:avLst/>
-          </a:prstGeom>
-          <a:gradFill rotWithShape="0">
-            <a:gsLst>
-              <a:gs pos="0">
-                <a:srgbClr val="00315D"/>
-              </a:gs>
-              <a:gs pos="100000">
-                <a:srgbClr val="1155CC"/>
-              </a:gs>
-            </a:gsLst>
-            <a:lin ang="2700000"/>
-          </a:gradFill>
-          <a:ln w="0">
-            <a:noFill/>
-          </a:ln>
-        </p:spPr>
-        <p:style>
-          <a:lnRef idx="0">
-            <a:srgbClr val="FFFFFF"/>
-          </a:lnRef>
-          <a:fillRef idx="0">
-            <a:srgbClr val="FFFFFF"/>
-          </a:fillRef>
-          <a:effectRef idx="0">
-            <a:srgbClr val="FFFFFF"/>
-          </a:effectRef>
-          <a:fontRef idx="minor"/>
-        </p:style>
-        <p:txBody>
-          <a:bodyPr tIns="91440" bIns="91440" anchor="ctr">
-            <a:noAutofit/>
-          </a:bodyPr>
-          <a:p>
-            <a:pPr>
-              <a:lnSpc>
-                <a:spcPct val="100000"/>
-              </a:lnSpc>
-              <a:tabLst>
-                <a:tab pos="0" algn="l"/>
-              </a:tabLst>
-            </a:pPr>
-            <a:endParaRPr lang="pt-BR" sz="1400" b="0" strike="noStrike" spc="-1">
-              <a:solidFill>
-                <a:srgbClr val="000000"/>
-              </a:solidFill>
-              <a:latin typeface="Arial" panose="020B0604020202020204"/>
-              <a:ea typeface="Arial" panose="020B0604020202020204"/>
-            </a:endParaRPr>
-          </a:p>
-        </p:txBody>
-      </p:sp>
-      <p:pic>
-        <p:nvPicPr>
-          <p:cNvPr id="114" name="Google Shape;99;p17"/>
-          <p:cNvPicPr/>
-          <p:nvPr/>
-        </p:nvPicPr>
-        <p:blipFill>
-          <a:blip r:embed="rId1"/>
-          <a:stretch>
-            <a:fillRect/>
-          </a:stretch>
-        </p:blipFill>
-        <p:spPr>
-          <a:xfrm>
-            <a:off x="117000" y="4700520"/>
-            <a:ext cx="1223280" cy="466920"/>
-          </a:xfrm>
-          <a:prstGeom prst="rect">
-            <a:avLst/>
-          </a:prstGeom>
-          <a:ln w="0">
-            <a:noFill/>
-          </a:ln>
-          <a:effectLst>
-            <a:outerShdw blurRad="57240" dist="19080" dir="5400000" algn="bl" rotWithShape="0">
-              <a:srgbClr val="000000">
-                <a:alpha val="50000"/>
-              </a:srgbClr>
-            </a:outerShdw>
-          </a:effectLst>
-        </p:spPr>
-      </p:pic>
-      <p:sp>
-        <p:nvSpPr>
-          <p:cNvPr id="230" name="CaixaDeTexto 1"/>
-          <p:cNvSpPr/>
-          <p:nvPr/>
-        </p:nvSpPr>
-        <p:spPr>
-          <a:xfrm>
-            <a:off x="5625000" y="3435840"/>
-            <a:ext cx="3206880" cy="1073785"/>
-          </a:xfrm>
-          <a:prstGeom prst="rect">
-            <a:avLst/>
-          </a:prstGeom>
-          <a:gradFill rotWithShape="0">
-            <a:gsLst>
-              <a:gs pos="0">
-                <a:srgbClr val="4889F4"/>
-              </a:gs>
-              <a:gs pos="100000">
-                <a:srgbClr val="8EB6F8"/>
-              </a:gs>
-            </a:gsLst>
-            <a:lin ang="16200000"/>
-          </a:gradFill>
-          <a:ln w="0">
-            <a:noFill/>
-          </a:ln>
-        </p:spPr>
-        <p:style>
-          <a:lnRef idx="0">
-            <a:srgbClr val="FFFFFF"/>
-          </a:lnRef>
-          <a:fillRef idx="0">
-            <a:srgbClr val="FFFFFF"/>
-          </a:fillRef>
-          <a:effectRef idx="0">
-            <a:srgbClr val="FFFFFF"/>
-          </a:effectRef>
-          <a:fontRef idx="minor"/>
-        </p:style>
-        <p:txBody>
-          <a:bodyPr lIns="90000" tIns="45000" rIns="90000" bIns="45000" anchor="t">
-            <a:spAutoFit/>
-          </a:bodyPr>
-          <a:p>
-            <a:pPr algn="ctr">
-              <a:lnSpc>
-                <a:spcPct val="100000"/>
-              </a:lnSpc>
-            </a:pPr>
-            <a:endParaRPr lang="pt-BR" sz="800" b="0" strike="noStrike" spc="-1">
-              <a:solidFill>
-                <a:srgbClr val="000000"/>
-              </a:solidFill>
-              <a:latin typeface="Arial" panose="020B0604020202020204"/>
-            </a:endParaRPr>
-          </a:p>
-          <a:p>
-            <a:pPr algn="ctr">
-              <a:lnSpc>
-                <a:spcPct val="100000"/>
-              </a:lnSpc>
-            </a:pPr>
-            <a:r>
-              <a:rPr lang="pt-BR" sz="1600" b="1" strike="noStrike" spc="-1">
-                <a:solidFill>
-                  <a:schemeClr val="lt1"/>
-                </a:solidFill>
-                <a:latin typeface="Arial" panose="020B0604020202020204"/>
-                <a:ea typeface="Arial" panose="020B0604020202020204"/>
-              </a:rPr>
-              <a:t>OBS: Antes de clicar em “</a:t>
-            </a:r>
-            <a:r>
-              <a:rPr lang="pt-BR" sz="1600" b="1" strike="noStrike" spc="-1">
-                <a:solidFill>
-                  <a:srgbClr val="FF0000"/>
-                </a:solidFill>
-                <a:latin typeface="Arial" panose="020B0604020202020204"/>
-                <a:ea typeface="Arial" panose="020B0604020202020204"/>
-              </a:rPr>
-              <a:t>ok</a:t>
-            </a:r>
-            <a:r>
-              <a:rPr lang="pt-BR" sz="1600" b="1" strike="noStrike" spc="-1">
-                <a:solidFill>
-                  <a:schemeClr val="lt1"/>
-                </a:solidFill>
-                <a:latin typeface="Arial" panose="020B0604020202020204"/>
-                <a:ea typeface="Arial" panose="020B0604020202020204"/>
-              </a:rPr>
-              <a:t>” verificar se os parâmetros estão corretos.</a:t>
-            </a:r>
-            <a:endParaRPr lang="pt-BR" sz="1600" b="0" strike="noStrike" spc="-1">
-              <a:solidFill>
-                <a:srgbClr val="000000"/>
-              </a:solidFill>
-              <a:latin typeface="Arial" panose="020B0604020202020204"/>
-            </a:endParaRPr>
-          </a:p>
-          <a:p>
-            <a:pPr algn="ctr">
-              <a:lnSpc>
-                <a:spcPct val="100000"/>
-              </a:lnSpc>
-            </a:pPr>
-            <a:endParaRPr lang="pt-BR" sz="800" b="0" strike="noStrike" spc="-1">
-              <a:solidFill>
-                <a:srgbClr val="000000"/>
-              </a:solidFill>
-              <a:latin typeface="Arial" panose="020B0604020202020204"/>
-            </a:endParaRPr>
-          </a:p>
-        </p:txBody>
-      </p:sp>
-      <p:pic>
-        <p:nvPicPr>
-          <p:cNvPr id="6" name="Imagem 5"/>
-          <p:cNvPicPr>
-            <a:picLocks noChangeAspect="1"/>
-          </p:cNvPicPr>
-          <p:nvPr/>
-        </p:nvPicPr>
-        <p:blipFill>
-          <a:blip r:embed="rId2"/>
-          <a:stretch>
-            <a:fillRect/>
-          </a:stretch>
-        </p:blipFill>
-        <p:spPr>
-          <a:xfrm>
-            <a:off x="5292090" y="699770"/>
-            <a:ext cx="3683635" cy="2603500"/>
           </a:xfrm>
           <a:prstGeom prst="rect">
             <a:avLst/>
@@ -8668,8 +8599,8 @@
         </p:nvSpPr>
         <p:spPr>
           <a:xfrm>
-            <a:off x="311785" y="262255"/>
-            <a:ext cx="8520430" cy="755015"/>
+            <a:off x="311760" y="109680"/>
+            <a:ext cx="8520120" cy="572400"/>
           </a:xfrm>
         </p:spPr>
         <p:txBody>
@@ -8684,7 +8615,7 @@
                 <a:ea typeface="Arial" panose="020B0604020202020204"/>
                 <a:sym typeface="+mn-ea"/>
               </a:rPr>
-              <a:t>Boas Práticas</a:t>
+              <a:t>Parâmetros - Verificando uma query no FAST</a:t>
             </a:r>
             <a:endParaRPr lang="pt-BR" altLang="en-US" sz="2400" b="1" i="0" strike="noStrike">
               <a:solidFill>
@@ -8709,58 +8640,77 @@
         </p:nvSpPr>
         <p:spPr>
           <a:xfrm>
-            <a:off x="4121150" y="1152525"/>
-            <a:ext cx="4745990" cy="1789430"/>
-          </a:xfrm>
-        </p:spPr>
-        <p:txBody>
-          <a:bodyPr/>
-          <a:p>
-            <a:pPr marL="171450" indent="-171450" algn="just">
+            <a:off x="311785" y="656590"/>
+            <a:ext cx="4800600" cy="3416300"/>
+          </a:xfrm>
+        </p:spPr>
+        <p:txBody>
+          <a:bodyPr>
+            <a:normAutofit lnSpcReduction="10000"/>
+          </a:bodyPr>
+          <a:p>
+            <a:pPr marL="285750" indent="-285750" algn="just">
               <a:buFont typeface="Arial" panose="020B0604020202020204" pitchFamily="34" charset="0"/>
               <a:buChar char="•"/>
             </a:pPr>
             <a:r>
-              <a:rPr lang="pt-BR" b="0" strike="noStrike">
-                <a:solidFill>
-                  <a:srgbClr val="3B3B3B"/>
-                </a:solidFill>
-                <a:latin typeface="Arial" panose="020B0604020202020204"/>
-                <a:ea typeface="Arial" panose="020B0604020202020204"/>
-                <a:sym typeface="+mn-ea"/>
-              </a:rPr>
-              <a:t>Após uma introdução do FAST e do seu funcionamento, é importante destacar algumas boas práticas na hora de iníciar ou fazer alguma alteração em um relatório, para que seja feita da melhor forma possível.</a:t>
-            </a:r>
-            <a:endParaRPr lang="pt-BR" altLang="en-US"/>
-          </a:p>
-        </p:txBody>
-      </p:sp>
-      <p:pic>
-        <p:nvPicPr>
-          <p:cNvPr id="100" name="Imagem 99"/>
-          <p:cNvPicPr/>
-          <p:nvPr/>
-        </p:nvPicPr>
-        <p:blipFill>
-          <a:blip r:embed="rId1"/>
-          <a:stretch>
-            <a:fillRect/>
-          </a:stretch>
-        </p:blipFill>
-        <p:spPr>
-          <a:xfrm>
-            <a:off x="326390" y="1131570"/>
-            <a:ext cx="3629660" cy="3119120"/>
-          </a:xfrm>
-          <a:prstGeom prst="rect">
-            <a:avLst/>
-          </a:prstGeom>
-          <a:noFill/>
-          <a:ln w="9525">
-            <a:noFill/>
-          </a:ln>
-        </p:spPr>
-      </p:pic>
+              <a:rPr lang="pt-BR" altLang="en-US" sz="1600"/>
+              <a:t>Como foi dito anteriormente, para verificar se a consulta SQL está rodando, o nome da base de dados precisar estar em </a:t>
+            </a:r>
+            <a:r>
+              <a:rPr lang="pt-BR" altLang="en-US" sz="1600" b="1"/>
+              <a:t>negrito </a:t>
+            </a:r>
+            <a:r>
+              <a:rPr lang="pt-BR" altLang="en-US" sz="1600" b="0"/>
+              <a:t>no menu lateral direito. Mas quando se tem parâmetros, existe um procedimento a mais que deve ser feito para que o menu fique em </a:t>
+            </a:r>
+            <a:r>
+              <a:rPr lang="pt-BR" altLang="en-US" sz="1600" b="1"/>
+              <a:t>negrito</a:t>
+            </a:r>
+            <a:r>
+              <a:rPr lang="pt-BR" altLang="en-US" sz="1600" b="0"/>
+              <a:t>. É preciso clicar nos 3 pontos do campo “Params” das propriedades da base de dados, e na tela que se abrir clicar em “ok”. Caso ainda não fique em </a:t>
+            </a:r>
+            <a:r>
+              <a:rPr lang="pt-BR" altLang="en-US" sz="1600" b="1"/>
+              <a:t>negrito </a:t>
+            </a:r>
+            <a:r>
+              <a:rPr lang="pt-BR" altLang="en-US" sz="1600" b="0"/>
+              <a:t>verifique a query / parâmetro.</a:t>
+            </a:r>
+            <a:endParaRPr lang="pt-BR" altLang="en-US" sz="1600" b="0"/>
+          </a:p>
+          <a:p>
+            <a:pPr marL="285750" indent="-285750" algn="just">
+              <a:buFont typeface="Arial" panose="020B0604020202020204" pitchFamily="34" charset="0"/>
+              <a:buChar char="•"/>
+            </a:pPr>
+            <a:endParaRPr lang="pt-BR" altLang="en-US" sz="1600" b="0"/>
+          </a:p>
+          <a:p>
+            <a:pPr marL="285750" indent="-285750" algn="just">
+              <a:buFont typeface="Arial" panose="020B0604020202020204" pitchFamily="34" charset="0"/>
+              <a:buChar char="•"/>
+            </a:pPr>
+            <a:r>
+              <a:rPr lang="pt-BR" altLang="en-US" sz="1600" b="0"/>
+              <a:t>É importante deixar as bases em </a:t>
+            </a:r>
+            <a:r>
+              <a:rPr lang="pt-BR" altLang="en-US" sz="1600" b="1"/>
+              <a:t>negrito </a:t>
+            </a:r>
+            <a:r>
+              <a:rPr lang="pt-BR" altLang="en-US" sz="1600" b="0"/>
+              <a:t>no menu lateral direito, para você se certificar que o FAST está rodando as query e trazendo os campos.</a:t>
+            </a:r>
+            <a:endParaRPr lang="pt-BR" altLang="en-US" sz="1600" b="0"/>
+          </a:p>
+        </p:txBody>
+      </p:sp>
       <p:sp>
         <p:nvSpPr>
           <p:cNvPr id="112" name="Google Shape;97;p17"/>
@@ -8896,7 +8846,7 @@
           <p:nvPr/>
         </p:nvPicPr>
         <p:blipFill>
-          <a:blip r:embed="rId2"/>
+          <a:blip r:embed="rId1"/>
           <a:stretch>
             <a:fillRect/>
           </a:stretch>
@@ -8921,6 +8871,448 @@
           </a:effectLst>
         </p:spPr>
       </p:pic>
+      <p:sp>
+        <p:nvSpPr>
+          <p:cNvPr id="230" name="CaixaDeTexto 1"/>
+          <p:cNvSpPr/>
+          <p:nvPr/>
+        </p:nvSpPr>
+        <p:spPr>
+          <a:xfrm>
+            <a:off x="5625000" y="3435840"/>
+            <a:ext cx="3206880" cy="1073785"/>
+          </a:xfrm>
+          <a:prstGeom prst="rect">
+            <a:avLst/>
+          </a:prstGeom>
+          <a:gradFill rotWithShape="0">
+            <a:gsLst>
+              <a:gs pos="0">
+                <a:srgbClr val="4889F4"/>
+              </a:gs>
+              <a:gs pos="100000">
+                <a:srgbClr val="8EB6F8"/>
+              </a:gs>
+            </a:gsLst>
+            <a:lin ang="16200000"/>
+          </a:gradFill>
+          <a:ln w="0">
+            <a:noFill/>
+          </a:ln>
+        </p:spPr>
+        <p:style>
+          <a:lnRef idx="0">
+            <a:srgbClr val="FFFFFF"/>
+          </a:lnRef>
+          <a:fillRef idx="0">
+            <a:srgbClr val="FFFFFF"/>
+          </a:fillRef>
+          <a:effectRef idx="0">
+            <a:srgbClr val="FFFFFF"/>
+          </a:effectRef>
+          <a:fontRef idx="minor"/>
+        </p:style>
+        <p:txBody>
+          <a:bodyPr lIns="90000" tIns="45000" rIns="90000" bIns="45000" anchor="t">
+            <a:spAutoFit/>
+          </a:bodyPr>
+          <a:p>
+            <a:pPr algn="ctr">
+              <a:lnSpc>
+                <a:spcPct val="100000"/>
+              </a:lnSpc>
+            </a:pPr>
+            <a:endParaRPr lang="pt-BR" sz="800" b="0" strike="noStrike" spc="-1">
+              <a:solidFill>
+                <a:srgbClr val="000000"/>
+              </a:solidFill>
+              <a:latin typeface="Arial" panose="020B0604020202020204"/>
+            </a:endParaRPr>
+          </a:p>
+          <a:p>
+            <a:pPr algn="ctr">
+              <a:lnSpc>
+                <a:spcPct val="100000"/>
+              </a:lnSpc>
+            </a:pPr>
+            <a:r>
+              <a:rPr lang="pt-BR" sz="1600" b="1" strike="noStrike" spc="-1">
+                <a:solidFill>
+                  <a:schemeClr val="lt1"/>
+                </a:solidFill>
+                <a:latin typeface="Arial" panose="020B0604020202020204"/>
+                <a:ea typeface="Arial" panose="020B0604020202020204"/>
+              </a:rPr>
+              <a:t>OBS: Antes de clicar em “</a:t>
+            </a:r>
+            <a:r>
+              <a:rPr lang="pt-BR" sz="1600" b="1" strike="noStrike" spc="-1">
+                <a:solidFill>
+                  <a:srgbClr val="FF0000"/>
+                </a:solidFill>
+                <a:latin typeface="Arial" panose="020B0604020202020204"/>
+                <a:ea typeface="Arial" panose="020B0604020202020204"/>
+              </a:rPr>
+              <a:t>ok</a:t>
+            </a:r>
+            <a:r>
+              <a:rPr lang="pt-BR" sz="1600" b="1" strike="noStrike" spc="-1">
+                <a:solidFill>
+                  <a:schemeClr val="lt1"/>
+                </a:solidFill>
+                <a:latin typeface="Arial" panose="020B0604020202020204"/>
+                <a:ea typeface="Arial" panose="020B0604020202020204"/>
+              </a:rPr>
+              <a:t>” verificar se os parâmetros estão corretos.</a:t>
+            </a:r>
+            <a:endParaRPr lang="pt-BR" sz="1600" b="0" strike="noStrike" spc="-1">
+              <a:solidFill>
+                <a:srgbClr val="000000"/>
+              </a:solidFill>
+              <a:latin typeface="Arial" panose="020B0604020202020204"/>
+            </a:endParaRPr>
+          </a:p>
+          <a:p>
+            <a:pPr algn="ctr">
+              <a:lnSpc>
+                <a:spcPct val="100000"/>
+              </a:lnSpc>
+            </a:pPr>
+            <a:endParaRPr lang="pt-BR" sz="800" b="0" strike="noStrike" spc="-1">
+              <a:solidFill>
+                <a:srgbClr val="000000"/>
+              </a:solidFill>
+              <a:latin typeface="Arial" panose="020B0604020202020204"/>
+            </a:endParaRPr>
+          </a:p>
+        </p:txBody>
+      </p:sp>
+      <p:pic>
+        <p:nvPicPr>
+          <p:cNvPr id="6" name="Imagem 5"/>
+          <p:cNvPicPr>
+            <a:picLocks noChangeAspect="1"/>
+          </p:cNvPicPr>
+          <p:nvPr/>
+        </p:nvPicPr>
+        <p:blipFill>
+          <a:blip r:embed="rId2"/>
+          <a:stretch>
+            <a:fillRect/>
+          </a:stretch>
+        </p:blipFill>
+        <p:spPr>
+          <a:xfrm>
+            <a:off x="5292090" y="699770"/>
+            <a:ext cx="3683635" cy="2603500"/>
+          </a:xfrm>
+          <a:prstGeom prst="rect">
+            <a:avLst/>
+          </a:prstGeom>
+        </p:spPr>
+      </p:pic>
+    </p:spTree>
+  </p:cSld>
+  <p:clrMapOvr>
+    <a:masterClrMapping/>
+  </p:clrMapOvr>
+  <mc:AlternateContent xmlns:mc="http://schemas.openxmlformats.org/markup-compatibility/2006">
+    <mc:Choice xmlns:p14="http://schemas.microsoft.com/office/powerpoint/2010/main" Requires="p14">
+      <p:transition spd="slow" p14:dur="1000">
+        <p:wipe/>
+      </p:transition>
+    </mc:Choice>
+    <mc:Fallback>
+      <p:transition spd="slow">
+        <p:wipe/>
+      </p:transition>
+    </mc:Fallback>
+  </mc:AlternateContent>
+  <p:timing>
+    <p:tnLst>
+      <p:par>
+        <p:cTn id="1" dur="indefinite" restart="never" nodeType="tmRoot"/>
+      </p:par>
+    </p:tnLst>
+  </p:timing>
+</p:sld>
+</file>
+
+<file path=ppt/slides/slide18.xml><?xml version="1.0" encoding="utf-8"?>
+<p:sld xmlns:a="http://schemas.openxmlformats.org/drawingml/2006/main" xmlns:r="http://schemas.openxmlformats.org/officeDocument/2006/relationships" xmlns:p="http://schemas.openxmlformats.org/presentationml/2006/main">
+  <p:cSld>
+    <p:spTree>
+      <p:nvGrpSpPr>
+        <p:cNvPr id="1" name=""/>
+        <p:cNvGrpSpPr/>
+        <p:nvPr/>
+      </p:nvGrpSpPr>
+      <p:grpSpPr/>
+      <p:sp>
+        <p:nvSpPr>
+          <p:cNvPr id="2" name="Título 1"/>
+          <p:cNvSpPr>
+            <a:spLocks noGrp="1"/>
+          </p:cNvSpPr>
+          <p:nvPr>
+            <p:ph type="title"/>
+          </p:nvPr>
+        </p:nvSpPr>
+        <p:spPr>
+          <a:xfrm>
+            <a:off x="311785" y="262255"/>
+            <a:ext cx="8520430" cy="755015"/>
+          </a:xfrm>
+        </p:spPr>
+        <p:txBody>
+          <a:bodyPr/>
+          <a:p>
+            <a:r>
+              <a:rPr lang="pt-BR" sz="2400" b="1" i="0" strike="noStrike">
+                <a:solidFill>
+                  <a:srgbClr val="00315D"/>
+                </a:solidFill>
+                <a:latin typeface="Arial" panose="020B0604020202020204"/>
+                <a:ea typeface="Arial" panose="020B0604020202020204"/>
+                <a:sym typeface="+mn-ea"/>
+              </a:rPr>
+              <a:t>Boas Práticas</a:t>
+            </a:r>
+            <a:endParaRPr lang="pt-BR" altLang="en-US" sz="2400" b="1" i="0" strike="noStrike">
+              <a:solidFill>
+                <a:srgbClr val="00315D"/>
+              </a:solidFill>
+              <a:latin typeface="Arial" panose="020B0604020202020204"/>
+              <a:ea typeface="Arial" panose="020B0604020202020204"/>
+              <a:sym typeface="+mn-ea"/>
+            </a:endParaRPr>
+          </a:p>
+        </p:txBody>
+      </p:sp>
+      <p:sp>
+        <p:nvSpPr>
+          <p:cNvPr id="3" name="Espaço Reservado para Conteúdo 2"/>
+          <p:cNvSpPr>
+            <a:spLocks noGrp="1"/>
+          </p:cNvSpPr>
+          <p:nvPr>
+            <p:ph/>
+          </p:nvPr>
+        </p:nvSpPr>
+        <p:spPr>
+          <a:xfrm>
+            <a:off x="4121150" y="1152525"/>
+            <a:ext cx="4745990" cy="1789430"/>
+          </a:xfrm>
+        </p:spPr>
+        <p:txBody>
+          <a:bodyPr/>
+          <a:p>
+            <a:pPr marL="171450" indent="-171450" algn="just">
+              <a:buFont typeface="Arial" panose="020B0604020202020204" pitchFamily="34" charset="0"/>
+              <a:buChar char="•"/>
+            </a:pPr>
+            <a:r>
+              <a:rPr lang="pt-BR" b="0" strike="noStrike">
+                <a:solidFill>
+                  <a:srgbClr val="3B3B3B"/>
+                </a:solidFill>
+                <a:latin typeface="Arial" panose="020B0604020202020204"/>
+                <a:ea typeface="Arial" panose="020B0604020202020204"/>
+                <a:sym typeface="+mn-ea"/>
+              </a:rPr>
+              <a:t>Após uma introdução do FAST e do seu funcionamento, é importante destacar algumas boas práticas na hora de iníciar ou fazer alguma alteração em um relatório, para que seja feita da melhor forma possível.</a:t>
+            </a:r>
+            <a:endParaRPr lang="pt-BR" altLang="en-US"/>
+          </a:p>
+        </p:txBody>
+      </p:sp>
+      <p:pic>
+        <p:nvPicPr>
+          <p:cNvPr id="100" name="Imagem 99"/>
+          <p:cNvPicPr/>
+          <p:nvPr/>
+        </p:nvPicPr>
+        <p:blipFill>
+          <a:blip r:embed="rId1"/>
+          <a:stretch>
+            <a:fillRect/>
+          </a:stretch>
+        </p:blipFill>
+        <p:spPr>
+          <a:xfrm>
+            <a:off x="326390" y="1131570"/>
+            <a:ext cx="3629660" cy="3119120"/>
+          </a:xfrm>
+          <a:prstGeom prst="rect">
+            <a:avLst/>
+          </a:prstGeom>
+          <a:noFill/>
+          <a:ln w="9525">
+            <a:noFill/>
+          </a:ln>
+        </p:spPr>
+      </p:pic>
+      <p:sp>
+        <p:nvSpPr>
+          <p:cNvPr id="112" name="Google Shape;97;p17"/>
+          <p:cNvSpPr/>
+          <p:nvPr/>
+        </p:nvSpPr>
+        <p:spPr>
+          <a:xfrm flipH="1">
+            <a:off x="-720" y="4570920"/>
+            <a:ext cx="9143640" cy="572400"/>
+          </a:xfrm>
+          <a:prstGeom prst="rtTriangle">
+            <a:avLst/>
+          </a:prstGeom>
+          <a:gradFill rotWithShape="0">
+            <a:gsLst>
+              <a:gs pos="0">
+                <a:srgbClr val="DFE9FB"/>
+              </a:gs>
+              <a:gs pos="100000">
+                <a:srgbClr val="6E9BE7"/>
+              </a:gs>
+            </a:gsLst>
+            <a:lin ang="5394000"/>
+          </a:gradFill>
+          <a:ln w="0">
+            <a:noFill/>
+          </a:ln>
+        </p:spPr>
+        <p:style>
+          <a:lnRef idx="0">
+            <a:srgbClr val="FFFFFF"/>
+          </a:lnRef>
+          <a:fillRef idx="0">
+            <a:srgbClr val="FFFFFF"/>
+          </a:fillRef>
+          <a:effectRef idx="0">
+            <a:srgbClr val="FFFFFF"/>
+          </a:effectRef>
+          <a:fontRef idx="minor"/>
+        </p:style>
+        <p:txBody>
+          <a:bodyPr tIns="91440" bIns="91440" anchor="ctr">
+            <a:noAutofit/>
+          </a:bodyPr>
+          <a:p>
+            <a:pPr>
+              <a:lnSpc>
+                <a:spcPct val="100000"/>
+              </a:lnSpc>
+              <a:tabLst>
+                <a:tab pos="0" algn="l"/>
+              </a:tabLst>
+            </a:pPr>
+            <a:endParaRPr lang="pt-BR" sz="1400" b="0" strike="noStrike" spc="-1">
+              <a:solidFill>
+                <a:srgbClr val="000000"/>
+              </a:solidFill>
+              <a:latin typeface="Arial" panose="020B0604020202020204"/>
+              <a:ea typeface="Arial" panose="020B0604020202020204"/>
+            </a:endParaRPr>
+          </a:p>
+        </p:txBody>
+      </p:sp>
+      <p:sp>
+        <p:nvSpPr>
+          <p:cNvPr id="113" name="Google Shape;98;p17"/>
+          <p:cNvSpPr/>
+          <p:nvPr/>
+        </p:nvSpPr>
+        <p:spPr>
+          <a:xfrm>
+            <a:off x="0" y="4570920"/>
+            <a:ext cx="9143640" cy="572400"/>
+          </a:xfrm>
+          <a:prstGeom prst="rtTriangle">
+            <a:avLst/>
+          </a:prstGeom>
+          <a:gradFill rotWithShape="0">
+            <a:gsLst>
+              <a:gs pos="0">
+                <a:srgbClr val="00315D"/>
+              </a:gs>
+              <a:gs pos="100000">
+                <a:srgbClr val="1155CC"/>
+              </a:gs>
+            </a:gsLst>
+            <a:lin ang="2700000"/>
+          </a:gradFill>
+          <a:ln w="0">
+            <a:noFill/>
+          </a:ln>
+        </p:spPr>
+        <p:style>
+          <a:lnRef idx="0">
+            <a:srgbClr val="FFFFFF"/>
+          </a:lnRef>
+          <a:fillRef idx="0">
+            <a:srgbClr val="FFFFFF"/>
+          </a:fillRef>
+          <a:effectRef idx="0">
+            <a:srgbClr val="FFFFFF"/>
+          </a:effectRef>
+          <a:fontRef idx="minor"/>
+        </p:style>
+        <p:txBody>
+          <a:bodyPr tIns="91440" bIns="91440" anchor="ctr">
+            <a:noAutofit/>
+          </a:bodyPr>
+          <a:p>
+            <a:pPr>
+              <a:lnSpc>
+                <a:spcPct val="100000"/>
+              </a:lnSpc>
+              <a:tabLst>
+                <a:tab pos="0" algn="l"/>
+              </a:tabLst>
+            </a:pPr>
+            <a:endParaRPr lang="pt-BR" sz="1400" b="0" strike="noStrike" spc="-1">
+              <a:solidFill>
+                <a:srgbClr val="000000"/>
+              </a:solidFill>
+              <a:latin typeface="Arial" panose="020B0604020202020204"/>
+              <a:ea typeface="Arial" panose="020B0604020202020204"/>
+            </a:endParaRPr>
+          </a:p>
+        </p:txBody>
+      </p:sp>
+      <p:pic>
+        <p:nvPicPr>
+          <p:cNvPr id="114" name="Google Shape;99;p17"/>
+          <p:cNvPicPr/>
+          <p:nvPr/>
+        </p:nvPicPr>
+        <p:blipFill>
+          <a:blip r:embed="rId2"/>
+          <a:stretch>
+            <a:fillRect/>
+          </a:stretch>
+        </p:blipFill>
+        <p:spPr>
+          <a:xfrm>
+            <a:off x="117000" y="4700520"/>
+            <a:ext cx="1223280" cy="466920"/>
+          </a:xfrm>
+          <a:prstGeom prst="rect">
+            <a:avLst/>
+          </a:prstGeom>
+          <a:ln w="0">
+            <a:noFill/>
+          </a:ln>
+          <a:effectLst>
+            <a:outerShdw blurRad="57240" dist="19080" dir="5400000" algn="bl" rotWithShape="0">
+              <a:srgbClr val="000000">
+                <a:alpha val="50000"/>
+              </a:srgbClr>
+            </a:outerShdw>
+          </a:effectLst>
+        </p:spPr>
+      </p:pic>
     </p:spTree>
   </p:cSld>
   <p:clrMapOvr>
@@ -8929,7 +9321,7 @@
 </p:sld>
 </file>
 
-<file path=ppt/slides/slide18.xml><?xml version="1.0" encoding="utf-8"?>
+<file path=ppt/slides/slide19.xml><?xml version="1.0" encoding="utf-8"?>
 <p:sld xmlns:a="http://schemas.openxmlformats.org/drawingml/2006/main" xmlns:r="http://schemas.openxmlformats.org/officeDocument/2006/relationships" xmlns:p="http://schemas.openxmlformats.org/presentationml/2006/main">
   <p:cSld>
     <p:spTree>
@@ -9553,542 +9945,6 @@
             </p:seq>
           </p:childTnLst>
         </p:cTn>
-      </p:par>
-    </p:tnLst>
-  </p:timing>
-</p:sld>
-</file>
-
-<file path=ppt/slides/slide19.xml><?xml version="1.0" encoding="utf-8"?>
-<p:sld xmlns:a="http://schemas.openxmlformats.org/drawingml/2006/main" xmlns:r="http://schemas.openxmlformats.org/officeDocument/2006/relationships" xmlns:p="http://schemas.openxmlformats.org/presentationml/2006/main">
-  <p:cSld>
-    <p:spTree>
-      <p:nvGrpSpPr>
-        <p:cNvPr id="1" name=""/>
-        <p:cNvGrpSpPr/>
-        <p:nvPr/>
-      </p:nvGrpSpPr>
-      <p:grpSpPr>
-        <a:xfrm>
-          <a:off x="0" y="0"/>
-          <a:ext cx="0" cy="0"/>
-          <a:chOff x="0" y="0"/>
-          <a:chExt cx="0" cy="0"/>
-        </a:xfrm>
-      </p:grpSpPr>
-      <p:sp>
-        <p:nvSpPr>
-          <p:cNvPr id="109" name="PlaceHolder 1"/>
-          <p:cNvSpPr>
-            <a:spLocks noGrp="1"/>
-          </p:cNvSpPr>
-          <p:nvPr>
-            <p:ph type="title"/>
-          </p:nvPr>
-        </p:nvSpPr>
-        <p:spPr>
-          <a:xfrm>
-            <a:off x="311760" y="82080"/>
-            <a:ext cx="8520120" cy="572400"/>
-          </a:xfrm>
-          <a:prstGeom prst="rect">
-            <a:avLst/>
-          </a:prstGeom>
-          <a:noFill/>
-          <a:ln w="0">
-            <a:noFill/>
-          </a:ln>
-        </p:spPr>
-        <p:txBody>
-          <a:bodyPr tIns="91440" bIns="91440" anchor="t">
-            <a:normAutofit fontScale="89000"/>
-          </a:bodyPr>
-          <a:p>
-            <a:pPr indent="0">
-              <a:lnSpc>
-                <a:spcPct val="115000"/>
-              </a:lnSpc>
-              <a:spcBef>
-                <a:spcPts val="1200"/>
-              </a:spcBef>
-              <a:spcAft>
-                <a:spcPts val="1200"/>
-              </a:spcAft>
-              <a:buNone/>
-              <a:tabLst>
-                <a:tab pos="0" algn="l"/>
-              </a:tabLst>
-            </a:pPr>
-            <a:r>
-              <a:rPr lang="pt-BR" sz="2500" b="1" i="0" strike="noStrike" spc="-1">
-                <a:solidFill>
-                  <a:srgbClr val="00315D"/>
-                </a:solidFill>
-                <a:latin typeface="Arial" panose="020B0604020202020204"/>
-                <a:ea typeface="Arial" panose="020B0604020202020204"/>
-              </a:rPr>
-              <a:t>Boas Práticas - Modelos </a:t>
-            </a:r>
-            <a:endParaRPr lang="pt-BR" sz="2500" b="0" i="0" strike="noStrike" spc="-1">
-              <a:solidFill>
-                <a:srgbClr val="000000"/>
-              </a:solidFill>
-              <a:latin typeface="Arial" panose="020B0604020202020204"/>
-            </a:endParaRPr>
-          </a:p>
-        </p:txBody>
-      </p:sp>
-      <p:sp>
-        <p:nvSpPr>
-          <p:cNvPr id="110" name="PlaceHolder 2"/>
-          <p:cNvSpPr>
-            <a:spLocks noGrp="1"/>
-          </p:cNvSpPr>
-          <p:nvPr>
-            <p:ph/>
-          </p:nvPr>
-        </p:nvSpPr>
-        <p:spPr>
-          <a:xfrm>
-            <a:off x="541020" y="729615"/>
-            <a:ext cx="4973955" cy="4196080"/>
-          </a:xfrm>
-          <a:prstGeom prst="rect">
-            <a:avLst/>
-          </a:prstGeom>
-          <a:noFill/>
-          <a:ln w="0">
-            <a:noFill/>
-          </a:ln>
-        </p:spPr>
-        <p:txBody>
-          <a:bodyPr tIns="91440" bIns="91440" anchor="t">
-            <a:noAutofit/>
-          </a:bodyPr>
-          <a:p>
-            <a:pPr marL="457200" indent="-406400" algn="just">
-              <a:lnSpc>
-                <a:spcPct val="115000"/>
-              </a:lnSpc>
-              <a:buClr>
-                <a:srgbClr val="00315D"/>
-              </a:buClr>
-              <a:buFont typeface="Arial" panose="020B0604020202020204"/>
-              <a:buChar char="●"/>
-            </a:pPr>
-            <a:r>
-              <a:rPr lang="pt-BR" sz="1600" b="0" strike="noStrike">
-                <a:solidFill>
-                  <a:srgbClr val="3B3B3B"/>
-                </a:solidFill>
-                <a:latin typeface="Arial" panose="020B0604020202020204"/>
-                <a:ea typeface="Arial" panose="020B0604020202020204"/>
-                <a:sym typeface="+mn-ea"/>
-              </a:rPr>
-              <a:t>Quando a opção “Herança do relatório” for marcada, surgirá um cadeado nos campos/códigos (figura 1). Significa que será possível alterar esses campos/códigos apenas no modelo pai. Se esta opção estiver desmarcada, ele trará apenas uma cópia do modelo, permitindo a edição de qualquer campo/código (figura 2), não havendo vínculo de herança, ou seja, ao editar o modelo pai não será feita a alteração nesse relatório. </a:t>
-            </a:r>
-            <a:endParaRPr lang="pt-BR" sz="1000" b="1" strike="noStrike" spc="-1">
-              <a:solidFill>
-                <a:srgbClr val="00315D"/>
-              </a:solidFill>
-              <a:latin typeface="Arial" panose="020B0604020202020204"/>
-              <a:ea typeface="Arial" panose="020B0604020202020204"/>
-              <a:sym typeface="+mn-ea"/>
-            </a:endParaRPr>
-          </a:p>
-          <a:p>
-            <a:pPr marL="50800" indent="0">
-              <a:lnSpc>
-                <a:spcPct val="115000"/>
-              </a:lnSpc>
-              <a:buClr>
-                <a:srgbClr val="00315D"/>
-              </a:buClr>
-              <a:buFont typeface="Wingdings" panose="05000000000000000000" charset="0"/>
-              <a:buNone/>
-            </a:pPr>
-            <a:endParaRPr lang="pt-BR" sz="1000" b="1" strike="noStrike" spc="-1">
-              <a:solidFill>
-                <a:srgbClr val="00315D"/>
-              </a:solidFill>
-              <a:latin typeface="Arial" panose="020B0604020202020204"/>
-              <a:ea typeface="Arial" panose="020B0604020202020204"/>
-              <a:sym typeface="+mn-ea"/>
-            </a:endParaRPr>
-          </a:p>
-        </p:txBody>
-      </p:sp>
-      <p:grpSp>
-        <p:nvGrpSpPr>
-          <p:cNvPr id="111" name="Google Shape;96;p17"/>
-          <p:cNvGrpSpPr/>
-          <p:nvPr/>
-        </p:nvGrpSpPr>
-        <p:grpSpPr>
-          <a:xfrm>
-            <a:off x="-360" y="4570920"/>
-            <a:ext cx="9144000" cy="596520"/>
-            <a:chOff x="-360" y="4570920"/>
-            <a:chExt cx="9144000" cy="596520"/>
-          </a:xfrm>
-        </p:grpSpPr>
-        <p:sp>
-          <p:nvSpPr>
-            <p:cNvPr id="112" name="Google Shape;97;p17"/>
-            <p:cNvSpPr/>
-            <p:nvPr/>
-          </p:nvSpPr>
-          <p:spPr>
-            <a:xfrm flipH="1">
-              <a:off x="-720" y="4570920"/>
-              <a:ext cx="9143640" cy="572400"/>
-            </a:xfrm>
-            <a:prstGeom prst="rtTriangle">
-              <a:avLst/>
-            </a:prstGeom>
-            <a:gradFill rotWithShape="0">
-              <a:gsLst>
-                <a:gs pos="0">
-                  <a:srgbClr val="DFE9FB"/>
-                </a:gs>
-                <a:gs pos="100000">
-                  <a:srgbClr val="6E9BE7"/>
-                </a:gs>
-              </a:gsLst>
-              <a:lin ang="5394000"/>
-            </a:gradFill>
-            <a:ln w="0">
-              <a:noFill/>
-            </a:ln>
-          </p:spPr>
-          <p:style>
-            <a:lnRef idx="0">
-              <a:srgbClr val="FFFFFF"/>
-            </a:lnRef>
-            <a:fillRef idx="0">
-              <a:srgbClr val="FFFFFF"/>
-            </a:fillRef>
-            <a:effectRef idx="0">
-              <a:srgbClr val="FFFFFF"/>
-            </a:effectRef>
-            <a:fontRef idx="minor"/>
-          </p:style>
-          <p:txBody>
-            <a:bodyPr tIns="91440" bIns="91440" anchor="ctr">
-              <a:noAutofit/>
-            </a:bodyPr>
-            <a:p>
-              <a:pPr>
-                <a:lnSpc>
-                  <a:spcPct val="100000"/>
-                </a:lnSpc>
-                <a:tabLst>
-                  <a:tab pos="0" algn="l"/>
-                </a:tabLst>
-              </a:pPr>
-              <a:endParaRPr lang="pt-BR" sz="1400" b="0" strike="noStrike" spc="-1">
-                <a:solidFill>
-                  <a:srgbClr val="000000"/>
-                </a:solidFill>
-                <a:latin typeface="Arial" panose="020B0604020202020204"/>
-                <a:ea typeface="Arial" panose="020B0604020202020204"/>
-              </a:endParaRPr>
-            </a:p>
-          </p:txBody>
-        </p:sp>
-        <p:sp>
-          <p:nvSpPr>
-            <p:cNvPr id="113" name="Google Shape;98;p17"/>
-            <p:cNvSpPr/>
-            <p:nvPr/>
-          </p:nvSpPr>
-          <p:spPr>
-            <a:xfrm>
-              <a:off x="0" y="4570920"/>
-              <a:ext cx="9143640" cy="572400"/>
-            </a:xfrm>
-            <a:prstGeom prst="rtTriangle">
-              <a:avLst/>
-            </a:prstGeom>
-            <a:gradFill rotWithShape="0">
-              <a:gsLst>
-                <a:gs pos="0">
-                  <a:srgbClr val="00315D"/>
-                </a:gs>
-                <a:gs pos="100000">
-                  <a:srgbClr val="1155CC"/>
-                </a:gs>
-              </a:gsLst>
-              <a:lin ang="2700000"/>
-            </a:gradFill>
-            <a:ln w="0">
-              <a:noFill/>
-            </a:ln>
-          </p:spPr>
-          <p:style>
-            <a:lnRef idx="0">
-              <a:srgbClr val="FFFFFF"/>
-            </a:lnRef>
-            <a:fillRef idx="0">
-              <a:srgbClr val="FFFFFF"/>
-            </a:fillRef>
-            <a:effectRef idx="0">
-              <a:srgbClr val="FFFFFF"/>
-            </a:effectRef>
-            <a:fontRef idx="minor"/>
-          </p:style>
-          <p:txBody>
-            <a:bodyPr tIns="91440" bIns="91440" anchor="ctr">
-              <a:noAutofit/>
-            </a:bodyPr>
-            <a:p>
-              <a:pPr>
-                <a:lnSpc>
-                  <a:spcPct val="100000"/>
-                </a:lnSpc>
-                <a:tabLst>
-                  <a:tab pos="0" algn="l"/>
-                </a:tabLst>
-              </a:pPr>
-              <a:endParaRPr lang="pt-BR" sz="1400" b="0" strike="noStrike" spc="-1">
-                <a:solidFill>
-                  <a:srgbClr val="000000"/>
-                </a:solidFill>
-                <a:latin typeface="Arial" panose="020B0604020202020204"/>
-                <a:ea typeface="Arial" panose="020B0604020202020204"/>
-              </a:endParaRPr>
-            </a:p>
-          </p:txBody>
-        </p:sp>
-        <p:pic>
-          <p:nvPicPr>
-            <p:cNvPr id="114" name="Google Shape;99;p17"/>
-            <p:cNvPicPr/>
-            <p:nvPr/>
-          </p:nvPicPr>
-          <p:blipFill>
-            <a:blip r:embed="rId1"/>
-            <a:stretch>
-              <a:fillRect/>
-            </a:stretch>
-          </p:blipFill>
-          <p:spPr>
-            <a:xfrm>
-              <a:off x="117000" y="4700520"/>
-              <a:ext cx="1223280" cy="466920"/>
-            </a:xfrm>
-            <a:prstGeom prst="rect">
-              <a:avLst/>
-            </a:prstGeom>
-            <a:ln w="0">
-              <a:noFill/>
-            </a:ln>
-            <a:effectLst>
-              <a:outerShdw blurRad="57240" dist="19080" dir="5400000" algn="bl" rotWithShape="0">
-                <a:srgbClr val="000000">
-                  <a:alpha val="50000"/>
-                </a:srgbClr>
-              </a:outerShdw>
-            </a:effectLst>
-          </p:spPr>
-        </p:pic>
-      </p:grpSp>
-      <p:pic>
-        <p:nvPicPr>
-          <p:cNvPr id="4" name="Imagem 3"/>
-          <p:cNvPicPr>
-            <a:picLocks noChangeAspect="1"/>
-          </p:cNvPicPr>
-          <p:nvPr/>
-        </p:nvPicPr>
-        <p:blipFill>
-          <a:blip r:embed="rId2"/>
-          <a:stretch>
-            <a:fillRect/>
-          </a:stretch>
-        </p:blipFill>
-        <p:spPr>
-          <a:xfrm>
-            <a:off x="6094730" y="2837180"/>
-            <a:ext cx="1999179" cy="763200"/>
-          </a:xfrm>
-          <a:prstGeom prst="rect">
-            <a:avLst/>
-          </a:prstGeom>
-        </p:spPr>
-      </p:pic>
-      <p:pic>
-        <p:nvPicPr>
-          <p:cNvPr id="5" name="Imagem 4"/>
-          <p:cNvPicPr>
-            <a:picLocks noChangeAspect="1"/>
-          </p:cNvPicPr>
-          <p:nvPr/>
-        </p:nvPicPr>
-        <p:blipFill>
-          <a:blip r:embed="rId3"/>
-          <a:srcRect t="5959"/>
-          <a:stretch>
-            <a:fillRect/>
-          </a:stretch>
-        </p:blipFill>
-        <p:spPr>
-          <a:xfrm>
-            <a:off x="6064885" y="1364615"/>
-            <a:ext cx="1922780" cy="762635"/>
-          </a:xfrm>
-          <a:prstGeom prst="rect">
-            <a:avLst/>
-          </a:prstGeom>
-        </p:spPr>
-      </p:pic>
-      <p:sp>
-        <p:nvSpPr>
-          <p:cNvPr id="6" name="Caixa de Texto 5"/>
-          <p:cNvSpPr txBox="1"/>
-          <p:nvPr/>
-        </p:nvSpPr>
-        <p:spPr>
-          <a:xfrm>
-            <a:off x="6702425" y="1895475"/>
-            <a:ext cx="648335" cy="245110"/>
-          </a:xfrm>
-          <a:prstGeom prst="rect">
-            <a:avLst/>
-          </a:prstGeom>
-          <a:noFill/>
-        </p:spPr>
-        <p:txBody>
-          <a:bodyPr wrap="none" rtlCol="0">
-            <a:spAutoFit/>
-          </a:bodyPr>
-          <a:p>
-            <a:r>
-              <a:rPr lang="pt-BR" sz="1000" kern="0">
-                <a:solidFill>
-                  <a:srgbClr val="3B3B3B"/>
-                </a:solidFill>
-                <a:latin typeface="Arial" panose="020B0604020202020204"/>
-                <a:ea typeface="Arial" panose="020B0604020202020204"/>
-                <a:cs typeface="+mn-ea"/>
-              </a:rPr>
-              <a:t>Figura 1</a:t>
-            </a:r>
-            <a:endParaRPr lang="pt-BR" altLang="en-US" sz="1000" kern="0">
-              <a:solidFill>
-                <a:srgbClr val="3B3B3B"/>
-              </a:solidFill>
-              <a:latin typeface="Arial" panose="020B0604020202020204"/>
-              <a:ea typeface="Arial" panose="020B0604020202020204"/>
-              <a:cs typeface="+mn-ea"/>
-            </a:endParaRPr>
-          </a:p>
-        </p:txBody>
-      </p:sp>
-      <p:sp>
-        <p:nvSpPr>
-          <p:cNvPr id="7" name="Caixa de Texto 6"/>
-          <p:cNvSpPr txBox="1"/>
-          <p:nvPr/>
-        </p:nvSpPr>
-        <p:spPr>
-          <a:xfrm>
-            <a:off x="6702425" y="3326130"/>
-            <a:ext cx="648335" cy="245110"/>
-          </a:xfrm>
-          <a:prstGeom prst="rect">
-            <a:avLst/>
-          </a:prstGeom>
-          <a:noFill/>
-        </p:spPr>
-        <p:txBody>
-          <a:bodyPr wrap="none" rtlCol="0">
-            <a:spAutoFit/>
-          </a:bodyPr>
-          <a:p>
-            <a:r>
-              <a:rPr lang="pt-BR" sz="1000" kern="0">
-                <a:solidFill>
-                  <a:srgbClr val="3B3B3B"/>
-                </a:solidFill>
-                <a:latin typeface="Arial" panose="020B0604020202020204"/>
-                <a:ea typeface="Arial" panose="020B0604020202020204"/>
-                <a:cs typeface="+mn-ea"/>
-              </a:rPr>
-              <a:t>Figura 2</a:t>
-            </a:r>
-            <a:endParaRPr lang="pt-BR" sz="1000" kern="0">
-              <a:solidFill>
-                <a:srgbClr val="3B3B3B"/>
-              </a:solidFill>
-              <a:latin typeface="Arial" panose="020B0604020202020204"/>
-              <a:ea typeface="Arial" panose="020B0604020202020204"/>
-              <a:cs typeface="+mn-ea"/>
-            </a:endParaRPr>
-          </a:p>
-        </p:txBody>
-      </p:sp>
-      <p:pic>
-        <p:nvPicPr>
-          <p:cNvPr id="8" name="Imagem 7"/>
-          <p:cNvPicPr>
-            <a:picLocks noChangeAspect="1"/>
-          </p:cNvPicPr>
-          <p:nvPr/>
-        </p:nvPicPr>
-        <p:blipFill>
-          <a:blip r:embed="rId4"/>
-          <a:srcRect b="14205"/>
-          <a:stretch>
-            <a:fillRect/>
-          </a:stretch>
-        </p:blipFill>
-        <p:spPr>
-          <a:xfrm>
-            <a:off x="6052185" y="840740"/>
-            <a:ext cx="2041525" cy="626110"/>
-          </a:xfrm>
-          <a:prstGeom prst="rect">
-            <a:avLst/>
-          </a:prstGeom>
-        </p:spPr>
-      </p:pic>
-      <p:pic>
-        <p:nvPicPr>
-          <p:cNvPr id="9" name="Imagem 8"/>
-          <p:cNvPicPr>
-            <a:picLocks noChangeAspect="1"/>
-          </p:cNvPicPr>
-          <p:nvPr/>
-        </p:nvPicPr>
-        <p:blipFill>
-          <a:blip r:embed="rId5"/>
-          <a:stretch>
-            <a:fillRect/>
-          </a:stretch>
-        </p:blipFill>
-        <p:spPr>
-          <a:xfrm>
-            <a:off x="6052185" y="2287905"/>
-            <a:ext cx="2041200" cy="650019"/>
-          </a:xfrm>
-          <a:prstGeom prst="rect">
-            <a:avLst/>
-          </a:prstGeom>
-        </p:spPr>
-      </p:pic>
-    </p:spTree>
-  </p:cSld>
-  <p:clrMapOvr>
-    <a:masterClrMapping/>
-  </p:clrMapOvr>
-  <p:transition spd="slow">
-    <p:fade/>
-  </p:transition>
-  <p:timing>
-    <p:tnLst>
-      <p:par>
-        <p:cTn id="1" dur="indefinite" restart="never" nodeType="tmRoot"/>
       </p:par>
     </p:tnLst>
   </p:timing>
@@ -11102,6 +10958,542 @@
                 <a:latin typeface="Arial" panose="020B0604020202020204"/>
                 <a:ea typeface="Arial" panose="020B0604020202020204"/>
               </a:rPr>
+              <a:t>Boas Práticas - Modelos </a:t>
+            </a:r>
+            <a:endParaRPr lang="pt-BR" sz="2500" b="0" i="0" strike="noStrike" spc="-1">
+              <a:solidFill>
+                <a:srgbClr val="000000"/>
+              </a:solidFill>
+              <a:latin typeface="Arial" panose="020B0604020202020204"/>
+            </a:endParaRPr>
+          </a:p>
+        </p:txBody>
+      </p:sp>
+      <p:sp>
+        <p:nvSpPr>
+          <p:cNvPr id="110" name="PlaceHolder 2"/>
+          <p:cNvSpPr>
+            <a:spLocks noGrp="1"/>
+          </p:cNvSpPr>
+          <p:nvPr>
+            <p:ph/>
+          </p:nvPr>
+        </p:nvSpPr>
+        <p:spPr>
+          <a:xfrm>
+            <a:off x="541020" y="729615"/>
+            <a:ext cx="4973955" cy="4196080"/>
+          </a:xfrm>
+          <a:prstGeom prst="rect">
+            <a:avLst/>
+          </a:prstGeom>
+          <a:noFill/>
+          <a:ln w="0">
+            <a:noFill/>
+          </a:ln>
+        </p:spPr>
+        <p:txBody>
+          <a:bodyPr tIns="91440" bIns="91440" anchor="t">
+            <a:noAutofit/>
+          </a:bodyPr>
+          <a:p>
+            <a:pPr marL="457200" indent="-406400" algn="just">
+              <a:lnSpc>
+                <a:spcPct val="115000"/>
+              </a:lnSpc>
+              <a:buClr>
+                <a:srgbClr val="00315D"/>
+              </a:buClr>
+              <a:buFont typeface="Arial" panose="020B0604020202020204"/>
+              <a:buChar char="●"/>
+            </a:pPr>
+            <a:r>
+              <a:rPr lang="pt-BR" sz="1600" b="0" strike="noStrike">
+                <a:solidFill>
+                  <a:srgbClr val="3B3B3B"/>
+                </a:solidFill>
+                <a:latin typeface="Arial" panose="020B0604020202020204"/>
+                <a:ea typeface="Arial" panose="020B0604020202020204"/>
+                <a:sym typeface="+mn-ea"/>
+              </a:rPr>
+              <a:t>Quando a opção “Herança do relatório” for marcada, surgirá um cadeado nos campos/códigos (figura 1). Significa que será possível alterar esses campos/códigos apenas no modelo pai. Se esta opção estiver desmarcada, ele trará apenas uma cópia do modelo, permitindo a edição de qualquer campo/código (figura 2), não havendo vínculo de herança, ou seja, ao editar o modelo pai não será feita a alteração nesse relatório. </a:t>
+            </a:r>
+            <a:endParaRPr lang="pt-BR" sz="1000" b="1" strike="noStrike" spc="-1">
+              <a:solidFill>
+                <a:srgbClr val="00315D"/>
+              </a:solidFill>
+              <a:latin typeface="Arial" panose="020B0604020202020204"/>
+              <a:ea typeface="Arial" panose="020B0604020202020204"/>
+              <a:sym typeface="+mn-ea"/>
+            </a:endParaRPr>
+          </a:p>
+          <a:p>
+            <a:pPr marL="50800" indent="0">
+              <a:lnSpc>
+                <a:spcPct val="115000"/>
+              </a:lnSpc>
+              <a:buClr>
+                <a:srgbClr val="00315D"/>
+              </a:buClr>
+              <a:buFont typeface="Wingdings" panose="05000000000000000000" charset="0"/>
+              <a:buNone/>
+            </a:pPr>
+            <a:endParaRPr lang="pt-BR" sz="1000" b="1" strike="noStrike" spc="-1">
+              <a:solidFill>
+                <a:srgbClr val="00315D"/>
+              </a:solidFill>
+              <a:latin typeface="Arial" panose="020B0604020202020204"/>
+              <a:ea typeface="Arial" panose="020B0604020202020204"/>
+              <a:sym typeface="+mn-ea"/>
+            </a:endParaRPr>
+          </a:p>
+        </p:txBody>
+      </p:sp>
+      <p:grpSp>
+        <p:nvGrpSpPr>
+          <p:cNvPr id="111" name="Google Shape;96;p17"/>
+          <p:cNvGrpSpPr/>
+          <p:nvPr/>
+        </p:nvGrpSpPr>
+        <p:grpSpPr>
+          <a:xfrm>
+            <a:off x="-360" y="4570920"/>
+            <a:ext cx="9144000" cy="596520"/>
+            <a:chOff x="-360" y="4570920"/>
+            <a:chExt cx="9144000" cy="596520"/>
+          </a:xfrm>
+        </p:grpSpPr>
+        <p:sp>
+          <p:nvSpPr>
+            <p:cNvPr id="112" name="Google Shape;97;p17"/>
+            <p:cNvSpPr/>
+            <p:nvPr/>
+          </p:nvSpPr>
+          <p:spPr>
+            <a:xfrm flipH="1">
+              <a:off x="-720" y="4570920"/>
+              <a:ext cx="9143640" cy="572400"/>
+            </a:xfrm>
+            <a:prstGeom prst="rtTriangle">
+              <a:avLst/>
+            </a:prstGeom>
+            <a:gradFill rotWithShape="0">
+              <a:gsLst>
+                <a:gs pos="0">
+                  <a:srgbClr val="DFE9FB"/>
+                </a:gs>
+                <a:gs pos="100000">
+                  <a:srgbClr val="6E9BE7"/>
+                </a:gs>
+              </a:gsLst>
+              <a:lin ang="5394000"/>
+            </a:gradFill>
+            <a:ln w="0">
+              <a:noFill/>
+            </a:ln>
+          </p:spPr>
+          <p:style>
+            <a:lnRef idx="0">
+              <a:srgbClr val="FFFFFF"/>
+            </a:lnRef>
+            <a:fillRef idx="0">
+              <a:srgbClr val="FFFFFF"/>
+            </a:fillRef>
+            <a:effectRef idx="0">
+              <a:srgbClr val="FFFFFF"/>
+            </a:effectRef>
+            <a:fontRef idx="minor"/>
+          </p:style>
+          <p:txBody>
+            <a:bodyPr tIns="91440" bIns="91440" anchor="ctr">
+              <a:noAutofit/>
+            </a:bodyPr>
+            <a:p>
+              <a:pPr>
+                <a:lnSpc>
+                  <a:spcPct val="100000"/>
+                </a:lnSpc>
+                <a:tabLst>
+                  <a:tab pos="0" algn="l"/>
+                </a:tabLst>
+              </a:pPr>
+              <a:endParaRPr lang="pt-BR" sz="1400" b="0" strike="noStrike" spc="-1">
+                <a:solidFill>
+                  <a:srgbClr val="000000"/>
+                </a:solidFill>
+                <a:latin typeface="Arial" panose="020B0604020202020204"/>
+                <a:ea typeface="Arial" panose="020B0604020202020204"/>
+              </a:endParaRPr>
+            </a:p>
+          </p:txBody>
+        </p:sp>
+        <p:sp>
+          <p:nvSpPr>
+            <p:cNvPr id="113" name="Google Shape;98;p17"/>
+            <p:cNvSpPr/>
+            <p:nvPr/>
+          </p:nvSpPr>
+          <p:spPr>
+            <a:xfrm>
+              <a:off x="0" y="4570920"/>
+              <a:ext cx="9143640" cy="572400"/>
+            </a:xfrm>
+            <a:prstGeom prst="rtTriangle">
+              <a:avLst/>
+            </a:prstGeom>
+            <a:gradFill rotWithShape="0">
+              <a:gsLst>
+                <a:gs pos="0">
+                  <a:srgbClr val="00315D"/>
+                </a:gs>
+                <a:gs pos="100000">
+                  <a:srgbClr val="1155CC"/>
+                </a:gs>
+              </a:gsLst>
+              <a:lin ang="2700000"/>
+            </a:gradFill>
+            <a:ln w="0">
+              <a:noFill/>
+            </a:ln>
+          </p:spPr>
+          <p:style>
+            <a:lnRef idx="0">
+              <a:srgbClr val="FFFFFF"/>
+            </a:lnRef>
+            <a:fillRef idx="0">
+              <a:srgbClr val="FFFFFF"/>
+            </a:fillRef>
+            <a:effectRef idx="0">
+              <a:srgbClr val="FFFFFF"/>
+            </a:effectRef>
+            <a:fontRef idx="minor"/>
+          </p:style>
+          <p:txBody>
+            <a:bodyPr tIns="91440" bIns="91440" anchor="ctr">
+              <a:noAutofit/>
+            </a:bodyPr>
+            <a:p>
+              <a:pPr>
+                <a:lnSpc>
+                  <a:spcPct val="100000"/>
+                </a:lnSpc>
+                <a:tabLst>
+                  <a:tab pos="0" algn="l"/>
+                </a:tabLst>
+              </a:pPr>
+              <a:endParaRPr lang="pt-BR" sz="1400" b="0" strike="noStrike" spc="-1">
+                <a:solidFill>
+                  <a:srgbClr val="000000"/>
+                </a:solidFill>
+                <a:latin typeface="Arial" panose="020B0604020202020204"/>
+                <a:ea typeface="Arial" panose="020B0604020202020204"/>
+              </a:endParaRPr>
+            </a:p>
+          </p:txBody>
+        </p:sp>
+        <p:pic>
+          <p:nvPicPr>
+            <p:cNvPr id="114" name="Google Shape;99;p17"/>
+            <p:cNvPicPr/>
+            <p:nvPr/>
+          </p:nvPicPr>
+          <p:blipFill>
+            <a:blip r:embed="rId1"/>
+            <a:stretch>
+              <a:fillRect/>
+            </a:stretch>
+          </p:blipFill>
+          <p:spPr>
+            <a:xfrm>
+              <a:off x="117000" y="4700520"/>
+              <a:ext cx="1223280" cy="466920"/>
+            </a:xfrm>
+            <a:prstGeom prst="rect">
+              <a:avLst/>
+            </a:prstGeom>
+            <a:ln w="0">
+              <a:noFill/>
+            </a:ln>
+            <a:effectLst>
+              <a:outerShdw blurRad="57240" dist="19080" dir="5400000" algn="bl" rotWithShape="0">
+                <a:srgbClr val="000000">
+                  <a:alpha val="50000"/>
+                </a:srgbClr>
+              </a:outerShdw>
+            </a:effectLst>
+          </p:spPr>
+        </p:pic>
+      </p:grpSp>
+      <p:pic>
+        <p:nvPicPr>
+          <p:cNvPr id="4" name="Imagem 3"/>
+          <p:cNvPicPr>
+            <a:picLocks noChangeAspect="1"/>
+          </p:cNvPicPr>
+          <p:nvPr/>
+        </p:nvPicPr>
+        <p:blipFill>
+          <a:blip r:embed="rId2"/>
+          <a:stretch>
+            <a:fillRect/>
+          </a:stretch>
+        </p:blipFill>
+        <p:spPr>
+          <a:xfrm>
+            <a:off x="6094730" y="2837180"/>
+            <a:ext cx="1999179" cy="763200"/>
+          </a:xfrm>
+          <a:prstGeom prst="rect">
+            <a:avLst/>
+          </a:prstGeom>
+        </p:spPr>
+      </p:pic>
+      <p:pic>
+        <p:nvPicPr>
+          <p:cNvPr id="5" name="Imagem 4"/>
+          <p:cNvPicPr>
+            <a:picLocks noChangeAspect="1"/>
+          </p:cNvPicPr>
+          <p:nvPr/>
+        </p:nvPicPr>
+        <p:blipFill>
+          <a:blip r:embed="rId3"/>
+          <a:srcRect t="5959"/>
+          <a:stretch>
+            <a:fillRect/>
+          </a:stretch>
+        </p:blipFill>
+        <p:spPr>
+          <a:xfrm>
+            <a:off x="6064885" y="1364615"/>
+            <a:ext cx="1922780" cy="762635"/>
+          </a:xfrm>
+          <a:prstGeom prst="rect">
+            <a:avLst/>
+          </a:prstGeom>
+        </p:spPr>
+      </p:pic>
+      <p:sp>
+        <p:nvSpPr>
+          <p:cNvPr id="6" name="Caixa de Texto 5"/>
+          <p:cNvSpPr txBox="1"/>
+          <p:nvPr/>
+        </p:nvSpPr>
+        <p:spPr>
+          <a:xfrm>
+            <a:off x="6702425" y="1895475"/>
+            <a:ext cx="648335" cy="245110"/>
+          </a:xfrm>
+          <a:prstGeom prst="rect">
+            <a:avLst/>
+          </a:prstGeom>
+          <a:noFill/>
+        </p:spPr>
+        <p:txBody>
+          <a:bodyPr wrap="none" rtlCol="0">
+            <a:spAutoFit/>
+          </a:bodyPr>
+          <a:p>
+            <a:r>
+              <a:rPr lang="pt-BR" sz="1000" kern="0">
+                <a:solidFill>
+                  <a:srgbClr val="3B3B3B"/>
+                </a:solidFill>
+                <a:latin typeface="Arial" panose="020B0604020202020204"/>
+                <a:ea typeface="Arial" panose="020B0604020202020204"/>
+                <a:cs typeface="+mn-ea"/>
+              </a:rPr>
+              <a:t>Figura 1</a:t>
+            </a:r>
+            <a:endParaRPr lang="pt-BR" altLang="en-US" sz="1000" kern="0">
+              <a:solidFill>
+                <a:srgbClr val="3B3B3B"/>
+              </a:solidFill>
+              <a:latin typeface="Arial" panose="020B0604020202020204"/>
+              <a:ea typeface="Arial" panose="020B0604020202020204"/>
+              <a:cs typeface="+mn-ea"/>
+            </a:endParaRPr>
+          </a:p>
+        </p:txBody>
+      </p:sp>
+      <p:sp>
+        <p:nvSpPr>
+          <p:cNvPr id="7" name="Caixa de Texto 6"/>
+          <p:cNvSpPr txBox="1"/>
+          <p:nvPr/>
+        </p:nvSpPr>
+        <p:spPr>
+          <a:xfrm>
+            <a:off x="6702425" y="3326130"/>
+            <a:ext cx="648335" cy="245110"/>
+          </a:xfrm>
+          <a:prstGeom prst="rect">
+            <a:avLst/>
+          </a:prstGeom>
+          <a:noFill/>
+        </p:spPr>
+        <p:txBody>
+          <a:bodyPr wrap="none" rtlCol="0">
+            <a:spAutoFit/>
+          </a:bodyPr>
+          <a:p>
+            <a:r>
+              <a:rPr lang="pt-BR" sz="1000" kern="0">
+                <a:solidFill>
+                  <a:srgbClr val="3B3B3B"/>
+                </a:solidFill>
+                <a:latin typeface="Arial" panose="020B0604020202020204"/>
+                <a:ea typeface="Arial" panose="020B0604020202020204"/>
+                <a:cs typeface="+mn-ea"/>
+              </a:rPr>
+              <a:t>Figura 2</a:t>
+            </a:r>
+            <a:endParaRPr lang="pt-BR" sz="1000" kern="0">
+              <a:solidFill>
+                <a:srgbClr val="3B3B3B"/>
+              </a:solidFill>
+              <a:latin typeface="Arial" panose="020B0604020202020204"/>
+              <a:ea typeface="Arial" panose="020B0604020202020204"/>
+              <a:cs typeface="+mn-ea"/>
+            </a:endParaRPr>
+          </a:p>
+        </p:txBody>
+      </p:sp>
+      <p:pic>
+        <p:nvPicPr>
+          <p:cNvPr id="8" name="Imagem 7"/>
+          <p:cNvPicPr>
+            <a:picLocks noChangeAspect="1"/>
+          </p:cNvPicPr>
+          <p:nvPr/>
+        </p:nvPicPr>
+        <p:blipFill>
+          <a:blip r:embed="rId4"/>
+          <a:srcRect b="14205"/>
+          <a:stretch>
+            <a:fillRect/>
+          </a:stretch>
+        </p:blipFill>
+        <p:spPr>
+          <a:xfrm>
+            <a:off x="6052185" y="840740"/>
+            <a:ext cx="2041525" cy="626110"/>
+          </a:xfrm>
+          <a:prstGeom prst="rect">
+            <a:avLst/>
+          </a:prstGeom>
+        </p:spPr>
+      </p:pic>
+      <p:pic>
+        <p:nvPicPr>
+          <p:cNvPr id="9" name="Imagem 8"/>
+          <p:cNvPicPr>
+            <a:picLocks noChangeAspect="1"/>
+          </p:cNvPicPr>
+          <p:nvPr/>
+        </p:nvPicPr>
+        <p:blipFill>
+          <a:blip r:embed="rId5"/>
+          <a:stretch>
+            <a:fillRect/>
+          </a:stretch>
+        </p:blipFill>
+        <p:spPr>
+          <a:xfrm>
+            <a:off x="6052185" y="2287905"/>
+            <a:ext cx="2041200" cy="650019"/>
+          </a:xfrm>
+          <a:prstGeom prst="rect">
+            <a:avLst/>
+          </a:prstGeom>
+        </p:spPr>
+      </p:pic>
+    </p:spTree>
+  </p:cSld>
+  <p:clrMapOvr>
+    <a:masterClrMapping/>
+  </p:clrMapOvr>
+  <p:transition spd="slow">
+    <p:fade/>
+  </p:transition>
+  <p:timing>
+    <p:tnLst>
+      <p:par>
+        <p:cTn id="1" dur="indefinite" restart="never" nodeType="tmRoot"/>
+      </p:par>
+    </p:tnLst>
+  </p:timing>
+</p:sld>
+</file>
+
+<file path=ppt/slides/slide21.xml><?xml version="1.0" encoding="utf-8"?>
+<p:sld xmlns:a="http://schemas.openxmlformats.org/drawingml/2006/main" xmlns:r="http://schemas.openxmlformats.org/officeDocument/2006/relationships" xmlns:p="http://schemas.openxmlformats.org/presentationml/2006/main">
+  <p:cSld>
+    <p:spTree>
+      <p:nvGrpSpPr>
+        <p:cNvPr id="1" name=""/>
+        <p:cNvGrpSpPr/>
+        <p:nvPr/>
+      </p:nvGrpSpPr>
+      <p:grpSpPr>
+        <a:xfrm>
+          <a:off x="0" y="0"/>
+          <a:ext cx="0" cy="0"/>
+          <a:chOff x="0" y="0"/>
+          <a:chExt cx="0" cy="0"/>
+        </a:xfrm>
+      </p:grpSpPr>
+      <p:sp>
+        <p:nvSpPr>
+          <p:cNvPr id="109" name="PlaceHolder 1"/>
+          <p:cNvSpPr>
+            <a:spLocks noGrp="1"/>
+          </p:cNvSpPr>
+          <p:nvPr>
+            <p:ph type="title"/>
+          </p:nvPr>
+        </p:nvSpPr>
+        <p:spPr>
+          <a:xfrm>
+            <a:off x="311760" y="82080"/>
+            <a:ext cx="8520120" cy="572400"/>
+          </a:xfrm>
+          <a:prstGeom prst="rect">
+            <a:avLst/>
+          </a:prstGeom>
+          <a:noFill/>
+          <a:ln w="0">
+            <a:noFill/>
+          </a:ln>
+        </p:spPr>
+        <p:txBody>
+          <a:bodyPr tIns="91440" bIns="91440" anchor="t">
+            <a:normAutofit fontScale="89000"/>
+          </a:bodyPr>
+          <a:p>
+            <a:pPr indent="0">
+              <a:lnSpc>
+                <a:spcPct val="115000"/>
+              </a:lnSpc>
+              <a:spcBef>
+                <a:spcPts val="1200"/>
+              </a:spcBef>
+              <a:spcAft>
+                <a:spcPts val="1200"/>
+              </a:spcAft>
+              <a:buNone/>
+              <a:tabLst>
+                <a:tab pos="0" algn="l"/>
+              </a:tabLst>
+            </a:pPr>
+            <a:r>
+              <a:rPr lang="pt-BR" sz="2500" b="1" i="0" strike="noStrike" spc="-1">
+                <a:solidFill>
+                  <a:srgbClr val="00315D"/>
+                </a:solidFill>
+                <a:latin typeface="Arial" panose="020B0604020202020204"/>
+                <a:ea typeface="Arial" panose="020B0604020202020204"/>
+              </a:rPr>
               <a:t>Boas Práticas - Estruturação das bandas</a:t>
             </a:r>
             <a:endParaRPr lang="pt-BR" sz="2500" b="0" i="0" strike="noStrike" spc="-1">
@@ -11479,7 +11871,7 @@
 </p:sld>
 </file>
 
-<file path=ppt/slides/slide21.xml><?xml version="1.0" encoding="utf-8"?>
+<file path=ppt/slides/slide22.xml><?xml version="1.0" encoding="utf-8"?>
 <p:sld xmlns:a="http://schemas.openxmlformats.org/drawingml/2006/main" xmlns:r="http://schemas.openxmlformats.org/officeDocument/2006/relationships" xmlns:p="http://schemas.openxmlformats.org/presentationml/2006/main">
   <p:cSld>
     <p:spTree>
@@ -12521,6 +12913,408 @@
                 <a:ea typeface="Arial" panose="020B0604020202020204"/>
                 <a:sym typeface="+mn-ea"/>
               </a:rPr>
+              <a:t>Registrando usuário global e chave SSH</a:t>
+            </a:r>
+            <a:endParaRPr lang="pt-BR" sz="2800" b="0" strike="noStrike" spc="-1">
+              <a:solidFill>
+                <a:srgbClr val="000000"/>
+              </a:solidFill>
+              <a:latin typeface="Arial" panose="020B0604020202020204"/>
+            </a:endParaRPr>
+          </a:p>
+        </p:txBody>
+      </p:sp>
+      <p:grpSp>
+        <p:nvGrpSpPr>
+          <p:cNvPr id="90" name="Google Shape;64;p14"/>
+          <p:cNvGrpSpPr/>
+          <p:nvPr/>
+        </p:nvGrpSpPr>
+        <p:grpSpPr>
+          <a:xfrm>
+            <a:off x="-360" y="4570920"/>
+            <a:ext cx="9144000" cy="596520"/>
+            <a:chOff x="-360" y="4570920"/>
+            <a:chExt cx="9144000" cy="596520"/>
+          </a:xfrm>
+        </p:grpSpPr>
+        <p:sp>
+          <p:nvSpPr>
+            <p:cNvPr id="91" name="Google Shape;65;p14"/>
+            <p:cNvSpPr/>
+            <p:nvPr/>
+          </p:nvSpPr>
+          <p:spPr>
+            <a:xfrm flipH="1">
+              <a:off x="-720" y="4570920"/>
+              <a:ext cx="9143640" cy="572400"/>
+            </a:xfrm>
+            <a:prstGeom prst="rtTriangle">
+              <a:avLst/>
+            </a:prstGeom>
+            <a:gradFill rotWithShape="0">
+              <a:gsLst>
+                <a:gs pos="0">
+                  <a:srgbClr val="DFE9FB"/>
+                </a:gs>
+                <a:gs pos="100000">
+                  <a:srgbClr val="6E9BE7"/>
+                </a:gs>
+              </a:gsLst>
+              <a:lin ang="5394000"/>
+            </a:gradFill>
+            <a:ln w="0">
+              <a:noFill/>
+            </a:ln>
+          </p:spPr>
+          <p:style>
+            <a:lnRef idx="0">
+              <a:srgbClr val="FFFFFF"/>
+            </a:lnRef>
+            <a:fillRef idx="0">
+              <a:srgbClr val="FFFFFF"/>
+            </a:fillRef>
+            <a:effectRef idx="0">
+              <a:srgbClr val="FFFFFF"/>
+            </a:effectRef>
+            <a:fontRef idx="minor"/>
+          </p:style>
+          <p:txBody>
+            <a:bodyPr tIns="91440" bIns="91440" anchor="ctr">
+              <a:noAutofit/>
+            </a:bodyPr>
+            <a:p>
+              <a:pPr>
+                <a:lnSpc>
+                  <a:spcPct val="100000"/>
+                </a:lnSpc>
+                <a:tabLst>
+                  <a:tab pos="0" algn="l"/>
+                </a:tabLst>
+              </a:pPr>
+              <a:endParaRPr lang="pt-BR" sz="1400" b="0" strike="noStrike" spc="-1">
+                <a:solidFill>
+                  <a:srgbClr val="000000"/>
+                </a:solidFill>
+                <a:latin typeface="Arial" panose="020B0604020202020204"/>
+                <a:ea typeface="Arial" panose="020B0604020202020204"/>
+              </a:endParaRPr>
+            </a:p>
+          </p:txBody>
+        </p:sp>
+        <p:sp>
+          <p:nvSpPr>
+            <p:cNvPr id="92" name="Google Shape;66;p14"/>
+            <p:cNvSpPr/>
+            <p:nvPr/>
+          </p:nvSpPr>
+          <p:spPr>
+            <a:xfrm>
+              <a:off x="0" y="4570920"/>
+              <a:ext cx="9143640" cy="572400"/>
+            </a:xfrm>
+            <a:prstGeom prst="rtTriangle">
+              <a:avLst/>
+            </a:prstGeom>
+            <a:gradFill rotWithShape="0">
+              <a:gsLst>
+                <a:gs pos="0">
+                  <a:srgbClr val="00315D"/>
+                </a:gs>
+                <a:gs pos="100000">
+                  <a:srgbClr val="1155CC"/>
+                </a:gs>
+              </a:gsLst>
+              <a:lin ang="2700000"/>
+            </a:gradFill>
+            <a:ln w="0">
+              <a:noFill/>
+            </a:ln>
+          </p:spPr>
+          <p:style>
+            <a:lnRef idx="0">
+              <a:srgbClr val="FFFFFF"/>
+            </a:lnRef>
+            <a:fillRef idx="0">
+              <a:srgbClr val="FFFFFF"/>
+            </a:fillRef>
+            <a:effectRef idx="0">
+              <a:srgbClr val="FFFFFF"/>
+            </a:effectRef>
+            <a:fontRef idx="minor"/>
+          </p:style>
+          <p:txBody>
+            <a:bodyPr tIns="91440" bIns="91440" anchor="ctr">
+              <a:noAutofit/>
+            </a:bodyPr>
+            <a:p>
+              <a:pPr>
+                <a:lnSpc>
+                  <a:spcPct val="100000"/>
+                </a:lnSpc>
+                <a:tabLst>
+                  <a:tab pos="0" algn="l"/>
+                </a:tabLst>
+              </a:pPr>
+              <a:endParaRPr lang="pt-BR" sz="1400" b="0" strike="noStrike" spc="-1">
+                <a:solidFill>
+                  <a:srgbClr val="000000"/>
+                </a:solidFill>
+                <a:latin typeface="Arial" panose="020B0604020202020204"/>
+                <a:ea typeface="Arial" panose="020B0604020202020204"/>
+              </a:endParaRPr>
+            </a:p>
+          </p:txBody>
+        </p:sp>
+        <p:pic>
+          <p:nvPicPr>
+            <p:cNvPr id="93" name="Google Shape;67;p14"/>
+            <p:cNvPicPr/>
+            <p:nvPr/>
+          </p:nvPicPr>
+          <p:blipFill>
+            <a:blip r:embed="rId1"/>
+            <a:stretch>
+              <a:fillRect/>
+            </a:stretch>
+          </p:blipFill>
+          <p:spPr>
+            <a:xfrm>
+              <a:off x="117000" y="4700520"/>
+              <a:ext cx="1223280" cy="466920"/>
+            </a:xfrm>
+            <a:prstGeom prst="rect">
+              <a:avLst/>
+            </a:prstGeom>
+            <a:ln w="0">
+              <a:noFill/>
+            </a:ln>
+            <a:effectLst>
+              <a:outerShdw blurRad="57240" dist="19080" dir="5400000" algn="bl" rotWithShape="0">
+                <a:srgbClr val="000000">
+                  <a:alpha val="50000"/>
+                </a:srgbClr>
+              </a:outerShdw>
+            </a:effectLst>
+          </p:spPr>
+        </p:pic>
+      </p:grpSp>
+      <p:sp>
+        <p:nvSpPr>
+          <p:cNvPr id="110" name="PlaceHolder 2"/>
+          <p:cNvSpPr>
+            <a:spLocks noGrp="1"/>
+          </p:cNvSpPr>
+          <p:nvPr/>
+        </p:nvSpPr>
+        <p:spPr>
+          <a:xfrm>
+            <a:off x="311785" y="980440"/>
+            <a:ext cx="8568690" cy="3096260"/>
+          </a:xfrm>
+          <a:prstGeom prst="rect">
+            <a:avLst/>
+          </a:prstGeom>
+          <a:noFill/>
+          <a:ln w="0">
+            <a:noFill/>
+          </a:ln>
+        </p:spPr>
+        <p:txBody>
+          <a:bodyPr lIns="0" tIns="91440" rIns="0" bIns="91440" anchor="t">
+            <a:noAutofit/>
+          </a:bodyPr>
+          <a:lstStyle>
+            <a:lvl1pPr/>
+            <a:lvl2pPr/>
+            <a:lvl3pPr/>
+            <a:lvl4pPr/>
+            <a:lvl5pPr/>
+            <a:lvl6pPr/>
+            <a:lvl7pPr/>
+            <a:lvl8pPr/>
+            <a:lvl9pPr/>
+          </a:lstStyle>
+          <a:p>
+            <a:pPr marL="50800" indent="0" algn="just">
+              <a:lnSpc>
+                <a:spcPct val="115000"/>
+              </a:lnSpc>
+              <a:buClr>
+                <a:srgbClr val="00315D"/>
+              </a:buClr>
+              <a:buFont typeface="Arial" panose="020B0604020202020204"/>
+              <a:buNone/>
+            </a:pPr>
+            <a:endParaRPr lang="pt-BR" sz="1600" b="0" strike="noStrike">
+              <a:solidFill>
+                <a:srgbClr val="3B3B3B"/>
+              </a:solidFill>
+              <a:latin typeface="Arial" panose="020B0604020202020204"/>
+              <a:ea typeface="Arial" panose="020B0604020202020204"/>
+              <a:sym typeface="+mn-ea"/>
+            </a:endParaRPr>
+          </a:p>
+          <a:p>
+            <a:pPr marL="457200" indent="-406400" algn="just">
+              <a:lnSpc>
+                <a:spcPct val="115000"/>
+              </a:lnSpc>
+              <a:buClr>
+                <a:srgbClr val="00315D"/>
+              </a:buClr>
+              <a:buFont typeface="Arial" panose="020B0604020202020204"/>
+              <a:buChar char="●"/>
+            </a:pPr>
+            <a:r>
+              <a:rPr lang="pt-BR" sz="1600" b="0" strike="noStrike">
+                <a:solidFill>
+                  <a:srgbClr val="3B3B3B"/>
+                </a:solidFill>
+                <a:latin typeface="Arial" panose="020B0604020202020204"/>
+                <a:ea typeface="Arial" panose="020B0604020202020204"/>
+                <a:sym typeface="+mn-ea"/>
+              </a:rPr>
+              <a:t>Na barra de “Pesquisar” do Windows digite por “Git Bash” para abrir o terminal.</a:t>
+            </a:r>
+            <a:endParaRPr lang="pt-BR" sz="1600" b="0" strike="noStrike">
+              <a:solidFill>
+                <a:srgbClr val="3B3B3B"/>
+              </a:solidFill>
+              <a:latin typeface="Arial" panose="020B0604020202020204"/>
+              <a:ea typeface="Arial" panose="020B0604020202020204"/>
+              <a:sym typeface="+mn-ea"/>
+            </a:endParaRPr>
+          </a:p>
+          <a:p>
+            <a:pPr marL="457200" indent="-406400" algn="just">
+              <a:lnSpc>
+                <a:spcPct val="115000"/>
+              </a:lnSpc>
+              <a:buClr>
+                <a:srgbClr val="00315D"/>
+              </a:buClr>
+              <a:buFont typeface="Arial" panose="020B0604020202020204"/>
+              <a:buChar char="●"/>
+            </a:pPr>
+            <a:r>
+              <a:rPr lang="pt-BR" sz="1600" strike="noStrike">
+                <a:solidFill>
+                  <a:srgbClr val="3B3B3B"/>
+                </a:solidFill>
+                <a:latin typeface="Arial" panose="020B0604020202020204"/>
+                <a:ea typeface="Arial" panose="020B0604020202020204"/>
+                <a:sym typeface="+mn-ea"/>
+              </a:rPr>
+              <a:t>Em seguida digite o seguinte comando: git config --global user.name </a:t>
+            </a:r>
+            <a:r>
+              <a:rPr lang="pt-BR" sz="1600" strike="noStrike" kern="0">
+                <a:solidFill>
+                  <a:schemeClr val="accent1">
+                    <a:lumMod val="75000"/>
+                  </a:schemeClr>
+                </a:solidFill>
+                <a:latin typeface="Arial" panose="020B0604020202020204"/>
+                <a:ea typeface="Arial" panose="020B0604020202020204"/>
+                <a:cs typeface="+mn-ea"/>
+                <a:sym typeface="+mn-ea"/>
+              </a:rPr>
+              <a:t>"YOUR NAME"</a:t>
+            </a:r>
+            <a:endParaRPr lang="pt-BR" sz="1600" strike="noStrike">
+              <a:solidFill>
+                <a:srgbClr val="00B050"/>
+              </a:solidFill>
+              <a:latin typeface="Arial" panose="020B0604020202020204"/>
+              <a:ea typeface="Arial" panose="020B0604020202020204"/>
+              <a:sym typeface="+mn-ea"/>
+            </a:endParaRPr>
+          </a:p>
+        </p:txBody>
+      </p:sp>
+    </p:spTree>
+  </p:cSld>
+  <p:clrMapOvr>
+    <a:masterClrMapping/>
+  </p:clrMapOvr>
+  <mc:AlternateContent xmlns:mc="http://schemas.openxmlformats.org/markup-compatibility/2006">
+    <mc:Choice xmlns:p14="http://schemas.microsoft.com/office/powerpoint/2010/main" Requires="p14">
+      <p:transition spd="slow" p14:dur="2000"/>
+    </mc:Choice>
+    <mc:Fallback>
+      <p:transition spd="slow"/>
+    </mc:Fallback>
+  </mc:AlternateContent>
+  <p:timing>
+    <p:tnLst>
+      <p:par>
+        <p:cTn id="1" dur="indefinite" restart="never" nodeType="tmRoot"/>
+      </p:par>
+    </p:tnLst>
+  </p:timing>
+</p:sld>
+</file>
+
+<file path=ppt/slides/slide5.xml><?xml version="1.0" encoding="utf-8"?>
+<p:sld xmlns:a="http://schemas.openxmlformats.org/drawingml/2006/main" xmlns:r="http://schemas.openxmlformats.org/officeDocument/2006/relationships" xmlns:p="http://schemas.openxmlformats.org/presentationml/2006/main">
+  <p:cSld>
+    <p:spTree>
+      <p:nvGrpSpPr>
+        <p:cNvPr id="1" name=""/>
+        <p:cNvGrpSpPr/>
+        <p:nvPr/>
+      </p:nvGrpSpPr>
+      <p:grpSpPr>
+        <a:xfrm>
+          <a:off x="0" y="0"/>
+          <a:ext cx="0" cy="0"/>
+          <a:chOff x="0" y="0"/>
+          <a:chExt cx="0" cy="0"/>
+        </a:xfrm>
+      </p:grpSpPr>
+      <p:sp>
+        <p:nvSpPr>
+          <p:cNvPr id="88" name="PlaceHolder 1"/>
+          <p:cNvSpPr>
+            <a:spLocks noGrp="1"/>
+          </p:cNvSpPr>
+          <p:nvPr>
+            <p:ph type="title"/>
+          </p:nvPr>
+        </p:nvSpPr>
+        <p:spPr>
+          <a:prstGeom prst="rect">
+            <a:avLst/>
+          </a:prstGeom>
+          <a:noFill/>
+          <a:ln w="0">
+            <a:noFill/>
+          </a:ln>
+        </p:spPr>
+        <p:txBody>
+          <a:bodyPr tIns="91440" bIns="91440" anchor="t">
+            <a:normAutofit fontScale="91000"/>
+          </a:bodyPr>
+          <a:p>
+            <a:pPr indent="0">
+              <a:lnSpc>
+                <a:spcPct val="100000"/>
+              </a:lnSpc>
+              <a:buNone/>
+              <a:tabLst>
+                <a:tab pos="0" algn="l"/>
+              </a:tabLst>
+            </a:pPr>
+            <a:r>
+              <a:rPr lang="pt-BR" sz="2800" b="1" strike="noStrike">
+                <a:solidFill>
+                  <a:srgbClr val="00315D"/>
+                </a:solidFill>
+                <a:latin typeface="Arial" panose="020B0604020202020204"/>
+                <a:ea typeface="Arial" panose="020B0604020202020204"/>
+                <a:sym typeface="+mn-ea"/>
+              </a:rPr>
               <a:t>I </a:t>
             </a:r>
             <a:endParaRPr lang="pt-BR" sz="2800" b="0" strike="noStrike" spc="-1">
@@ -12868,7 +13662,7 @@
 </p:sld>
 </file>
 
-<file path=ppt/slides/slide5.xml><?xml version="1.0" encoding="utf-8"?>
+<file path=ppt/slides/slide6.xml><?xml version="1.0" encoding="utf-8"?>
 <p:sld xmlns:a="http://schemas.openxmlformats.org/drawingml/2006/main" xmlns:r="http://schemas.openxmlformats.org/officeDocument/2006/relationships" xmlns:p="http://schemas.openxmlformats.org/presentationml/2006/main">
   <p:cSld>
     <p:spTree>
@@ -13248,7 +14042,7 @@
 </p:sld>
 </file>
 
-<file path=ppt/slides/slide6.xml><?xml version="1.0" encoding="utf-8"?>
+<file path=ppt/slides/slide7.xml><?xml version="1.0" encoding="utf-8"?>
 <p:sld xmlns:a="http://schemas.openxmlformats.org/drawingml/2006/main" xmlns:r="http://schemas.openxmlformats.org/officeDocument/2006/relationships" xmlns:p="http://schemas.openxmlformats.org/presentationml/2006/main">
   <p:cSld>
     <p:spTree>
@@ -13778,7 +14572,7 @@
 </p:sld>
 </file>
 
-<file path=ppt/slides/slide7.xml><?xml version="1.0" encoding="utf-8"?>
+<file path=ppt/slides/slide8.xml><?xml version="1.0" encoding="utf-8"?>
 <p:sld xmlns:a="http://schemas.openxmlformats.org/drawingml/2006/main" xmlns:r="http://schemas.openxmlformats.org/officeDocument/2006/relationships" xmlns:p="http://schemas.openxmlformats.org/presentationml/2006/main">
   <p:cSld>
     <p:spTree>
@@ -14043,7 +14837,7 @@
 </p:sld>
 </file>
 
-<file path=ppt/slides/slide8.xml><?xml version="1.0" encoding="utf-8"?>
+<file path=ppt/slides/slide9.xml><?xml version="1.0" encoding="utf-8"?>
 <p:sld xmlns:a="http://schemas.openxmlformats.org/drawingml/2006/main" xmlns:r="http://schemas.openxmlformats.org/officeDocument/2006/relationships" xmlns:p="http://schemas.openxmlformats.org/presentationml/2006/main">
   <p:cSld>
     <p:spTree>
@@ -14330,397 +15124,6 @@
             </p:video>
           </p:childTnLst>
         </p:cTn>
-      </p:par>
-    </p:tnLst>
-  </p:timing>
-</p:sld>
-</file>
-
-<file path=ppt/slides/slide9.xml><?xml version="1.0" encoding="utf-8"?>
-<p:sld xmlns:a="http://schemas.openxmlformats.org/drawingml/2006/main" xmlns:r="http://schemas.openxmlformats.org/officeDocument/2006/relationships" xmlns:p="http://schemas.openxmlformats.org/presentationml/2006/main">
-  <p:cSld>
-    <p:spTree>
-      <p:nvGrpSpPr>
-        <p:cNvPr id="1" name=""/>
-        <p:cNvGrpSpPr/>
-        <p:nvPr/>
-      </p:nvGrpSpPr>
-      <p:grpSpPr/>
-      <p:sp>
-        <p:nvSpPr>
-          <p:cNvPr id="2" name="Título 1"/>
-          <p:cNvSpPr>
-            <a:spLocks noGrp="1"/>
-          </p:cNvSpPr>
-          <p:nvPr>
-            <p:ph type="title"/>
-          </p:nvPr>
-        </p:nvSpPr>
-        <p:spPr/>
-        <p:txBody>
-          <a:bodyPr/>
-          <a:p>
-            <a:r>
-              <a:rPr lang="pt-BR" sz="2400" b="1" i="0" strike="noStrike">
-                <a:solidFill>
-                  <a:srgbClr val="00315D"/>
-                </a:solidFill>
-                <a:latin typeface="Arial" panose="020B0604020202020204"/>
-                <a:ea typeface="Arial" panose="020B0604020202020204"/>
-                <a:sym typeface="+mn-ea"/>
-              </a:rPr>
-              <a:t>Base de dados - Nomeando </a:t>
-            </a:r>
-            <a:endParaRPr lang="pt-BR" altLang="en-US" sz="2400" b="1" i="0" strike="noStrike">
-              <a:solidFill>
-                <a:srgbClr val="00315D"/>
-              </a:solidFill>
-              <a:latin typeface="Arial" panose="020B0604020202020204"/>
-              <a:ea typeface="Arial" panose="020B0604020202020204"/>
-              <a:sym typeface="+mn-ea"/>
-            </a:endParaRPr>
-          </a:p>
-        </p:txBody>
-      </p:sp>
-      <p:sp>
-        <p:nvSpPr>
-          <p:cNvPr id="3" name="Espaço Reservado para Conteúdo 2"/>
-          <p:cNvSpPr>
-            <a:spLocks noGrp="1"/>
-          </p:cNvSpPr>
-          <p:nvPr>
-            <p:ph/>
-          </p:nvPr>
-        </p:nvSpPr>
-        <p:spPr>
-          <a:xfrm>
-            <a:off x="311785" y="1152525"/>
-            <a:ext cx="4852035" cy="3416300"/>
-          </a:xfrm>
-        </p:spPr>
-        <p:txBody>
-          <a:bodyPr/>
-          <a:p>
-            <a:pPr marL="285750" indent="-285750" algn="just">
-              <a:buFont typeface="Arial" panose="020B0604020202020204" pitchFamily="34" charset="0"/>
-              <a:buChar char="•"/>
-            </a:pPr>
-            <a:r>
-              <a:rPr lang="pt-BR" altLang="en-US"/>
-              <a:t>É importante identificar a base de dados atribuindo um nome à ela para uma melhor organização e padronização;</a:t>
-            </a:r>
-            <a:endParaRPr lang="pt-BR" altLang="en-US"/>
-          </a:p>
-          <a:p>
-            <a:pPr marL="285750" indent="-285750" algn="just">
-              <a:buFont typeface="Arial" panose="020B0604020202020204" pitchFamily="34" charset="0"/>
-              <a:buChar char="•"/>
-            </a:pPr>
-            <a:endParaRPr lang="pt-BR" altLang="en-US"/>
-          </a:p>
-          <a:p>
-            <a:pPr marL="285750" indent="-285750" algn="l" fontAlgn="t">
-              <a:buFont typeface="Arial" panose="020B0604020202020204" pitchFamily="34" charset="0"/>
-              <a:buChar char="•"/>
-            </a:pPr>
-            <a:r>
-              <a:rPr lang="pt-BR" altLang="en-US"/>
-              <a:t>Atribua o nome nos dois campos destacados na imagem;</a:t>
-            </a:r>
-            <a:endParaRPr lang="pt-BR" altLang="en-US"/>
-          </a:p>
-          <a:p>
-            <a:pPr marL="285750" indent="-285750" algn="just">
-              <a:buFont typeface="Arial" panose="020B0604020202020204" pitchFamily="34" charset="0"/>
-              <a:buChar char="•"/>
-            </a:pPr>
-            <a:endParaRPr lang="pt-BR" altLang="en-US"/>
-          </a:p>
-          <a:p>
-            <a:pPr marL="285750" indent="-285750" algn="just">
-              <a:buFont typeface="Arial" panose="020B0604020202020204" pitchFamily="34" charset="0"/>
-              <a:buChar char="•"/>
-            </a:pPr>
-            <a:r>
-              <a:rPr lang="pt-BR" altLang="en-US"/>
-              <a:t>O campo “</a:t>
-            </a:r>
-            <a:r>
-              <a:rPr lang="pt-BR" altLang="en-US">
-                <a:solidFill>
-                  <a:schemeClr val="accent1">
-                    <a:lumMod val="75000"/>
-                  </a:schemeClr>
-                </a:solidFill>
-              </a:rPr>
-              <a:t>Name</a:t>
-            </a:r>
-            <a:r>
-              <a:rPr lang="pt-BR" altLang="en-US"/>
-              <a:t>” irá aparecer em baixo da base de dados, enquanto que o campo “</a:t>
-            </a:r>
-            <a:r>
-              <a:rPr lang="pt-BR" altLang="en-US">
-                <a:solidFill>
-                  <a:schemeClr val="accent1">
-                    <a:lumMod val="75000"/>
-                  </a:schemeClr>
-                </a:solidFill>
-              </a:rPr>
-              <a:t>UserName</a:t>
-            </a:r>
-            <a:r>
-              <a:rPr lang="pt-BR" altLang="en-US"/>
-              <a:t>” irá aparecer no menu lateral, para identificar a base.</a:t>
-            </a:r>
-            <a:endParaRPr lang="pt-BR" altLang="en-US"/>
-          </a:p>
-          <a:p>
-            <a:pPr marL="285750" indent="-285750" algn="just">
-              <a:buFont typeface="Arial" panose="020B0604020202020204" pitchFamily="34" charset="0"/>
-              <a:buChar char="•"/>
-            </a:pPr>
-            <a:endParaRPr lang="pt-BR" altLang="en-US"/>
-          </a:p>
-          <a:p>
-            <a:pPr marL="285750" indent="-285750" algn="just">
-              <a:buFont typeface="Arial" panose="020B0604020202020204" pitchFamily="34" charset="0"/>
-              <a:buChar char="•"/>
-            </a:pPr>
-            <a:endParaRPr lang="pt-BR" altLang="en-US"/>
-          </a:p>
-        </p:txBody>
-      </p:sp>
-      <p:sp>
-        <p:nvSpPr>
-          <p:cNvPr id="112" name="Google Shape;97;p17"/>
-          <p:cNvSpPr/>
-          <p:nvPr/>
-        </p:nvSpPr>
-        <p:spPr>
-          <a:xfrm flipH="1">
-            <a:off x="-720" y="4570920"/>
-            <a:ext cx="9143640" cy="572400"/>
-          </a:xfrm>
-          <a:prstGeom prst="rtTriangle">
-            <a:avLst/>
-          </a:prstGeom>
-          <a:gradFill rotWithShape="0">
-            <a:gsLst>
-              <a:gs pos="0">
-                <a:srgbClr val="DFE9FB"/>
-              </a:gs>
-              <a:gs pos="100000">
-                <a:srgbClr val="6E9BE7"/>
-              </a:gs>
-            </a:gsLst>
-            <a:lin ang="5394000"/>
-          </a:gradFill>
-          <a:ln w="0">
-            <a:noFill/>
-          </a:ln>
-        </p:spPr>
-        <p:style>
-          <a:lnRef idx="0">
-            <a:srgbClr val="FFFFFF"/>
-          </a:lnRef>
-          <a:fillRef idx="0">
-            <a:srgbClr val="FFFFFF"/>
-          </a:fillRef>
-          <a:effectRef idx="0">
-            <a:srgbClr val="FFFFFF"/>
-          </a:effectRef>
-          <a:fontRef idx="minor"/>
-        </p:style>
-        <p:txBody>
-          <a:bodyPr tIns="91440" bIns="91440" anchor="ctr">
-            <a:noAutofit/>
-          </a:bodyPr>
-          <a:p>
-            <a:pPr>
-              <a:lnSpc>
-                <a:spcPct val="100000"/>
-              </a:lnSpc>
-              <a:tabLst>
-                <a:tab pos="0" algn="l"/>
-              </a:tabLst>
-            </a:pPr>
-            <a:endParaRPr lang="pt-BR" sz="1400" b="0" strike="noStrike" spc="-1">
-              <a:solidFill>
-                <a:srgbClr val="000000"/>
-              </a:solidFill>
-              <a:latin typeface="Arial" panose="020B0604020202020204"/>
-              <a:ea typeface="Arial" panose="020B0604020202020204"/>
-            </a:endParaRPr>
-          </a:p>
-        </p:txBody>
-      </p:sp>
-      <p:sp>
-        <p:nvSpPr>
-          <p:cNvPr id="113" name="Google Shape;98;p17"/>
-          <p:cNvSpPr/>
-          <p:nvPr/>
-        </p:nvSpPr>
-        <p:spPr>
-          <a:xfrm>
-            <a:off x="0" y="4570920"/>
-            <a:ext cx="9143640" cy="572400"/>
-          </a:xfrm>
-          <a:prstGeom prst="rtTriangle">
-            <a:avLst/>
-          </a:prstGeom>
-          <a:gradFill rotWithShape="0">
-            <a:gsLst>
-              <a:gs pos="0">
-                <a:srgbClr val="00315D"/>
-              </a:gs>
-              <a:gs pos="100000">
-                <a:srgbClr val="1155CC"/>
-              </a:gs>
-            </a:gsLst>
-            <a:lin ang="2700000"/>
-          </a:gradFill>
-          <a:ln w="0">
-            <a:noFill/>
-          </a:ln>
-        </p:spPr>
-        <p:style>
-          <a:lnRef idx="0">
-            <a:srgbClr val="FFFFFF"/>
-          </a:lnRef>
-          <a:fillRef idx="0">
-            <a:srgbClr val="FFFFFF"/>
-          </a:fillRef>
-          <a:effectRef idx="0">
-            <a:srgbClr val="FFFFFF"/>
-          </a:effectRef>
-          <a:fontRef idx="minor"/>
-        </p:style>
-        <p:txBody>
-          <a:bodyPr tIns="91440" bIns="91440" anchor="ctr">
-            <a:noAutofit/>
-          </a:bodyPr>
-          <a:p>
-            <a:pPr>
-              <a:lnSpc>
-                <a:spcPct val="100000"/>
-              </a:lnSpc>
-              <a:tabLst>
-                <a:tab pos="0" algn="l"/>
-              </a:tabLst>
-            </a:pPr>
-            <a:endParaRPr lang="pt-BR" sz="1400" b="0" strike="noStrike" spc="-1">
-              <a:solidFill>
-                <a:srgbClr val="000000"/>
-              </a:solidFill>
-              <a:latin typeface="Arial" panose="020B0604020202020204"/>
-              <a:ea typeface="Arial" panose="020B0604020202020204"/>
-            </a:endParaRPr>
-          </a:p>
-        </p:txBody>
-      </p:sp>
-      <p:pic>
-        <p:nvPicPr>
-          <p:cNvPr id="114" name="Google Shape;99;p17"/>
-          <p:cNvPicPr/>
-          <p:nvPr/>
-        </p:nvPicPr>
-        <p:blipFill>
-          <a:blip r:embed="rId1"/>
-          <a:stretch>
-            <a:fillRect/>
-          </a:stretch>
-        </p:blipFill>
-        <p:spPr>
-          <a:xfrm>
-            <a:off x="117000" y="4700520"/>
-            <a:ext cx="1223280" cy="466920"/>
-          </a:xfrm>
-          <a:prstGeom prst="rect">
-            <a:avLst/>
-          </a:prstGeom>
-          <a:ln w="0">
-            <a:noFill/>
-          </a:ln>
-          <a:effectLst>
-            <a:outerShdw blurRad="57240" dist="19080" dir="5400000" algn="bl" rotWithShape="0">
-              <a:srgbClr val="000000">
-                <a:alpha val="50000"/>
-              </a:srgbClr>
-            </a:outerShdw>
-          </a:effectLst>
-        </p:spPr>
-      </p:pic>
-      <p:pic>
-        <p:nvPicPr>
-          <p:cNvPr id="5" name="Imagem 4"/>
-          <p:cNvPicPr>
-            <a:picLocks noChangeAspect="1"/>
-          </p:cNvPicPr>
-          <p:nvPr/>
-        </p:nvPicPr>
-        <p:blipFill>
-          <a:blip r:embed="rId2"/>
-          <a:stretch>
-            <a:fillRect/>
-          </a:stretch>
-        </p:blipFill>
-        <p:spPr>
-          <a:xfrm>
-            <a:off x="5652135" y="1162050"/>
-            <a:ext cx="2551430" cy="3263900"/>
-          </a:xfrm>
-          <a:prstGeom prst="rect">
-            <a:avLst/>
-          </a:prstGeom>
-        </p:spPr>
-      </p:pic>
-      <p:sp>
-        <p:nvSpPr>
-          <p:cNvPr id="4" name="Caixa de Texto 3"/>
-          <p:cNvSpPr txBox="1"/>
-          <p:nvPr/>
-        </p:nvSpPr>
-        <p:spPr>
-          <a:xfrm>
-            <a:off x="7452360" y="2211705"/>
-            <a:ext cx="1197610" cy="245110"/>
-          </a:xfrm>
-          <a:prstGeom prst="rect">
-            <a:avLst/>
-          </a:prstGeom>
-          <a:noFill/>
-        </p:spPr>
-        <p:txBody>
-          <a:bodyPr wrap="square" rtlCol="0">
-            <a:spAutoFit/>
-          </a:bodyPr>
-          <a:p>
-            <a:r>
-              <a:rPr lang="pt-BR" altLang="en-US" sz="1000">
-                <a:solidFill>
-                  <a:srgbClr val="FF0000"/>
-                </a:solidFill>
-              </a:rPr>
-              <a:t>Base de dados</a:t>
-            </a:r>
-            <a:endParaRPr lang="pt-BR" altLang="en-US" sz="1000">
-              <a:solidFill>
-                <a:srgbClr val="FF0000"/>
-              </a:solidFill>
-            </a:endParaRPr>
-          </a:p>
-        </p:txBody>
-      </p:sp>
-    </p:spTree>
-  </p:cSld>
-  <p:clrMapOvr>
-    <a:masterClrMapping/>
-  </p:clrMapOvr>
-  <p:timing>
-    <p:tnLst>
-      <p:par>
-        <p:cTn id="1" dur="indefinite" restart="never" nodeType="tmRoot"/>
       </p:par>
     </p:tnLst>
   </p:timing>

--- a/Treinamento FAST REPORT/treinamento fast - nível 1 parte 1.pptx
+++ b/Treinamento FAST REPORT/treinamento fast - nível 1 parte 1.pptx
@@ -12674,7 +12674,7 @@
                 <a:ea typeface="Arial" panose="020B0604020202020204"/>
                 <a:sym typeface="+mn-ea"/>
               </a:rPr>
-              <a:t>A interação com o GITHUB ocorre por meio do Terminal GIT (64-bit), é nele que será digitado todos as linhas de código que permitiram clonar os repositórios, puxar novas atualizações, enviar novas mudanças, e etc.</a:t>
+              <a:t>A interação com o GITHUB ocorre por meio do Terminal GIT (64-bit), é nele que será digitado todas as linhas de código que permitiram clonar os repositórios, puxar novas atualizações, enviar novas mudanças, e etc.</a:t>
             </a:r>
             <a:endParaRPr lang="pt-BR" sz="1600" b="0" strike="noStrike">
               <a:solidFill>

--- a/Treinamento FAST REPORT/treinamento fast - nível 1 parte 1.pptx
+++ b/Treinamento FAST REPORT/treinamento fast - nível 1 parte 1.pptx
@@ -11,26 +11,27 @@
   <p:sldIdLst>
     <p:sldId id="256" r:id="rId4"/>
     <p:sldId id="258" r:id="rId5"/>
-    <p:sldId id="380" r:id="rId6"/>
-    <p:sldId id="399" r:id="rId7"/>
-    <p:sldId id="381" r:id="rId8"/>
-    <p:sldId id="382" r:id="rId9"/>
-    <p:sldId id="261" r:id="rId10"/>
-    <p:sldId id="346" r:id="rId11"/>
-    <p:sldId id="347" r:id="rId12"/>
+    <p:sldId id="418" r:id="rId6"/>
+    <p:sldId id="380" r:id="rId7"/>
+    <p:sldId id="399" r:id="rId8"/>
+    <p:sldId id="420" r:id="rId9"/>
+    <p:sldId id="422" r:id="rId10"/>
+    <p:sldId id="261" r:id="rId11"/>
+    <p:sldId id="346" r:id="rId12"/>
     <p:sldId id="348" r:id="rId13"/>
     <p:sldId id="349" r:id="rId14"/>
     <p:sldId id="350" r:id="rId15"/>
     <p:sldId id="370" r:id="rId16"/>
-    <p:sldId id="371" r:id="rId18"/>
-    <p:sldId id="372" r:id="rId19"/>
-    <p:sldId id="373" r:id="rId20"/>
-    <p:sldId id="374" r:id="rId21"/>
-    <p:sldId id="345" r:id="rId22"/>
-    <p:sldId id="302" r:id="rId23"/>
-    <p:sldId id="301" r:id="rId24"/>
-    <p:sldId id="303" r:id="rId25"/>
-    <p:sldId id="304" r:id="rId26"/>
+    <p:sldId id="372" r:id="rId18"/>
+    <p:sldId id="373" r:id="rId19"/>
+    <p:sldId id="438" r:id="rId20"/>
+    <p:sldId id="439" r:id="rId21"/>
+    <p:sldId id="440" r:id="rId22"/>
+    <p:sldId id="345" r:id="rId23"/>
+    <p:sldId id="302" r:id="rId24"/>
+    <p:sldId id="301" r:id="rId25"/>
+    <p:sldId id="303" r:id="rId26"/>
+    <p:sldId id="304" r:id="rId27"/>
   </p:sldIdLst>
   <p:sldSz cx="9144000" cy="5143500"/>
   <p:notesSz cx="6858000" cy="9144000"/>
@@ -5856,7 +5857,7 @@
         <p:spPr>
           <a:xfrm>
             <a:off x="311785" y="1152525"/>
-            <a:ext cx="4852035" cy="3416300"/>
+            <a:ext cx="3537585" cy="3416300"/>
           </a:xfrm>
         </p:spPr>
         <p:txBody>
@@ -5867,17 +5868,17 @@
               <a:buChar char="•"/>
             </a:pPr>
             <a:r>
-              <a:rPr lang="pt-BR" altLang="en-US"/>
+              <a:rPr lang="pt-BR" altLang="en-US" sz="1600"/>
               <a:t>É importante identificar a base de dados atribuindo um nome à ela para uma melhor organização e padronização;</a:t>
             </a:r>
-            <a:endParaRPr lang="pt-BR" altLang="en-US"/>
+            <a:endParaRPr lang="pt-BR" altLang="en-US" sz="1600"/>
           </a:p>
           <a:p>
             <a:pPr marL="285750" indent="-285750" algn="just">
               <a:buFont typeface="Arial" panose="020B0604020202020204" pitchFamily="34" charset="0"/>
               <a:buChar char="•"/>
             </a:pPr>
-            <a:endParaRPr lang="pt-BR" altLang="en-US"/>
+            <a:endParaRPr lang="pt-BR" altLang="en-US" sz="1600"/>
           </a:p>
           <a:p>
             <a:pPr marL="285750" indent="-285750" algn="l" fontAlgn="t">
@@ -5885,17 +5886,17 @@
               <a:buChar char="•"/>
             </a:pPr>
             <a:r>
-              <a:rPr lang="pt-BR" altLang="en-US"/>
+              <a:rPr lang="pt-BR" altLang="en-US" sz="1600"/>
               <a:t>Atribua o nome nos dois campos destacados na imagem;</a:t>
             </a:r>
-            <a:endParaRPr lang="pt-BR" altLang="en-US"/>
+            <a:endParaRPr lang="pt-BR" altLang="en-US" sz="1600"/>
           </a:p>
           <a:p>
             <a:pPr marL="285750" indent="-285750" algn="just">
               <a:buFont typeface="Arial" panose="020B0604020202020204" pitchFamily="34" charset="0"/>
               <a:buChar char="•"/>
             </a:pPr>
-            <a:endParaRPr lang="pt-BR" altLang="en-US"/>
+            <a:endParaRPr lang="pt-BR" altLang="en-US" sz="1600"/>
           </a:p>
           <a:p>
             <a:pPr marL="285750" indent="-285750" algn="just">
@@ -5903,11 +5904,11 @@
               <a:buChar char="•"/>
             </a:pPr>
             <a:r>
-              <a:rPr lang="pt-BR" altLang="en-US"/>
+              <a:rPr lang="pt-BR" altLang="en-US" sz="1600"/>
               <a:t>O campo “</a:t>
             </a:r>
             <a:r>
-              <a:rPr lang="pt-BR" altLang="en-US">
+              <a:rPr lang="pt-BR" altLang="en-US" sz="1600">
                 <a:solidFill>
                   <a:schemeClr val="accent1">
                     <a:lumMod val="75000"/>
@@ -5917,11 +5918,11 @@
               <a:t>Name</a:t>
             </a:r>
             <a:r>
-              <a:rPr lang="pt-BR" altLang="en-US"/>
+              <a:rPr lang="pt-BR" altLang="en-US" sz="1600"/>
               <a:t>” irá aparecer em baixo da base de dados, enquanto que o campo “</a:t>
             </a:r>
             <a:r>
-              <a:rPr lang="pt-BR" altLang="en-US">
+              <a:rPr lang="pt-BR" altLang="en-US" sz="1600">
                 <a:solidFill>
                   <a:schemeClr val="accent1">
                     <a:lumMod val="75000"/>
@@ -5931,10 +5932,10 @@
               <a:t>UserName</a:t>
             </a:r>
             <a:r>
-              <a:rPr lang="pt-BR" altLang="en-US"/>
+              <a:rPr lang="pt-BR" altLang="en-US" sz="1600"/>
               <a:t>” irá aparecer no menu lateral, para identificar a base.</a:t>
             </a:r>
-            <a:endParaRPr lang="pt-BR" altLang="en-US"/>
+            <a:endParaRPr lang="pt-BR" altLang="en-US" sz="1600"/>
           </a:p>
           <a:p>
             <a:pPr marL="285750" indent="-285750" algn="just">
@@ -6128,7 +6129,7 @@
         </p:blipFill>
         <p:spPr>
           <a:xfrm>
-            <a:off x="5652135" y="1162050"/>
+            <a:off x="4051300" y="1228725"/>
             <a:ext cx="2551430" cy="3263900"/>
           </a:xfrm>
           <a:prstGeom prst="rect">
@@ -6136,43 +6137,30 @@
           </a:prstGeom>
         </p:spPr>
       </p:pic>
-      <p:sp>
-        <p:nvSpPr>
-          <p:cNvPr id="4" name="Caixa de Texto 3"/>
-          <p:cNvSpPr txBox="1"/>
+      <p:pic>
+        <p:nvPicPr>
+          <p:cNvPr id="6" name="Imagem 5"/>
+          <p:cNvPicPr>
+            <a:picLocks noChangeAspect="1"/>
+          </p:cNvPicPr>
           <p:nvPr/>
-        </p:nvSpPr>
-        <p:spPr>
-          <a:xfrm>
-            <a:off x="7452360" y="2211705"/>
-            <a:ext cx="1197610" cy="245110"/>
+        </p:nvPicPr>
+        <p:blipFill>
+          <a:blip r:embed="rId3"/>
+          <a:stretch>
+            <a:fillRect/>
+          </a:stretch>
+        </p:blipFill>
+        <p:spPr>
+          <a:xfrm>
+            <a:off x="6804025" y="1203325"/>
+            <a:ext cx="2142490" cy="3289935"/>
           </a:xfrm>
           <a:prstGeom prst="rect">
             <a:avLst/>
           </a:prstGeom>
-          <a:noFill/>
-        </p:spPr>
-        <p:txBody>
-          <a:bodyPr wrap="square" rtlCol="0">
-            <a:spAutoFit/>
-          </a:bodyPr>
-          <a:p>
-            <a:r>
-              <a:rPr lang="pt-BR" altLang="en-US" sz="1000">
-                <a:solidFill>
-                  <a:srgbClr val="FF0000"/>
-                </a:solidFill>
-              </a:rPr>
-              <a:t>Base de dados</a:t>
-            </a:r>
-            <a:endParaRPr lang="pt-BR" altLang="en-US" sz="1000">
-              <a:solidFill>
-                <a:srgbClr val="FF0000"/>
-              </a:solidFill>
-            </a:endParaRPr>
-          </a:p>
-        </p:txBody>
-      </p:sp>
+        </p:spPr>
+      </p:pic>
     </p:spTree>
   </p:cSld>
   <p:clrMapOvr>
@@ -6513,7 +6501,12 @@
             <p:ph type="title"/>
           </p:nvPr>
         </p:nvSpPr>
-        <p:spPr/>
+        <p:spPr>
+          <a:xfrm>
+            <a:off x="311760" y="157940"/>
+            <a:ext cx="8520120" cy="572400"/>
+          </a:xfrm>
+        </p:spPr>
         <p:txBody>
           <a:bodyPr/>
           <a:p>
@@ -6560,7 +6553,12 @@
             <p:ph/>
           </p:nvPr>
         </p:nvSpPr>
-        <p:spPr/>
+        <p:spPr>
+          <a:xfrm>
+            <a:off x="311785" y="793750"/>
+            <a:ext cx="8520430" cy="947420"/>
+          </a:xfrm>
+        </p:spPr>
         <p:txBody>
           <a:bodyPr/>
           <a:p>
@@ -6569,11 +6567,11 @@
               <a:buChar char="•"/>
             </a:pPr>
             <a:r>
-              <a:rPr lang="pt-BR" altLang="en-US" sz="1600"/>
+              <a:rPr lang="pt-BR" altLang="en-US" sz="1200"/>
               <a:t>Para </a:t>
             </a:r>
             <a:r>
-              <a:rPr lang="pt-BR" altLang="en-US" sz="1600">
+              <a:rPr lang="pt-BR" altLang="en-US" sz="1200">
                 <a:solidFill>
                   <a:schemeClr val="accent1">
                     <a:lumMod val="75000"/>
@@ -6583,46 +6581,76 @@
               <a:t>verificar </a:t>
             </a:r>
             <a:r>
-              <a:rPr lang="pt-BR" altLang="en-US" sz="1600"/>
+              <a:rPr lang="pt-BR" altLang="en-US" sz="1200"/>
               <a:t>se não contém </a:t>
             </a:r>
             <a:r>
-              <a:rPr lang="pt-BR" altLang="en-US" sz="1600">
+              <a:rPr lang="pt-BR" altLang="en-US" sz="1200">
                 <a:solidFill>
                   <a:schemeClr val="accent1">
                     <a:lumMod val="75000"/>
                   </a:schemeClr>
                 </a:solidFill>
               </a:rPr>
-              <a:t>nenhum erro</a:t>
-            </a:r>
-            <a:r>
-              <a:rPr lang="pt-BR" altLang="en-US" sz="1600"/>
-              <a:t> na query é possível checar no menu lateral direito, na aba dados. Se o nome da base de dados estiver em </a:t>
-            </a:r>
-            <a:r>
-              <a:rPr lang="pt-BR" altLang="en-US" sz="1600" b="1"/>
+              <a:t>erro</a:t>
+            </a:r>
+            <a:r>
+              <a:rPr lang="pt-BR" altLang="en-US" sz="1200"/>
+              <a:t> na query c</a:t>
+            </a:r>
+            <a:r>
+              <a:rPr lang="pt-BR" altLang="en-US" sz="1200" b="0">
+                <a:sym typeface="+mn-ea"/>
+              </a:rPr>
+              <a:t>lique nos "3 pontos" do campo "Params" nas propriedades da base e em "ok" na tela seguinte como indica a figura 3. </a:t>
+            </a:r>
+            <a:r>
+              <a:rPr lang="pt-BR" altLang="en-US" sz="1200">
+                <a:sym typeface="+mn-ea"/>
+              </a:rPr>
+              <a:t>Se o nome da base de dados estiver em </a:t>
+            </a:r>
+            <a:r>
+              <a:rPr lang="pt-BR" altLang="en-US" sz="1200" b="1">
+                <a:sym typeface="+mn-ea"/>
+              </a:rPr>
               <a:t>negrito </a:t>
             </a:r>
             <a:r>
-              <a:rPr lang="pt-BR" altLang="en-US" sz="1600" b="0"/>
-              <a:t>significa que foi possível realizar a consulta, caso contrário, revise a query / parâmetros.</a:t>
-            </a:r>
-            <a:endParaRPr lang="pt-BR" altLang="en-US" sz="1600" b="0"/>
+              <a:rPr lang="pt-BR" altLang="en-US" sz="1200" b="0">
+                <a:sym typeface="+mn-ea"/>
+              </a:rPr>
+              <a:t>no menu lateral significa que foi possível realizar a consulta como indica na figura 2.</a:t>
+            </a:r>
+            <a:endParaRPr lang="pt-BR" altLang="en-US" sz="1200" b="0">
+              <a:sym typeface="+mn-ea"/>
+            </a:endParaRPr>
           </a:p>
           <a:p>
             <a:pPr marL="285750" indent="-285750" algn="just">
               <a:buFont typeface="Arial" panose="020B0604020202020204" pitchFamily="34" charset="0"/>
               <a:buChar char="•"/>
             </a:pPr>
-            <a:endParaRPr lang="pt-BR" altLang="en-US" sz="1600" b="0"/>
+            <a:r>
+              <a:rPr lang="pt-BR" altLang="en-US" sz="1200" b="0">
+                <a:sym typeface="+mn-ea"/>
+              </a:rPr>
+              <a:t>Caso a base de dados fique igual a figura 1 repita o procedimento da figura 3, se persistir, </a:t>
+            </a:r>
+            <a:r>
+              <a:rPr lang="pt-BR" altLang="en-US" sz="1200" b="0">
+                <a:sym typeface="+mn-ea"/>
+              </a:rPr>
+              <a:t>revise a query / parâmetros.</a:t>
+            </a:r>
+            <a:endParaRPr lang="pt-BR" altLang="en-US" sz="1200" b="0"/>
           </a:p>
           <a:p>
             <a:pPr marL="285750" indent="-285750" algn="just">
               <a:buFont typeface="Arial" panose="020B0604020202020204" pitchFamily="34" charset="0"/>
               <a:buChar char="•"/>
             </a:pPr>
-            <a:endParaRPr lang="pt-BR" altLang="en-US" sz="1600" b="0"/>
+            <a:endParaRPr lang="pt-BR" altLang="en-US" sz="1200" b="0"/>
           </a:p>
         </p:txBody>
       </p:sp>
@@ -6804,7 +6832,7 @@
         </p:blipFill>
         <p:spPr>
           <a:xfrm>
-            <a:off x="2781935" y="2012315"/>
+            <a:off x="2781935" y="2227580"/>
             <a:ext cx="2036445" cy="1985645"/>
           </a:xfrm>
           <a:prstGeom prst="rect">
@@ -6820,7 +6848,7 @@
         </p:nvSpPr>
         <p:spPr>
           <a:xfrm>
-            <a:off x="312420" y="3997960"/>
+            <a:off x="312420" y="4213225"/>
             <a:ext cx="1974215" cy="337185"/>
           </a:xfrm>
           <a:prstGeom prst="rect">
@@ -6864,7 +6892,7 @@
         </p:nvSpPr>
         <p:spPr>
           <a:xfrm>
-            <a:off x="2781935" y="4011930"/>
+            <a:off x="2781935" y="4227195"/>
             <a:ext cx="2037080" cy="337185"/>
           </a:xfrm>
           <a:prstGeom prst="rect">
@@ -6916,7 +6944,7 @@
         </p:blipFill>
         <p:spPr>
           <a:xfrm>
-            <a:off x="375285" y="2012950"/>
+            <a:off x="375285" y="2228215"/>
             <a:ext cx="1911350" cy="1985010"/>
           </a:xfrm>
           <a:prstGeom prst="rect">
@@ -6924,118 +6952,70 @@
           </a:prstGeom>
         </p:spPr>
       </p:pic>
-      <p:sp>
-        <p:nvSpPr>
-          <p:cNvPr id="230" name="CaixaDeTexto 1"/>
-          <p:cNvSpPr/>
+      <p:pic>
+        <p:nvPicPr>
+          <p:cNvPr id="5" name="Imagem 4"/>
+          <p:cNvPicPr>
+            <a:picLocks noChangeAspect="1"/>
+          </p:cNvPicPr>
           <p:nvPr/>
-        </p:nvSpPr>
-        <p:spPr>
-          <a:xfrm>
-            <a:off x="5625000" y="3435840"/>
-            <a:ext cx="3206880" cy="1073785"/>
+        </p:nvPicPr>
+        <p:blipFill>
+          <a:blip r:embed="rId4"/>
+          <a:stretch>
+            <a:fillRect/>
+          </a:stretch>
+        </p:blipFill>
+        <p:spPr>
+          <a:xfrm>
+            <a:off x="5076190" y="2228215"/>
+            <a:ext cx="2866390" cy="2026285"/>
           </a:xfrm>
           <a:prstGeom prst="rect">
             <a:avLst/>
           </a:prstGeom>
-          <a:gradFill rotWithShape="0">
-            <a:gsLst>
-              <a:gs pos="0">
-                <a:srgbClr val="4889F4"/>
-              </a:gs>
-              <a:gs pos="100000">
-                <a:srgbClr val="8EB6F8"/>
-              </a:gs>
-            </a:gsLst>
-            <a:lin ang="16200000"/>
-          </a:gradFill>
-          <a:ln w="0">
-            <a:noFill/>
-          </a:ln>
-        </p:spPr>
-        <p:style>
-          <a:lnRef idx="0">
-            <a:srgbClr val="FFFFFF"/>
-          </a:lnRef>
-          <a:fillRef idx="0">
-            <a:srgbClr val="FFFFFF"/>
-          </a:fillRef>
-          <a:effectRef idx="0">
-            <a:srgbClr val="FFFFFF"/>
-          </a:effectRef>
-          <a:fontRef idx="minor"/>
-        </p:style>
-        <p:txBody>
-          <a:bodyPr lIns="90000" tIns="45000" rIns="90000" bIns="45000" anchor="t">
+        </p:spPr>
+      </p:pic>
+      <p:sp>
+        <p:nvSpPr>
+          <p:cNvPr id="9" name="Caixa de Texto 8"/>
+          <p:cNvSpPr txBox="1"/>
+          <p:nvPr/>
+        </p:nvSpPr>
+        <p:spPr>
+          <a:xfrm>
+            <a:off x="5504815" y="4233545"/>
+            <a:ext cx="2037080" cy="337185"/>
+          </a:xfrm>
+          <a:prstGeom prst="rect">
+            <a:avLst/>
+          </a:prstGeom>
+          <a:noFill/>
+        </p:spPr>
+        <p:txBody>
+          <a:bodyPr wrap="square" rtlCol="0">
             <a:spAutoFit/>
           </a:bodyPr>
           <a:p>
-            <a:pPr algn="ctr">
-              <a:lnSpc>
-                <a:spcPct val="100000"/>
-              </a:lnSpc>
-            </a:pPr>
-            <a:endParaRPr lang="pt-BR" sz="800" b="0" strike="noStrike" spc="-1">
-              <a:solidFill>
-                <a:srgbClr val="000000"/>
-              </a:solidFill>
-              <a:latin typeface="Arial" panose="020B0604020202020204"/>
-            </a:endParaRPr>
-          </a:p>
-          <a:p>
-            <a:pPr algn="ctr">
-              <a:lnSpc>
-                <a:spcPct val="100000"/>
-              </a:lnSpc>
-            </a:pPr>
-            <a:r>
-              <a:rPr lang="pt-BR" sz="1600" b="1" strike="noStrike" spc="-1">
+            <a:pPr algn="ctr"/>
+            <a:r>
+              <a:rPr lang="pt-BR" sz="800" kern="0">
                 <a:solidFill>
-                  <a:schemeClr val="lt1"/>
+                  <a:srgbClr val="3B3B3B"/>
                 </a:solidFill>
                 <a:latin typeface="Arial" panose="020B0604020202020204"/>
                 <a:ea typeface="Arial" panose="020B0604020202020204"/>
+                <a:cs typeface="+mn-ea"/>
               </a:rPr>
-              <a:t>OBS: Antes de clicar em “</a:t>
-            </a:r>
-            <a:r>
-              <a:rPr lang="pt-BR" sz="1600" b="1" strike="noStrike" spc="-1">
-                <a:solidFill>
-                  <a:srgbClr val="FF0000"/>
-                </a:solidFill>
-                <a:latin typeface="Arial" panose="020B0604020202020204"/>
-                <a:ea typeface="Arial" panose="020B0604020202020204"/>
-              </a:rPr>
-              <a:t>ok</a:t>
-            </a:r>
-            <a:r>
-              <a:rPr lang="pt-BR" sz="1600" b="1" strike="noStrike" spc="-1">
-                <a:solidFill>
-                  <a:schemeClr val="lt1"/>
-                </a:solidFill>
-                <a:latin typeface="Arial" panose="020B0604020202020204"/>
-                <a:ea typeface="Arial" panose="020B0604020202020204"/>
-              </a:rPr>
-              <a:t>” verificar se os parâmetros estão corretos.</a:t>
-            </a:r>
-            <a:endParaRPr lang="pt-BR" sz="1600" b="0" strike="noStrike" spc="-1">
-              <a:solidFill>
-                <a:srgbClr val="000000"/>
-              </a:solidFill>
-              <a:latin typeface="Arial" panose="020B0604020202020204"/>
-            </a:endParaRPr>
-          </a:p>
-          <a:p>
-            <a:pPr algn="ctr">
-              <a:lnSpc>
-                <a:spcPct val="100000"/>
-              </a:lnSpc>
-            </a:pPr>
-            <a:endParaRPr lang="pt-BR" sz="800" b="0" strike="noStrike" spc="-1">
-              <a:solidFill>
-                <a:srgbClr val="000000"/>
-              </a:solidFill>
-              <a:latin typeface="Arial" panose="020B0604020202020204"/>
+              <a:t>Figura 3 - Como verificar uma base de dados</a:t>
+            </a:r>
+            <a:endParaRPr lang="pt-BR" altLang="en-US" sz="800" kern="0">
+              <a:solidFill>
+                <a:srgbClr val="3B3B3B"/>
+              </a:solidFill>
+              <a:latin typeface="Arial" panose="020B0604020202020204"/>
+              <a:ea typeface="Arial" panose="020B0604020202020204"/>
+              <a:cs typeface="+mn-ea"/>
             </a:endParaRPr>
           </a:p>
         </p:txBody>
@@ -7356,14 +7336,211 @@
         </p:blipFill>
         <p:spPr>
           <a:xfrm>
-            <a:off x="364490" y="1707515"/>
-            <a:ext cx="8444230" cy="2861310"/>
+            <a:off x="220980" y="1707515"/>
+            <a:ext cx="6231255" cy="2861310"/>
           </a:xfrm>
           <a:prstGeom prst="rect">
             <a:avLst/>
           </a:prstGeom>
         </p:spPr>
       </p:pic>
+      <p:sp>
+        <p:nvSpPr>
+          <p:cNvPr id="4" name="Espaço Reservado para Conteúdo 2"/>
+          <p:cNvSpPr>
+            <a:spLocks noGrp="1"/>
+          </p:cNvSpPr>
+          <p:nvPr/>
+        </p:nvSpPr>
+        <p:spPr>
+          <a:xfrm>
+            <a:off x="6570980" y="1708150"/>
+            <a:ext cx="2573020" cy="2861945"/>
+          </a:xfrm>
+          <a:prstGeom prst="rect">
+            <a:avLst/>
+          </a:prstGeom>
+          <a:noFill/>
+          <a:ln w="0">
+            <a:noFill/>
+          </a:ln>
+        </p:spPr>
+        <p:txBody>
+          <a:bodyPr lIns="0" tIns="0" rIns="0" bIns="0" anchor="t"/>
+          <a:lstStyle>
+            <a:lvl1pPr/>
+            <a:lvl2pPr/>
+            <a:lvl3pPr/>
+            <a:lvl4pPr/>
+            <a:lvl5pPr/>
+            <a:lvl6pPr/>
+            <a:lvl7pPr/>
+            <a:lvl8pPr/>
+            <a:lvl9pPr/>
+          </a:lstStyle>
+          <a:p>
+            <a:pPr indent="0" algn="just">
+              <a:buFont typeface="Arial" panose="020B0604020202020204" pitchFamily="34" charset="0"/>
+              <a:buNone/>
+            </a:pPr>
+            <a:r>
+              <a:rPr lang="pt-BR" altLang="en-US" sz="1000"/>
+              <a:t>- Antes de </a:t>
+            </a:r>
+            <a:r>
+              <a:rPr lang="pt-BR" altLang="en-US" sz="1000" b="1">
+                <a:solidFill>
+                  <a:schemeClr val="accent1">
+                    <a:lumMod val="75000"/>
+                  </a:schemeClr>
+                </a:solidFill>
+                <a:sym typeface="+mn-ea"/>
+              </a:rPr>
+              <a:t>criar </a:t>
+            </a:r>
+            <a:r>
+              <a:rPr lang="pt-BR" altLang="en-US" sz="1000">
+                <a:sym typeface="+mn-ea"/>
+              </a:rPr>
+              <a:t>uma variável é necessáro</a:t>
+            </a:r>
+            <a:r>
+              <a:rPr lang="pt-BR" altLang="en-US" sz="1000"/>
+              <a:t> criar uma </a:t>
+            </a:r>
+            <a:r>
+              <a:rPr lang="pt-BR" altLang="en-US" sz="1000" b="1">
+                <a:solidFill>
+                  <a:schemeClr val="accent1">
+                    <a:lumMod val="75000"/>
+                  </a:schemeClr>
+                </a:solidFill>
+              </a:rPr>
+              <a:t>pasta</a:t>
+            </a:r>
+            <a:r>
+              <a:rPr lang="pt-BR" altLang="en-US" sz="1000"/>
+              <a:t>. </a:t>
+            </a:r>
+            <a:endParaRPr lang="pt-BR" altLang="en-US" sz="1000"/>
+          </a:p>
+          <a:p>
+            <a:pPr indent="0" algn="just">
+              <a:buFont typeface="Arial" panose="020B0604020202020204" pitchFamily="34" charset="0"/>
+              <a:buNone/>
+            </a:pPr>
+            <a:r>
+              <a:rPr lang="pt-BR" altLang="en-US" sz="1000"/>
+              <a:t>- Para criar a variável dentro da pasta é preciso dar um </a:t>
+            </a:r>
+            <a:r>
+              <a:rPr lang="pt-BR" altLang="en-US" sz="1000" b="1">
+                <a:solidFill>
+                  <a:schemeClr val="accent1">
+                    <a:lumMod val="75000"/>
+                  </a:schemeClr>
+                </a:solidFill>
+              </a:rPr>
+              <a:t>espaço</a:t>
+            </a:r>
+            <a:r>
+              <a:rPr lang="pt-BR" altLang="en-US" sz="1000"/>
+              <a:t>.</a:t>
+            </a:r>
+            <a:endParaRPr lang="pt-BR" altLang="en-US" sz="1000"/>
+          </a:p>
+          <a:p>
+            <a:pPr marL="285750" indent="-285750" algn="just">
+              <a:buFont typeface="Arial" panose="020B0604020202020204" pitchFamily="34" charset="0"/>
+              <a:buChar char="•"/>
+            </a:pPr>
+            <a:endParaRPr lang="pt-BR" altLang="en-US" sz="1000"/>
+          </a:p>
+          <a:p>
+            <a:pPr indent="0" algn="just">
+              <a:buFont typeface="Arial" panose="020B0604020202020204" pitchFamily="34" charset="0"/>
+              <a:buNone/>
+            </a:pPr>
+            <a:r>
+              <a:rPr lang="pt-BR" altLang="en-US" sz="1000"/>
+              <a:t>- Exemplo:</a:t>
+            </a:r>
+            <a:endParaRPr lang="pt-BR" altLang="en-US" sz="1000"/>
+          </a:p>
+          <a:p>
+            <a:pPr marL="285750" indent="-285750" algn="just">
+              <a:buFont typeface="Arial" panose="020B0604020202020204" pitchFamily="34" charset="0"/>
+              <a:buChar char="•"/>
+            </a:pPr>
+            <a:endParaRPr lang="pt-BR" altLang="en-US" sz="1000"/>
+          </a:p>
+          <a:p>
+            <a:pPr marL="0" indent="0" algn="just">
+              <a:buFont typeface="Arial" panose="020B0604020202020204" pitchFamily="34" charset="0"/>
+              <a:buNone/>
+            </a:pPr>
+            <a:r>
+              <a:rPr lang="pt-BR" altLang="en-US" sz="1000"/>
+              <a:t>    PastaExemplo</a:t>
+            </a:r>
+            <a:endParaRPr lang="pt-BR" altLang="en-US" sz="1000"/>
+          </a:p>
+          <a:p>
+            <a:pPr marL="0" indent="0" algn="just">
+              <a:buFont typeface="Arial" panose="020B0604020202020204" pitchFamily="34" charset="0"/>
+              <a:buNone/>
+            </a:pPr>
+            <a:r>
+              <a:rPr lang="pt-BR" altLang="en-US" sz="1000"/>
+              <a:t>     Variavel_Na_PastaExemplo</a:t>
+            </a:r>
+            <a:endParaRPr lang="pt-BR" altLang="en-US" sz="1000"/>
+          </a:p>
+          <a:p>
+            <a:pPr marL="0" indent="0" algn="just">
+              <a:buFont typeface="Arial" panose="020B0604020202020204" pitchFamily="34" charset="0"/>
+              <a:buNone/>
+            </a:pPr>
+            <a:r>
+              <a:rPr lang="pt-BR" altLang="en-US" sz="1000"/>
+              <a:t>    OutraPasta</a:t>
+            </a:r>
+            <a:endParaRPr lang="pt-BR" altLang="en-US" sz="1000"/>
+          </a:p>
+          <a:p>
+            <a:pPr marL="0" indent="0" algn="just">
+              <a:buFont typeface="Arial" panose="020B0604020202020204" pitchFamily="34" charset="0"/>
+              <a:buNone/>
+            </a:pPr>
+            <a:r>
+              <a:rPr lang="pt-BR" altLang="en-US" sz="1000"/>
+              <a:t>     SegundaVariavel_Na_OutraPasta</a:t>
+            </a:r>
+            <a:endParaRPr lang="pt-BR" altLang="en-US" sz="1000"/>
+          </a:p>
+          <a:p>
+            <a:pPr marL="285750" indent="-285750" algn="just">
+              <a:buFont typeface="Arial" panose="020B0604020202020204" pitchFamily="34" charset="0"/>
+              <a:buChar char="•"/>
+            </a:pPr>
+            <a:endParaRPr lang="pt-BR" altLang="en-US" sz="1000"/>
+          </a:p>
+          <a:p>
+            <a:pPr marL="285750" indent="-285750" algn="just">
+              <a:buFont typeface="Arial" panose="020B0604020202020204" pitchFamily="34" charset="0"/>
+              <a:buChar char="•"/>
+            </a:pPr>
+            <a:endParaRPr lang="pt-BR" altLang="en-US" sz="1000"/>
+          </a:p>
+          <a:p>
+            <a:pPr marL="285750" indent="-285750" algn="just">
+              <a:buFont typeface="Arial" panose="020B0604020202020204" pitchFamily="34" charset="0"/>
+              <a:buChar char="•"/>
+            </a:pPr>
+            <a:endParaRPr lang="pt-BR" altLang="en-US" sz="1000" b="0"/>
+          </a:p>
+        </p:txBody>
+      </p:sp>
     </p:spTree>
   </p:cSld>
   <p:clrMapOvr>
@@ -7439,420 +7616,6 @@
                 <a:ea typeface="Arial" panose="020B0604020202020204"/>
                 <a:sym typeface="+mn-ea"/>
               </a:rPr>
-              <a:t>Parâmetros - Como criar </a:t>
-            </a:r>
-            <a:endParaRPr lang="pt-BR" altLang="en-US" sz="2400" b="1" i="0" strike="noStrike">
-              <a:solidFill>
-                <a:srgbClr val="00315D"/>
-              </a:solidFill>
-              <a:latin typeface="Arial" panose="020B0604020202020204"/>
-              <a:ea typeface="Arial" panose="020B0604020202020204"/>
-              <a:sym typeface="+mn-ea"/>
-            </a:endParaRPr>
-          </a:p>
-        </p:txBody>
-      </p:sp>
-      <p:sp>
-        <p:nvSpPr>
-          <p:cNvPr id="3" name="Espaço Reservado para Conteúdo 2"/>
-          <p:cNvSpPr>
-            <a:spLocks noGrp="1"/>
-          </p:cNvSpPr>
-          <p:nvPr>
-            <p:ph/>
-          </p:nvPr>
-        </p:nvSpPr>
-        <p:spPr>
-          <a:xfrm>
-            <a:off x="311785" y="1152525"/>
-            <a:ext cx="8667750" cy="3416300"/>
-          </a:xfrm>
-        </p:spPr>
-        <p:txBody>
-          <a:bodyPr/>
-          <a:p>
-            <a:pPr marL="285750" indent="-285750" algn="just">
-              <a:buFont typeface="Arial" panose="020B0604020202020204" pitchFamily="34" charset="0"/>
-              <a:buChar char="•"/>
-            </a:pPr>
-            <a:r>
-              <a:rPr lang="pt-BR" altLang="en-US" sz="1600"/>
-              <a:t>Como demonstrado no vídeo, para </a:t>
-            </a:r>
-            <a:r>
-              <a:rPr lang="pt-BR" altLang="en-US" sz="1600" b="1">
-                <a:solidFill>
-                  <a:schemeClr val="accent1">
-                    <a:lumMod val="75000"/>
-                  </a:schemeClr>
-                </a:solidFill>
-              </a:rPr>
-              <a:t>criar </a:t>
-            </a:r>
-            <a:r>
-              <a:rPr lang="pt-BR" altLang="en-US" sz="1600"/>
-              <a:t>uma variavel, antes precisa criar uma </a:t>
-            </a:r>
-            <a:r>
-              <a:rPr lang="pt-BR" altLang="en-US" sz="1600" b="1">
-                <a:solidFill>
-                  <a:schemeClr val="accent1">
-                    <a:lumMod val="75000"/>
-                  </a:schemeClr>
-                </a:solidFill>
-              </a:rPr>
-              <a:t>pasta</a:t>
-            </a:r>
-            <a:r>
-              <a:rPr lang="pt-BR" altLang="en-US" sz="1600"/>
-              <a:t>. Outro ponto que é importante informar em relação a variavel, para criá-la dentro da pasta é preciso dar um espaço, ou seja, a </a:t>
-            </a:r>
-            <a:r>
-              <a:rPr lang="pt-BR" altLang="en-US" sz="1600" b="1">
-                <a:solidFill>
-                  <a:schemeClr val="accent1">
-                    <a:lumMod val="75000"/>
-                  </a:schemeClr>
-                </a:solidFill>
-              </a:rPr>
-              <a:t>indentação </a:t>
-            </a:r>
-            <a:r>
-              <a:rPr lang="pt-BR" altLang="en-US" sz="1600"/>
-              <a:t>precisa estar certa, não precisa dar um TAB, um </a:t>
-            </a:r>
-            <a:r>
-              <a:rPr lang="pt-BR" altLang="en-US" sz="1600" b="1">
-                <a:solidFill>
-                  <a:schemeClr val="accent1">
-                    <a:lumMod val="75000"/>
-                  </a:schemeClr>
-                </a:solidFill>
-              </a:rPr>
-              <a:t>espaço </a:t>
-            </a:r>
-            <a:r>
-              <a:rPr lang="pt-BR" altLang="en-US" sz="1600" b="0"/>
-              <a:t>(tecla backspace do teclado) </a:t>
-            </a:r>
-            <a:r>
-              <a:rPr lang="pt-BR" altLang="en-US" sz="1600"/>
-              <a:t>já basta.</a:t>
-            </a:r>
-            <a:endParaRPr lang="pt-BR" altLang="en-US" sz="1600"/>
-          </a:p>
-          <a:p>
-            <a:pPr marL="285750" indent="-285750" algn="just">
-              <a:buFont typeface="Arial" panose="020B0604020202020204" pitchFamily="34" charset="0"/>
-              <a:buChar char="•"/>
-            </a:pPr>
-            <a:endParaRPr lang="pt-BR" altLang="en-US" sz="1600"/>
-          </a:p>
-          <a:p>
-            <a:pPr marL="285750" indent="-285750" algn="just">
-              <a:buFont typeface="Arial" panose="020B0604020202020204" pitchFamily="34" charset="0"/>
-              <a:buChar char="•"/>
-            </a:pPr>
-            <a:r>
-              <a:rPr lang="pt-BR" altLang="en-US" sz="1600"/>
-              <a:t>Exemplo:</a:t>
-            </a:r>
-            <a:endParaRPr lang="pt-BR" altLang="en-US" sz="1600"/>
-          </a:p>
-          <a:p>
-            <a:pPr marL="285750" indent="-285750" algn="just">
-              <a:buFont typeface="Arial" panose="020B0604020202020204" pitchFamily="34" charset="0"/>
-              <a:buChar char="•"/>
-            </a:pPr>
-            <a:endParaRPr lang="pt-BR" altLang="en-US" sz="1600"/>
-          </a:p>
-          <a:p>
-            <a:pPr marL="0" indent="0" algn="just">
-              <a:buFont typeface="Arial" panose="020B0604020202020204" pitchFamily="34" charset="0"/>
-              <a:buNone/>
-            </a:pPr>
-            <a:r>
-              <a:rPr lang="pt-BR" altLang="en-US" sz="1600"/>
-              <a:t>	PastaExemplo</a:t>
-            </a:r>
-            <a:endParaRPr lang="pt-BR" altLang="en-US" sz="1600"/>
-          </a:p>
-          <a:p>
-            <a:pPr marL="0" indent="0" algn="just">
-              <a:buFont typeface="Arial" panose="020B0604020202020204" pitchFamily="34" charset="0"/>
-              <a:buNone/>
-            </a:pPr>
-            <a:r>
-              <a:rPr lang="pt-BR" altLang="en-US" sz="1600"/>
-              <a:t>	  Variavel_Na_PastaExemplo</a:t>
-            </a:r>
-            <a:endParaRPr lang="pt-BR" altLang="en-US" sz="1600"/>
-          </a:p>
-          <a:p>
-            <a:pPr marL="0" indent="0" algn="just">
-              <a:buFont typeface="Arial" panose="020B0604020202020204" pitchFamily="34" charset="0"/>
-              <a:buNone/>
-            </a:pPr>
-            <a:r>
-              <a:rPr lang="pt-BR" altLang="en-US" sz="1600"/>
-              <a:t>	OutraPasta</a:t>
-            </a:r>
-            <a:endParaRPr lang="pt-BR" altLang="en-US" sz="1600"/>
-          </a:p>
-          <a:p>
-            <a:pPr marL="0" indent="0" algn="just">
-              <a:buFont typeface="Arial" panose="020B0604020202020204" pitchFamily="34" charset="0"/>
-              <a:buNone/>
-            </a:pPr>
-            <a:r>
-              <a:rPr lang="pt-BR" altLang="en-US" sz="1600"/>
-              <a:t>	  SegundaVariavel_Na_OutraPasta</a:t>
-            </a:r>
-            <a:endParaRPr lang="pt-BR" altLang="en-US" sz="1600"/>
-          </a:p>
-          <a:p>
-            <a:pPr marL="285750" indent="-285750" algn="just">
-              <a:buFont typeface="Arial" panose="020B0604020202020204" pitchFamily="34" charset="0"/>
-              <a:buChar char="•"/>
-            </a:pPr>
-            <a:endParaRPr lang="pt-BR" altLang="en-US" sz="1600"/>
-          </a:p>
-          <a:p>
-            <a:pPr marL="285750" indent="-285750" algn="just">
-              <a:buFont typeface="Arial" panose="020B0604020202020204" pitchFamily="34" charset="0"/>
-              <a:buChar char="•"/>
-            </a:pPr>
-            <a:endParaRPr lang="pt-BR" altLang="en-US" sz="1600"/>
-          </a:p>
-          <a:p>
-            <a:pPr marL="285750" indent="-285750" algn="just">
-              <a:buFont typeface="Arial" panose="020B0604020202020204" pitchFamily="34" charset="0"/>
-              <a:buChar char="•"/>
-            </a:pPr>
-            <a:endParaRPr lang="pt-BR" altLang="en-US" sz="1600" b="0"/>
-          </a:p>
-        </p:txBody>
-      </p:sp>
-      <p:sp>
-        <p:nvSpPr>
-          <p:cNvPr id="112" name="Google Shape;97;p17"/>
-          <p:cNvSpPr/>
-          <p:nvPr/>
-        </p:nvSpPr>
-        <p:spPr>
-          <a:xfrm flipH="1">
-            <a:off x="-720" y="4570920"/>
-            <a:ext cx="9143640" cy="572400"/>
-          </a:xfrm>
-          <a:prstGeom prst="rtTriangle">
-            <a:avLst/>
-          </a:prstGeom>
-          <a:gradFill rotWithShape="0">
-            <a:gsLst>
-              <a:gs pos="0">
-                <a:srgbClr val="DFE9FB"/>
-              </a:gs>
-              <a:gs pos="100000">
-                <a:srgbClr val="6E9BE7"/>
-              </a:gs>
-            </a:gsLst>
-            <a:lin ang="5394000"/>
-          </a:gradFill>
-          <a:ln w="0">
-            <a:noFill/>
-          </a:ln>
-        </p:spPr>
-        <p:style>
-          <a:lnRef idx="0">
-            <a:srgbClr val="FFFFFF"/>
-          </a:lnRef>
-          <a:fillRef idx="0">
-            <a:srgbClr val="FFFFFF"/>
-          </a:fillRef>
-          <a:effectRef idx="0">
-            <a:srgbClr val="FFFFFF"/>
-          </a:effectRef>
-          <a:fontRef idx="minor"/>
-        </p:style>
-        <p:txBody>
-          <a:bodyPr tIns="91440" bIns="91440" anchor="ctr">
-            <a:noAutofit/>
-          </a:bodyPr>
-          <a:p>
-            <a:pPr>
-              <a:lnSpc>
-                <a:spcPct val="100000"/>
-              </a:lnSpc>
-              <a:tabLst>
-                <a:tab pos="0" algn="l"/>
-              </a:tabLst>
-            </a:pPr>
-            <a:endParaRPr lang="pt-BR" sz="1400" b="0" strike="noStrike" spc="-1">
-              <a:solidFill>
-                <a:srgbClr val="000000"/>
-              </a:solidFill>
-              <a:latin typeface="Arial" panose="020B0604020202020204"/>
-              <a:ea typeface="Arial" panose="020B0604020202020204"/>
-            </a:endParaRPr>
-          </a:p>
-        </p:txBody>
-      </p:sp>
-      <p:sp>
-        <p:nvSpPr>
-          <p:cNvPr id="113" name="Google Shape;98;p17"/>
-          <p:cNvSpPr/>
-          <p:nvPr/>
-        </p:nvSpPr>
-        <p:spPr>
-          <a:xfrm>
-            <a:off x="0" y="4570920"/>
-            <a:ext cx="9143640" cy="572400"/>
-          </a:xfrm>
-          <a:prstGeom prst="rtTriangle">
-            <a:avLst/>
-          </a:prstGeom>
-          <a:gradFill rotWithShape="0">
-            <a:gsLst>
-              <a:gs pos="0">
-                <a:srgbClr val="00315D"/>
-              </a:gs>
-              <a:gs pos="100000">
-                <a:srgbClr val="1155CC"/>
-              </a:gs>
-            </a:gsLst>
-            <a:lin ang="2700000"/>
-          </a:gradFill>
-          <a:ln w="0">
-            <a:noFill/>
-          </a:ln>
-        </p:spPr>
-        <p:style>
-          <a:lnRef idx="0">
-            <a:srgbClr val="FFFFFF"/>
-          </a:lnRef>
-          <a:fillRef idx="0">
-            <a:srgbClr val="FFFFFF"/>
-          </a:fillRef>
-          <a:effectRef idx="0">
-            <a:srgbClr val="FFFFFF"/>
-          </a:effectRef>
-          <a:fontRef idx="minor"/>
-        </p:style>
-        <p:txBody>
-          <a:bodyPr tIns="91440" bIns="91440" anchor="ctr">
-            <a:noAutofit/>
-          </a:bodyPr>
-          <a:p>
-            <a:pPr>
-              <a:lnSpc>
-                <a:spcPct val="100000"/>
-              </a:lnSpc>
-              <a:tabLst>
-                <a:tab pos="0" algn="l"/>
-              </a:tabLst>
-            </a:pPr>
-            <a:endParaRPr lang="pt-BR" sz="1400" b="0" strike="noStrike" spc="-1">
-              <a:solidFill>
-                <a:srgbClr val="000000"/>
-              </a:solidFill>
-              <a:latin typeface="Arial" panose="020B0604020202020204"/>
-              <a:ea typeface="Arial" panose="020B0604020202020204"/>
-            </a:endParaRPr>
-          </a:p>
-        </p:txBody>
-      </p:sp>
-      <p:pic>
-        <p:nvPicPr>
-          <p:cNvPr id="114" name="Google Shape;99;p17"/>
-          <p:cNvPicPr/>
-          <p:nvPr/>
-        </p:nvPicPr>
-        <p:blipFill>
-          <a:blip r:embed="rId1"/>
-          <a:stretch>
-            <a:fillRect/>
-          </a:stretch>
-        </p:blipFill>
-        <p:spPr>
-          <a:xfrm>
-            <a:off x="117000" y="4700520"/>
-            <a:ext cx="1223280" cy="466920"/>
-          </a:xfrm>
-          <a:prstGeom prst="rect">
-            <a:avLst/>
-          </a:prstGeom>
-          <a:ln w="0">
-            <a:noFill/>
-          </a:ln>
-          <a:effectLst>
-            <a:outerShdw blurRad="57240" dist="19080" dir="5400000" algn="bl" rotWithShape="0">
-              <a:srgbClr val="000000">
-                <a:alpha val="50000"/>
-              </a:srgbClr>
-            </a:outerShdw>
-          </a:effectLst>
-        </p:spPr>
-      </p:pic>
-    </p:spTree>
-  </p:cSld>
-  <p:clrMapOvr>
-    <a:masterClrMapping/>
-  </p:clrMapOvr>
-  <mc:AlternateContent xmlns:mc="http://schemas.openxmlformats.org/markup-compatibility/2006">
-    <mc:Choice xmlns:p14="http://schemas.microsoft.com/office/powerpoint/2010/main" Requires="p14">
-      <p:transition spd="slow" p14:dur="1000">
-        <p:wipe/>
-      </p:transition>
-    </mc:Choice>
-    <mc:Fallback>
-      <p:transition spd="slow">
-        <p:wipe/>
-      </p:transition>
-    </mc:Fallback>
-  </mc:AlternateContent>
-  <p:timing>
-    <p:tnLst>
-      <p:par>
-        <p:cTn id="1" dur="indefinite" restart="never" nodeType="tmRoot"/>
-      </p:par>
-    </p:tnLst>
-  </p:timing>
-</p:sld>
-</file>
-
-<file path=ppt/slides/slide15.xml><?xml version="1.0" encoding="utf-8"?>
-<p:sld xmlns:a="http://schemas.openxmlformats.org/drawingml/2006/main" xmlns:r="http://schemas.openxmlformats.org/officeDocument/2006/relationships" xmlns:p="http://schemas.openxmlformats.org/presentationml/2006/main">
-  <p:cSld>
-    <p:spTree>
-      <p:nvGrpSpPr>
-        <p:cNvPr id="1" name=""/>
-        <p:cNvGrpSpPr/>
-        <p:nvPr/>
-      </p:nvGrpSpPr>
-      <p:grpSpPr/>
-      <p:sp>
-        <p:nvSpPr>
-          <p:cNvPr id="2" name="Título 1"/>
-          <p:cNvSpPr>
-            <a:spLocks noGrp="1"/>
-          </p:cNvSpPr>
-          <p:nvPr>
-            <p:ph type="title"/>
-          </p:nvPr>
-        </p:nvSpPr>
-        <p:spPr/>
-        <p:txBody>
-          <a:bodyPr/>
-          <a:p>
-            <a:r>
-              <a:rPr lang="pt-BR" sz="2400" b="1" i="0" strike="noStrike">
-                <a:solidFill>
-                  <a:srgbClr val="00315D"/>
-                </a:solidFill>
-                <a:latin typeface="Arial" panose="020B0604020202020204"/>
-                <a:ea typeface="Arial" panose="020B0604020202020204"/>
-                <a:sym typeface="+mn-ea"/>
-              </a:rPr>
               <a:t>Parâmetros </a:t>
             </a:r>
             <a:endParaRPr lang="pt-BR" altLang="en-US" sz="2400" b="1" i="0" strike="noStrike">
@@ -8144,7 +7907,7 @@
 </p:sld>
 </file>
 
-<file path=ppt/slides/slide16.xml><?xml version="1.0" encoding="utf-8"?>
+<file path=ppt/slides/slide15.xml><?xml version="1.0" encoding="utf-8"?>
 <p:sld xmlns:a="http://schemas.openxmlformats.org/drawingml/2006/main" xmlns:r="http://schemas.openxmlformats.org/officeDocument/2006/relationships" xmlns:p="http://schemas.openxmlformats.org/presentationml/2006/main">
   <p:cSld>
     <p:spTree>
@@ -8295,7 +8058,7 @@
             </a:r>
             <a:r>
               <a:rPr lang="pt-BR" altLang="en-US" sz="1600"/>
-              <a:t> de compatibilidade.</a:t>
+              <a:t> de compatibilidade. </a:t>
             </a:r>
             <a:endParaRPr lang="pt-BR" altLang="en-US" sz="1600"/>
           </a:p>
@@ -8304,16 +8067,9 @@
               <a:buFont typeface="Arial" panose="020B0604020202020204" pitchFamily="34" charset="0"/>
               <a:buChar char="•"/>
             </a:pPr>
-            <a:endParaRPr lang="pt-BR" altLang="en-US" sz="1600" b="0"/>
-          </a:p>
-          <a:p>
-            <a:pPr marL="285750" indent="-285750" algn="just">
-              <a:buFont typeface="Arial" panose="020B0604020202020204" pitchFamily="34" charset="0"/>
-              <a:buChar char="•"/>
-            </a:pPr>
             <a:r>
               <a:rPr lang="pt-BR" altLang="en-US" sz="1600" b="0"/>
-              <a:t>Outro erro comum de acontecer é deixar o campo “</a:t>
+              <a:t>Não pode deixar o campo “</a:t>
             </a:r>
             <a:r>
               <a:rPr lang="pt-BR" altLang="en-US" sz="1600" b="1">
@@ -8327,34 +8083,8 @@
             </a:r>
             <a:r>
               <a:rPr lang="pt-BR" altLang="en-US" sz="1600" b="0"/>
-              <a:t>” vazio, não atribuindo uma variável para o parâmetro do SQL, o que implicará em uma </a:t>
-            </a:r>
-            <a:r>
-              <a:rPr lang="pt-BR" altLang="en-US" sz="1600" b="1">
-                <a:solidFill>
-                  <a:srgbClr val="FF0000"/>
-                </a:solidFill>
-              </a:rPr>
-              <a:t>mensagem de erro</a:t>
-            </a:r>
-            <a:r>
-              <a:rPr lang="pt-BR" altLang="en-US" sz="1600" b="0"/>
-              <a:t> na hora da execução.</a:t>
-            </a:r>
-            <a:endParaRPr lang="pt-BR" altLang="en-US" sz="1600" b="0"/>
-          </a:p>
-          <a:p>
-            <a:pPr marL="285750" indent="-285750" algn="just">
-              <a:buFont typeface="Arial" panose="020B0604020202020204" pitchFamily="34" charset="0"/>
-              <a:buChar char="•"/>
-            </a:pPr>
-            <a:endParaRPr lang="pt-BR" altLang="en-US" sz="1600" b="0"/>
-          </a:p>
-          <a:p>
-            <a:pPr marL="285750" indent="-285750" algn="just">
-              <a:buFont typeface="Arial" panose="020B0604020202020204" pitchFamily="34" charset="0"/>
-              <a:buChar char="•"/>
-            </a:pPr>
+              <a:t>” vazio. </a:t>
+            </a:r>
             <a:endParaRPr lang="pt-BR" altLang="en-US" sz="1600" b="0"/>
           </a:p>
           <a:p>
@@ -8577,7 +8307,7 @@
 </p:sld>
 </file>
 
-<file path=ppt/slides/slide17.xml><?xml version="1.0" encoding="utf-8"?>
+<file path=ppt/slides/slide16.xml><?xml version="1.0" encoding="utf-8"?>
 <p:sld xmlns:a="http://schemas.openxmlformats.org/drawingml/2006/main" xmlns:r="http://schemas.openxmlformats.org/officeDocument/2006/relationships" xmlns:p="http://schemas.openxmlformats.org/presentationml/2006/main">
   <p:cSld>
     <p:spTree>
@@ -8597,12 +8327,7 @@
             <p:ph type="title"/>
           </p:nvPr>
         </p:nvSpPr>
-        <p:spPr>
-          <a:xfrm>
-            <a:off x="311760" y="109680"/>
-            <a:ext cx="8520120" cy="572400"/>
-          </a:xfrm>
-        </p:spPr>
+        <p:spPr/>
         <p:txBody>
           <a:bodyPr/>
           <a:p>
@@ -8615,7 +8340,7 @@
                 <a:ea typeface="Arial" panose="020B0604020202020204"/>
                 <a:sym typeface="+mn-ea"/>
               </a:rPr>
-              <a:t>Parâmetros - Verificando uma query no FAST</a:t>
+              <a:t>Interface do designer</a:t>
             </a:r>
             <a:endParaRPr lang="pt-BR" altLang="en-US" sz="2400" b="1" i="0" strike="noStrike">
               <a:solidFill>
@@ -8638,57 +8363,26 @@
             <p:ph/>
           </p:nvPr>
         </p:nvSpPr>
-        <p:spPr>
-          <a:xfrm>
-            <a:off x="311785" y="656590"/>
-            <a:ext cx="4800600" cy="3416300"/>
-          </a:xfrm>
-        </p:spPr>
-        <p:txBody>
-          <a:bodyPr>
-            <a:normAutofit lnSpcReduction="10000"/>
-          </a:bodyPr>
+        <p:spPr/>
+        <p:txBody>
+          <a:bodyPr/>
           <a:p>
             <a:pPr marL="285750" indent="-285750" algn="just">
               <a:buFont typeface="Arial" panose="020B0604020202020204" pitchFamily="34" charset="0"/>
               <a:buChar char="•"/>
             </a:pPr>
             <a:r>
-              <a:rPr lang="pt-BR" altLang="en-US" sz="1600"/>
-              <a:t>Como foi dito anteriormente, para verificar se a consulta SQL está rodando, o nome da base de dados precisar estar em </a:t>
-            </a:r>
-            <a:r>
-              <a:rPr lang="pt-BR" altLang="en-US" sz="1600" b="1"/>
-              <a:t>negrito </a:t>
-            </a:r>
-            <a:r>
-              <a:rPr lang="pt-BR" altLang="en-US" sz="1600" b="0"/>
-              <a:t>no menu lateral direito. Mas quando se tem parâmetros, existe um procedimento a mais que deve ser feito para que o menu fique em </a:t>
-            </a:r>
-            <a:r>
-              <a:rPr lang="pt-BR" altLang="en-US" sz="1600" b="1"/>
-              <a:t>negrito</a:t>
-            </a:r>
-            <a:r>
-              <a:rPr lang="pt-BR" altLang="en-US" sz="1600" b="0"/>
-              <a:t>. É preciso clicar nos 3 pontos do campo “Params” das propriedades da base de dados, e na tela que se abrir clicar em “ok”. Caso ainda não fique em </a:t>
-            </a:r>
-            <a:r>
-              <a:rPr lang="pt-BR" altLang="en-US" sz="1600" b="1"/>
-              <a:t>negrito </a:t>
-            </a:r>
-            <a:r>
-              <a:rPr lang="pt-BR" altLang="en-US" sz="1600" b="0"/>
-              <a:t>verifique a query / parâmetro.</a:t>
-            </a:r>
-            <a:endParaRPr lang="pt-BR" altLang="en-US" sz="1600" b="0"/>
+              <a:rPr lang="pt-BR" altLang="en-US"/>
+              <a:t>Na aula anterior foi possível verificar como implementar as query SQL no relatório. Nesta aula veremos as ferramentas e recursos da interface do designer, dando um foco maior nas ferramentas mais utilizadas, e para finalizar vamos ver como implementar os campos das bases de dados no layout.</a:t>
+            </a:r>
+            <a:endParaRPr lang="pt-BR" altLang="en-US"/>
           </a:p>
           <a:p>
             <a:pPr marL="285750" indent="-285750" algn="just">
               <a:buFont typeface="Arial" panose="020B0604020202020204" pitchFamily="34" charset="0"/>
               <a:buChar char="•"/>
             </a:pPr>
-            <a:endParaRPr lang="pt-BR" altLang="en-US" sz="1600" b="0"/>
+            <a:endParaRPr lang="pt-BR" altLang="en-US"/>
           </a:p>
           <a:p>
             <a:pPr marL="285750" indent="-285750" algn="just">
@@ -8696,18 +8390,10 @@
               <a:buChar char="•"/>
             </a:pPr>
             <a:r>
-              <a:rPr lang="pt-BR" altLang="en-US" sz="1600" b="0"/>
-              <a:t>É importante deixar as bases em </a:t>
-            </a:r>
-            <a:r>
-              <a:rPr lang="pt-BR" altLang="en-US" sz="1600" b="1"/>
-              <a:t>negrito </a:t>
-            </a:r>
-            <a:r>
-              <a:rPr lang="pt-BR" altLang="en-US" sz="1600" b="0"/>
-              <a:t>no menu lateral direito, para você se certificar que o FAST está rodando as query e trazendo os campos.</a:t>
-            </a:r>
-            <a:endParaRPr lang="pt-BR" altLang="en-US" sz="1600" b="0"/>
+              <a:rPr lang="pt-BR" altLang="en-US"/>
+              <a:t>A imagem a seguir númera os recursos do designer de relatórios. Mais adiante será disponibilizado uma legenda para melhor compreensão de cada região destacada.</a:t>
+            </a:r>
+            <a:endParaRPr lang="pt-BR" altLang="en-US"/>
           </a:p>
         </p:txBody>
       </p:sp>
@@ -8871,163 +8557,11 @@
           </a:effectLst>
         </p:spPr>
       </p:pic>
-      <p:sp>
-        <p:nvSpPr>
-          <p:cNvPr id="230" name="CaixaDeTexto 1"/>
-          <p:cNvSpPr/>
-          <p:nvPr/>
-        </p:nvSpPr>
-        <p:spPr>
-          <a:xfrm>
-            <a:off x="5625000" y="3435840"/>
-            <a:ext cx="3206880" cy="1073785"/>
-          </a:xfrm>
-          <a:prstGeom prst="rect">
-            <a:avLst/>
-          </a:prstGeom>
-          <a:gradFill rotWithShape="0">
-            <a:gsLst>
-              <a:gs pos="0">
-                <a:srgbClr val="4889F4"/>
-              </a:gs>
-              <a:gs pos="100000">
-                <a:srgbClr val="8EB6F8"/>
-              </a:gs>
-            </a:gsLst>
-            <a:lin ang="16200000"/>
-          </a:gradFill>
-          <a:ln w="0">
-            <a:noFill/>
-          </a:ln>
-        </p:spPr>
-        <p:style>
-          <a:lnRef idx="0">
-            <a:srgbClr val="FFFFFF"/>
-          </a:lnRef>
-          <a:fillRef idx="0">
-            <a:srgbClr val="FFFFFF"/>
-          </a:fillRef>
-          <a:effectRef idx="0">
-            <a:srgbClr val="FFFFFF"/>
-          </a:effectRef>
-          <a:fontRef idx="minor"/>
-        </p:style>
-        <p:txBody>
-          <a:bodyPr lIns="90000" tIns="45000" rIns="90000" bIns="45000" anchor="t">
-            <a:spAutoFit/>
-          </a:bodyPr>
-          <a:p>
-            <a:pPr algn="ctr">
-              <a:lnSpc>
-                <a:spcPct val="100000"/>
-              </a:lnSpc>
-            </a:pPr>
-            <a:endParaRPr lang="pt-BR" sz="800" b="0" strike="noStrike" spc="-1">
-              <a:solidFill>
-                <a:srgbClr val="000000"/>
-              </a:solidFill>
-              <a:latin typeface="Arial" panose="020B0604020202020204"/>
-            </a:endParaRPr>
-          </a:p>
-          <a:p>
-            <a:pPr algn="ctr">
-              <a:lnSpc>
-                <a:spcPct val="100000"/>
-              </a:lnSpc>
-            </a:pPr>
-            <a:r>
-              <a:rPr lang="pt-BR" sz="1600" b="1" strike="noStrike" spc="-1">
-                <a:solidFill>
-                  <a:schemeClr val="lt1"/>
-                </a:solidFill>
-                <a:latin typeface="Arial" panose="020B0604020202020204"/>
-                <a:ea typeface="Arial" panose="020B0604020202020204"/>
-              </a:rPr>
-              <a:t>OBS: Antes de clicar em “</a:t>
-            </a:r>
-            <a:r>
-              <a:rPr lang="pt-BR" sz="1600" b="1" strike="noStrike" spc="-1">
-                <a:solidFill>
-                  <a:srgbClr val="FF0000"/>
-                </a:solidFill>
-                <a:latin typeface="Arial" panose="020B0604020202020204"/>
-                <a:ea typeface="Arial" panose="020B0604020202020204"/>
-              </a:rPr>
-              <a:t>ok</a:t>
-            </a:r>
-            <a:r>
-              <a:rPr lang="pt-BR" sz="1600" b="1" strike="noStrike" spc="-1">
-                <a:solidFill>
-                  <a:schemeClr val="lt1"/>
-                </a:solidFill>
-                <a:latin typeface="Arial" panose="020B0604020202020204"/>
-                <a:ea typeface="Arial" panose="020B0604020202020204"/>
-              </a:rPr>
-              <a:t>” verificar se os parâmetros estão corretos.</a:t>
-            </a:r>
-            <a:endParaRPr lang="pt-BR" sz="1600" b="0" strike="noStrike" spc="-1">
-              <a:solidFill>
-                <a:srgbClr val="000000"/>
-              </a:solidFill>
-              <a:latin typeface="Arial" panose="020B0604020202020204"/>
-            </a:endParaRPr>
-          </a:p>
-          <a:p>
-            <a:pPr algn="ctr">
-              <a:lnSpc>
-                <a:spcPct val="100000"/>
-              </a:lnSpc>
-            </a:pPr>
-            <a:endParaRPr lang="pt-BR" sz="800" b="0" strike="noStrike" spc="-1">
-              <a:solidFill>
-                <a:srgbClr val="000000"/>
-              </a:solidFill>
-              <a:latin typeface="Arial" panose="020B0604020202020204"/>
-            </a:endParaRPr>
-          </a:p>
-        </p:txBody>
-      </p:sp>
-      <p:pic>
-        <p:nvPicPr>
-          <p:cNvPr id="6" name="Imagem 5"/>
-          <p:cNvPicPr>
-            <a:picLocks noChangeAspect="1"/>
-          </p:cNvPicPr>
-          <p:nvPr/>
-        </p:nvPicPr>
-        <p:blipFill>
-          <a:blip r:embed="rId2"/>
-          <a:stretch>
-            <a:fillRect/>
-          </a:stretch>
-        </p:blipFill>
-        <p:spPr>
-          <a:xfrm>
-            <a:off x="5292090" y="699770"/>
-            <a:ext cx="3683635" cy="2603500"/>
-          </a:xfrm>
-          <a:prstGeom prst="rect">
-            <a:avLst/>
-          </a:prstGeom>
-        </p:spPr>
-      </p:pic>
     </p:spTree>
   </p:cSld>
   <p:clrMapOvr>
     <a:masterClrMapping/>
   </p:clrMapOvr>
-  <mc:AlternateContent xmlns:mc="http://schemas.openxmlformats.org/markup-compatibility/2006">
-    <mc:Choice xmlns:p14="http://schemas.microsoft.com/office/powerpoint/2010/main" Requires="p14">
-      <p:transition spd="slow" p14:dur="1000">
-        <p:wipe/>
-      </p:transition>
-    </mc:Choice>
-    <mc:Fallback>
-      <p:transition spd="slow">
-        <p:wipe/>
-      </p:transition>
-    </mc:Fallback>
-  </mc:AlternateContent>
   <p:timing>
     <p:tnLst>
       <p:par>
@@ -9038,290 +8572,7 @@
 </p:sld>
 </file>
 
-<file path=ppt/slides/slide18.xml><?xml version="1.0" encoding="utf-8"?>
-<p:sld xmlns:a="http://schemas.openxmlformats.org/drawingml/2006/main" xmlns:r="http://schemas.openxmlformats.org/officeDocument/2006/relationships" xmlns:p="http://schemas.openxmlformats.org/presentationml/2006/main">
-  <p:cSld>
-    <p:spTree>
-      <p:nvGrpSpPr>
-        <p:cNvPr id="1" name=""/>
-        <p:cNvGrpSpPr/>
-        <p:nvPr/>
-      </p:nvGrpSpPr>
-      <p:grpSpPr/>
-      <p:sp>
-        <p:nvSpPr>
-          <p:cNvPr id="2" name="Título 1"/>
-          <p:cNvSpPr>
-            <a:spLocks noGrp="1"/>
-          </p:cNvSpPr>
-          <p:nvPr>
-            <p:ph type="title"/>
-          </p:nvPr>
-        </p:nvSpPr>
-        <p:spPr>
-          <a:xfrm>
-            <a:off x="311785" y="262255"/>
-            <a:ext cx="8520430" cy="755015"/>
-          </a:xfrm>
-        </p:spPr>
-        <p:txBody>
-          <a:bodyPr/>
-          <a:p>
-            <a:r>
-              <a:rPr lang="pt-BR" sz="2400" b="1" i="0" strike="noStrike">
-                <a:solidFill>
-                  <a:srgbClr val="00315D"/>
-                </a:solidFill>
-                <a:latin typeface="Arial" panose="020B0604020202020204"/>
-                <a:ea typeface="Arial" panose="020B0604020202020204"/>
-                <a:sym typeface="+mn-ea"/>
-              </a:rPr>
-              <a:t>Boas Práticas</a:t>
-            </a:r>
-            <a:endParaRPr lang="pt-BR" altLang="en-US" sz="2400" b="1" i="0" strike="noStrike">
-              <a:solidFill>
-                <a:srgbClr val="00315D"/>
-              </a:solidFill>
-              <a:latin typeface="Arial" panose="020B0604020202020204"/>
-              <a:ea typeface="Arial" panose="020B0604020202020204"/>
-              <a:sym typeface="+mn-ea"/>
-            </a:endParaRPr>
-          </a:p>
-        </p:txBody>
-      </p:sp>
-      <p:sp>
-        <p:nvSpPr>
-          <p:cNvPr id="3" name="Espaço Reservado para Conteúdo 2"/>
-          <p:cNvSpPr>
-            <a:spLocks noGrp="1"/>
-          </p:cNvSpPr>
-          <p:nvPr>
-            <p:ph/>
-          </p:nvPr>
-        </p:nvSpPr>
-        <p:spPr>
-          <a:xfrm>
-            <a:off x="4121150" y="1152525"/>
-            <a:ext cx="4745990" cy="1789430"/>
-          </a:xfrm>
-        </p:spPr>
-        <p:txBody>
-          <a:bodyPr/>
-          <a:p>
-            <a:pPr marL="171450" indent="-171450" algn="just">
-              <a:buFont typeface="Arial" panose="020B0604020202020204" pitchFamily="34" charset="0"/>
-              <a:buChar char="•"/>
-            </a:pPr>
-            <a:r>
-              <a:rPr lang="pt-BR" b="0" strike="noStrike">
-                <a:solidFill>
-                  <a:srgbClr val="3B3B3B"/>
-                </a:solidFill>
-                <a:latin typeface="Arial" panose="020B0604020202020204"/>
-                <a:ea typeface="Arial" panose="020B0604020202020204"/>
-                <a:sym typeface="+mn-ea"/>
-              </a:rPr>
-              <a:t>Após uma introdução do FAST e do seu funcionamento, é importante destacar algumas boas práticas na hora de iníciar ou fazer alguma alteração em um relatório, para que seja feita da melhor forma possível.</a:t>
-            </a:r>
-            <a:endParaRPr lang="pt-BR" altLang="en-US"/>
-          </a:p>
-        </p:txBody>
-      </p:sp>
-      <p:pic>
-        <p:nvPicPr>
-          <p:cNvPr id="100" name="Imagem 99"/>
-          <p:cNvPicPr/>
-          <p:nvPr/>
-        </p:nvPicPr>
-        <p:blipFill>
-          <a:blip r:embed="rId1"/>
-          <a:stretch>
-            <a:fillRect/>
-          </a:stretch>
-        </p:blipFill>
-        <p:spPr>
-          <a:xfrm>
-            <a:off x="326390" y="1131570"/>
-            <a:ext cx="3629660" cy="3119120"/>
-          </a:xfrm>
-          <a:prstGeom prst="rect">
-            <a:avLst/>
-          </a:prstGeom>
-          <a:noFill/>
-          <a:ln w="9525">
-            <a:noFill/>
-          </a:ln>
-        </p:spPr>
-      </p:pic>
-      <p:sp>
-        <p:nvSpPr>
-          <p:cNvPr id="112" name="Google Shape;97;p17"/>
-          <p:cNvSpPr/>
-          <p:nvPr/>
-        </p:nvSpPr>
-        <p:spPr>
-          <a:xfrm flipH="1">
-            <a:off x="-720" y="4570920"/>
-            <a:ext cx="9143640" cy="572400"/>
-          </a:xfrm>
-          <a:prstGeom prst="rtTriangle">
-            <a:avLst/>
-          </a:prstGeom>
-          <a:gradFill rotWithShape="0">
-            <a:gsLst>
-              <a:gs pos="0">
-                <a:srgbClr val="DFE9FB"/>
-              </a:gs>
-              <a:gs pos="100000">
-                <a:srgbClr val="6E9BE7"/>
-              </a:gs>
-            </a:gsLst>
-            <a:lin ang="5394000"/>
-          </a:gradFill>
-          <a:ln w="0">
-            <a:noFill/>
-          </a:ln>
-        </p:spPr>
-        <p:style>
-          <a:lnRef idx="0">
-            <a:srgbClr val="FFFFFF"/>
-          </a:lnRef>
-          <a:fillRef idx="0">
-            <a:srgbClr val="FFFFFF"/>
-          </a:fillRef>
-          <a:effectRef idx="0">
-            <a:srgbClr val="FFFFFF"/>
-          </a:effectRef>
-          <a:fontRef idx="minor"/>
-        </p:style>
-        <p:txBody>
-          <a:bodyPr tIns="91440" bIns="91440" anchor="ctr">
-            <a:noAutofit/>
-          </a:bodyPr>
-          <a:p>
-            <a:pPr>
-              <a:lnSpc>
-                <a:spcPct val="100000"/>
-              </a:lnSpc>
-              <a:tabLst>
-                <a:tab pos="0" algn="l"/>
-              </a:tabLst>
-            </a:pPr>
-            <a:endParaRPr lang="pt-BR" sz="1400" b="0" strike="noStrike" spc="-1">
-              <a:solidFill>
-                <a:srgbClr val="000000"/>
-              </a:solidFill>
-              <a:latin typeface="Arial" panose="020B0604020202020204"/>
-              <a:ea typeface="Arial" panose="020B0604020202020204"/>
-            </a:endParaRPr>
-          </a:p>
-        </p:txBody>
-      </p:sp>
-      <p:sp>
-        <p:nvSpPr>
-          <p:cNvPr id="113" name="Google Shape;98;p17"/>
-          <p:cNvSpPr/>
-          <p:nvPr/>
-        </p:nvSpPr>
-        <p:spPr>
-          <a:xfrm>
-            <a:off x="0" y="4570920"/>
-            <a:ext cx="9143640" cy="572400"/>
-          </a:xfrm>
-          <a:prstGeom prst="rtTriangle">
-            <a:avLst/>
-          </a:prstGeom>
-          <a:gradFill rotWithShape="0">
-            <a:gsLst>
-              <a:gs pos="0">
-                <a:srgbClr val="00315D"/>
-              </a:gs>
-              <a:gs pos="100000">
-                <a:srgbClr val="1155CC"/>
-              </a:gs>
-            </a:gsLst>
-            <a:lin ang="2700000"/>
-          </a:gradFill>
-          <a:ln w="0">
-            <a:noFill/>
-          </a:ln>
-        </p:spPr>
-        <p:style>
-          <a:lnRef idx="0">
-            <a:srgbClr val="FFFFFF"/>
-          </a:lnRef>
-          <a:fillRef idx="0">
-            <a:srgbClr val="FFFFFF"/>
-          </a:fillRef>
-          <a:effectRef idx="0">
-            <a:srgbClr val="FFFFFF"/>
-          </a:effectRef>
-          <a:fontRef idx="minor"/>
-        </p:style>
-        <p:txBody>
-          <a:bodyPr tIns="91440" bIns="91440" anchor="ctr">
-            <a:noAutofit/>
-          </a:bodyPr>
-          <a:p>
-            <a:pPr>
-              <a:lnSpc>
-                <a:spcPct val="100000"/>
-              </a:lnSpc>
-              <a:tabLst>
-                <a:tab pos="0" algn="l"/>
-              </a:tabLst>
-            </a:pPr>
-            <a:endParaRPr lang="pt-BR" sz="1400" b="0" strike="noStrike" spc="-1">
-              <a:solidFill>
-                <a:srgbClr val="000000"/>
-              </a:solidFill>
-              <a:latin typeface="Arial" panose="020B0604020202020204"/>
-              <a:ea typeface="Arial" panose="020B0604020202020204"/>
-            </a:endParaRPr>
-          </a:p>
-        </p:txBody>
-      </p:sp>
-      <p:pic>
-        <p:nvPicPr>
-          <p:cNvPr id="114" name="Google Shape;99;p17"/>
-          <p:cNvPicPr/>
-          <p:nvPr/>
-        </p:nvPicPr>
-        <p:blipFill>
-          <a:blip r:embed="rId2"/>
-          <a:stretch>
-            <a:fillRect/>
-          </a:stretch>
-        </p:blipFill>
-        <p:spPr>
-          <a:xfrm>
-            <a:off x="117000" y="4700520"/>
-            <a:ext cx="1223280" cy="466920"/>
-          </a:xfrm>
-          <a:prstGeom prst="rect">
-            <a:avLst/>
-          </a:prstGeom>
-          <a:ln w="0">
-            <a:noFill/>
-          </a:ln>
-          <a:effectLst>
-            <a:outerShdw blurRad="57240" dist="19080" dir="5400000" algn="bl" rotWithShape="0">
-              <a:srgbClr val="000000">
-                <a:alpha val="50000"/>
-              </a:srgbClr>
-            </a:outerShdw>
-          </a:effectLst>
-        </p:spPr>
-      </p:pic>
-    </p:spTree>
-  </p:cSld>
-  <p:clrMapOvr>
-    <a:masterClrMapping/>
-  </p:clrMapOvr>
-</p:sld>
-</file>
-
-<file path=ppt/slides/slide19.xml><?xml version="1.0" encoding="utf-8"?>
+<file path=ppt/slides/slide17.xml><?xml version="1.0" encoding="utf-8"?>
 <p:sld xmlns:a="http://schemas.openxmlformats.org/drawingml/2006/main" xmlns:r="http://schemas.openxmlformats.org/officeDocument/2006/relationships" xmlns:p="http://schemas.openxmlformats.org/presentationml/2006/main">
   <p:cSld>
     <p:spTree>
@@ -9338,251 +8589,6 @@
           <a:chExt cx="0" cy="0"/>
         </a:xfrm>
       </p:grpSpPr>
-      <p:sp>
-        <p:nvSpPr>
-          <p:cNvPr id="109" name="PlaceHolder 1"/>
-          <p:cNvSpPr>
-            <a:spLocks noGrp="1"/>
-          </p:cNvSpPr>
-          <p:nvPr>
-            <p:ph type="title"/>
-          </p:nvPr>
-        </p:nvSpPr>
-        <p:spPr>
-          <a:xfrm>
-            <a:off x="311760" y="82080"/>
-            <a:ext cx="8520120" cy="572400"/>
-          </a:xfrm>
-          <a:prstGeom prst="rect">
-            <a:avLst/>
-          </a:prstGeom>
-          <a:noFill/>
-          <a:ln w="0">
-            <a:noFill/>
-          </a:ln>
-        </p:spPr>
-        <p:txBody>
-          <a:bodyPr tIns="91440" bIns="91440" anchor="t">
-            <a:normAutofit fontScale="89000"/>
-          </a:bodyPr>
-          <a:p>
-            <a:pPr indent="0">
-              <a:lnSpc>
-                <a:spcPct val="115000"/>
-              </a:lnSpc>
-              <a:spcBef>
-                <a:spcPts val="1200"/>
-              </a:spcBef>
-              <a:spcAft>
-                <a:spcPts val="1200"/>
-              </a:spcAft>
-              <a:buNone/>
-              <a:tabLst>
-                <a:tab pos="0" algn="l"/>
-              </a:tabLst>
-            </a:pPr>
-            <a:r>
-              <a:rPr lang="pt-BR" sz="2500" b="1" i="0" strike="noStrike" spc="-1">
-                <a:solidFill>
-                  <a:srgbClr val="00315D"/>
-                </a:solidFill>
-                <a:latin typeface="Arial" panose="020B0604020202020204"/>
-                <a:ea typeface="Arial" panose="020B0604020202020204"/>
-              </a:rPr>
-              <a:t>Boas Práticas - Modelos </a:t>
-            </a:r>
-            <a:endParaRPr lang="pt-BR" sz="2500" b="0" i="0" strike="noStrike" spc="-1">
-              <a:solidFill>
-                <a:srgbClr val="000000"/>
-              </a:solidFill>
-              <a:latin typeface="Arial" panose="020B0604020202020204"/>
-            </a:endParaRPr>
-          </a:p>
-        </p:txBody>
-      </p:sp>
-      <p:sp>
-        <p:nvSpPr>
-          <p:cNvPr id="110" name="PlaceHolder 2"/>
-          <p:cNvSpPr>
-            <a:spLocks noGrp="1"/>
-          </p:cNvSpPr>
-          <p:nvPr>
-            <p:ph/>
-          </p:nvPr>
-        </p:nvSpPr>
-        <p:spPr>
-          <a:xfrm>
-            <a:off x="541020" y="729615"/>
-            <a:ext cx="4973955" cy="4196080"/>
-          </a:xfrm>
-          <a:prstGeom prst="rect">
-            <a:avLst/>
-          </a:prstGeom>
-          <a:noFill/>
-          <a:ln w="0">
-            <a:noFill/>
-          </a:ln>
-        </p:spPr>
-        <p:txBody>
-          <a:bodyPr tIns="91440" bIns="91440" anchor="t">
-            <a:noAutofit/>
-          </a:bodyPr>
-          <a:p>
-            <a:pPr marL="457200" indent="-406400" algn="just">
-              <a:lnSpc>
-                <a:spcPct val="115000"/>
-              </a:lnSpc>
-              <a:buClr>
-                <a:srgbClr val="00315D"/>
-              </a:buClr>
-              <a:buFont typeface="Arial" panose="020B0604020202020204"/>
-              <a:buChar char="●"/>
-            </a:pPr>
-            <a:r>
-              <a:rPr lang="pt-BR" sz="1600" b="0" strike="noStrike">
-                <a:solidFill>
-                  <a:srgbClr val="3B3B3B"/>
-                </a:solidFill>
-                <a:latin typeface="Arial" panose="020B0604020202020204"/>
-                <a:ea typeface="Arial" panose="020B0604020202020204"/>
-                <a:sym typeface="+mn-ea"/>
-              </a:rPr>
-              <a:t>Antes de iniciar um novo relatório verifique se é possível utilizar um modelo existente, para manter um padrão. Podendo ainda marcar ou não a opção “Herança do relatório”.</a:t>
-            </a:r>
-            <a:endParaRPr lang="pt-BR" sz="1600" b="0" strike="noStrike">
-              <a:solidFill>
-                <a:srgbClr val="3B3B3B"/>
-              </a:solidFill>
-              <a:latin typeface="Arial" panose="020B0604020202020204"/>
-              <a:ea typeface="Arial" panose="020B0604020202020204"/>
-              <a:sym typeface="+mn-ea"/>
-            </a:endParaRPr>
-          </a:p>
-          <a:p>
-            <a:pPr marL="457200" indent="-406400" algn="just">
-              <a:lnSpc>
-                <a:spcPct val="115000"/>
-              </a:lnSpc>
-              <a:buClr>
-                <a:srgbClr val="00315D"/>
-              </a:buClr>
-              <a:buFont typeface="Arial" panose="020B0604020202020204"/>
-              <a:buChar char="●"/>
-            </a:pPr>
-            <a:endParaRPr lang="pt-BR" sz="2000" b="0" strike="noStrike">
-              <a:solidFill>
-                <a:srgbClr val="3B3B3B"/>
-              </a:solidFill>
-              <a:latin typeface="Arial" panose="020B0604020202020204"/>
-              <a:ea typeface="Arial" panose="020B0604020202020204"/>
-              <a:sym typeface="+mn-ea"/>
-            </a:endParaRPr>
-          </a:p>
-          <a:p>
-            <a:pPr marL="457200" indent="-406400" algn="just">
-              <a:lnSpc>
-                <a:spcPct val="115000"/>
-              </a:lnSpc>
-              <a:buClr>
-                <a:srgbClr val="00315D"/>
-              </a:buClr>
-              <a:buFont typeface="Arial" panose="020B0604020202020204"/>
-              <a:buChar char="●"/>
-            </a:pPr>
-            <a:endParaRPr lang="pt-BR" sz="2000" b="0" strike="noStrike">
-              <a:solidFill>
-                <a:srgbClr val="3B3B3B"/>
-              </a:solidFill>
-              <a:latin typeface="Arial" panose="020B0604020202020204"/>
-              <a:ea typeface="Arial" panose="020B0604020202020204"/>
-              <a:sym typeface="+mn-ea"/>
-            </a:endParaRPr>
-          </a:p>
-          <a:p>
-            <a:pPr marL="914400" lvl="1" indent="-406400" algn="just">
-              <a:lnSpc>
-                <a:spcPct val="115000"/>
-              </a:lnSpc>
-              <a:buClr>
-                <a:srgbClr val="00315D"/>
-              </a:buClr>
-              <a:buFont typeface="Wingdings" panose="05000000000000000000" charset="0"/>
-              <a:buChar char="Ø"/>
-            </a:pPr>
-            <a:r>
-              <a:rPr kumimoji="0" lang="pt-BR" sz="1400" b="1" i="0" u="none" strike="noStrike" kern="0" cap="none" spc="-1" normalizeH="0" baseline="0" noProof="1">
-                <a:solidFill>
-                  <a:srgbClr val="00315D"/>
-                </a:solidFill>
-                <a:latin typeface="Arial" panose="020B0604020202020204"/>
-                <a:ea typeface="Arial" panose="020B0604020202020204"/>
-                <a:cs typeface="+mn-ea"/>
-                <a:sym typeface="+mn-ea"/>
-              </a:rPr>
-              <a:t>Modelo</a:t>
-            </a:r>
-            <a:r>
-              <a:rPr lang="pt-BR" sz="1400" b="1" strike="noStrike" spc="-1">
-                <a:solidFill>
-                  <a:srgbClr val="00315D"/>
-                </a:solidFill>
-                <a:latin typeface="Arial" panose="020B0604020202020204"/>
-                <a:ea typeface="Arial" panose="020B0604020202020204"/>
-                <a:sym typeface="+mn-ea"/>
-              </a:rPr>
-              <a:t>: É um relatório padrão, que pode vir com um cabeçalho e rodapé prontos, por exemplo. Também é possível criar novos modelos.</a:t>
-            </a:r>
-            <a:endParaRPr lang="pt-BR" sz="1400" b="1" strike="noStrike" spc="-1">
-              <a:solidFill>
-                <a:srgbClr val="00315D"/>
-              </a:solidFill>
-              <a:latin typeface="Arial" panose="020B0604020202020204"/>
-              <a:ea typeface="Arial" panose="020B0604020202020204"/>
-              <a:sym typeface="+mn-ea"/>
-            </a:endParaRPr>
-          </a:p>
-          <a:p>
-            <a:pPr marL="457200" indent="-406400">
-              <a:lnSpc>
-                <a:spcPct val="115000"/>
-              </a:lnSpc>
-              <a:buClr>
-                <a:srgbClr val="00315D"/>
-              </a:buClr>
-              <a:buFont typeface="Wingdings" panose="05000000000000000000" charset="0"/>
-              <a:buChar char="Ø"/>
-            </a:pPr>
-            <a:endParaRPr lang="pt-BR" sz="1400" b="1" strike="noStrike" spc="-1">
-              <a:solidFill>
-                <a:srgbClr val="00315D"/>
-              </a:solidFill>
-              <a:latin typeface="Arial" panose="020B0604020202020204"/>
-              <a:ea typeface="Arial" panose="020B0604020202020204"/>
-              <a:sym typeface="+mn-ea"/>
-            </a:endParaRPr>
-          </a:p>
-          <a:p>
-            <a:pPr marL="50800" indent="0">
-              <a:lnSpc>
-                <a:spcPct val="115000"/>
-              </a:lnSpc>
-              <a:buClr>
-                <a:srgbClr val="00315D"/>
-              </a:buClr>
-              <a:buFont typeface="Wingdings" panose="05000000000000000000" charset="0"/>
-              <a:buNone/>
-            </a:pPr>
-            <a:endParaRPr lang="pt-BR" sz="1400" b="1" strike="noStrike" spc="-1">
-              <a:solidFill>
-                <a:srgbClr val="00315D"/>
-              </a:solidFill>
-              <a:latin typeface="Arial" panose="020B0604020202020204"/>
-              <a:ea typeface="Arial" panose="020B0604020202020204"/>
-              <a:sym typeface="+mn-ea"/>
-            </a:endParaRPr>
-          </a:p>
-        </p:txBody>
-      </p:sp>
       <p:grpSp>
         <p:nvGrpSpPr>
           <p:cNvPr id="111" name="Google Shape;96;p17"/>
@@ -9760,11 +8766,13 @@
       </p:grpSp>
       <p:pic>
         <p:nvPicPr>
-          <p:cNvPr id="2" name="Imagem 1"/>
+          <p:cNvPr id="3" name="Espaço Reservado para Conteúdo 2"/>
           <p:cNvPicPr>
             <a:picLocks noChangeAspect="1"/>
           </p:cNvPicPr>
-          <p:nvPr/>
+          <p:nvPr>
+            <p:ph/>
+          </p:nvPr>
         </p:nvPicPr>
         <p:blipFill>
           <a:blip r:embed="rId2"/>
@@ -9774,8 +8782,8 @@
         </p:blipFill>
         <p:spPr>
           <a:xfrm>
-            <a:off x="5868035" y="1202055"/>
-            <a:ext cx="3046730" cy="3250565"/>
+            <a:off x="35560" y="51435"/>
+            <a:ext cx="5795645" cy="4455160"/>
           </a:xfrm>
           <a:prstGeom prst="rect">
             <a:avLst/>
@@ -9784,14 +8792,14 @@
       </p:pic>
       <p:sp>
         <p:nvSpPr>
-          <p:cNvPr id="3" name="Caixa de Texto 2"/>
+          <p:cNvPr id="2" name="Caixa de Texto 1"/>
           <p:cNvSpPr txBox="1"/>
           <p:nvPr/>
         </p:nvSpPr>
         <p:spPr>
           <a:xfrm>
-            <a:off x="5828665" y="821055"/>
-            <a:ext cx="3035300" cy="306705"/>
+            <a:off x="5893435" y="39370"/>
+            <a:ext cx="3232150" cy="3784600"/>
           </a:xfrm>
           <a:prstGeom prst="rect">
             <a:avLst/>
@@ -9803,18 +8811,180 @@
             <a:spAutoFit/>
           </a:bodyPr>
           <a:p>
-            <a:r>
-              <a:rPr lang="pt-BR" sz="1400" b="1" kern="0" spc="-1">
+            <a:pPr marL="0" indent="0" algn="just">
+              <a:buFont typeface="Arial" panose="020B0604020202020204" pitchFamily="34" charset="0"/>
+              <a:buNone/>
+            </a:pPr>
+            <a:r>
+              <a:rPr lang="pt-BR" sz="1200" b="1" kern="0">
                 <a:solidFill>
                   <a:srgbClr val="00315D"/>
                 </a:solidFill>
                 <a:latin typeface="Arial" panose="020B0604020202020204"/>
                 <a:ea typeface="Arial" panose="020B0604020202020204"/>
                 <a:cs typeface="+mn-ea"/>
+                <a:sym typeface="+mn-ea"/>
               </a:rPr>
-              <a:t>Menu Arquivo &gt; Novo</a:t>
-            </a:r>
-            <a:endParaRPr lang="pt-BR" altLang="en-US" sz="1400" b="1"/>
+              <a:t>Legenda dos recursos do designer de relatórios:</a:t>
+            </a:r>
+            <a:endParaRPr lang="pt-BR" sz="1200" b="1" kern="0">
+              <a:solidFill>
+                <a:srgbClr val="00315D"/>
+              </a:solidFill>
+              <a:latin typeface="Arial" panose="020B0604020202020204"/>
+              <a:ea typeface="Arial" panose="020B0604020202020204"/>
+              <a:cs typeface="+mn-ea"/>
+              <a:sym typeface="+mn-ea"/>
+            </a:endParaRPr>
+          </a:p>
+          <a:p>
+            <a:pPr marL="0" indent="0" algn="just">
+              <a:buFont typeface="Arial" panose="020B0604020202020204" pitchFamily="34" charset="0"/>
+              <a:buNone/>
+            </a:pPr>
+            <a:endParaRPr lang="pt-BR" altLang="en-US" sz="1200">
+              <a:sym typeface="+mn-ea"/>
+            </a:endParaRPr>
+          </a:p>
+          <a:p>
+            <a:pPr marL="0" indent="0" algn="just">
+              <a:buFont typeface="Arial" panose="020B0604020202020204" pitchFamily="34" charset="0"/>
+              <a:buNone/>
+            </a:pPr>
+            <a:endParaRPr lang="pt-BR" altLang="en-US" sz="1200"/>
+          </a:p>
+          <a:p>
+            <a:pPr marL="0" indent="0" algn="just">
+              <a:buFont typeface="Arial" panose="020B0604020202020204" pitchFamily="34" charset="0"/>
+              <a:buNone/>
+            </a:pPr>
+            <a:r>
+              <a:rPr lang="pt-BR" altLang="en-US" sz="1200">
+                <a:sym typeface="+mn-ea"/>
+              </a:rPr>
+              <a:t>1 - Área de trabalho para criar o design do relatório (folha padrão é a A4);</a:t>
+            </a:r>
+            <a:endParaRPr lang="pt-BR" altLang="en-US" sz="1200"/>
+          </a:p>
+          <a:p>
+            <a:pPr marL="0" indent="0" algn="just">
+              <a:buFont typeface="Arial" panose="020B0604020202020204" pitchFamily="34" charset="0"/>
+              <a:buNone/>
+            </a:pPr>
+            <a:r>
+              <a:rPr lang="pt-BR" altLang="en-US" sz="1200">
+                <a:sym typeface="+mn-ea"/>
+              </a:rPr>
+              <a:t>2 - Barra do menu;</a:t>
+            </a:r>
+            <a:endParaRPr lang="pt-BR" altLang="en-US" sz="1200"/>
+          </a:p>
+          <a:p>
+            <a:pPr marL="0" indent="0" algn="just">
+              <a:buFont typeface="Arial" panose="020B0604020202020204" pitchFamily="34" charset="0"/>
+              <a:buNone/>
+            </a:pPr>
+            <a:r>
+              <a:rPr lang="pt-BR" altLang="en-US" sz="1200">
+                <a:sym typeface="+mn-ea"/>
+              </a:rPr>
+              <a:t>3 - Barra de ferramentas;</a:t>
+            </a:r>
+            <a:endParaRPr lang="pt-BR" altLang="en-US" sz="1200"/>
+          </a:p>
+          <a:p>
+            <a:pPr marL="0" indent="0" algn="just">
+              <a:buFont typeface="Arial" panose="020B0604020202020204" pitchFamily="34" charset="0"/>
+              <a:buNone/>
+            </a:pPr>
+            <a:r>
+              <a:rPr lang="pt-BR" altLang="en-US" sz="1200">
+                <a:sym typeface="+mn-ea"/>
+              </a:rPr>
+              <a:t>4 - Barra de ferramentas de objetos; </a:t>
+            </a:r>
+            <a:endParaRPr lang="pt-BR" altLang="en-US" sz="1200"/>
+          </a:p>
+          <a:p>
+            <a:pPr marL="0" indent="0" algn="just">
+              <a:buFont typeface="Arial" panose="020B0604020202020204" pitchFamily="34" charset="0"/>
+              <a:buNone/>
+            </a:pPr>
+            <a:r>
+              <a:rPr lang="pt-BR" altLang="en-US" sz="1200">
+                <a:sym typeface="+mn-ea"/>
+              </a:rPr>
+              <a:t>5 - Utilize as guias de páginas do relatório para navegar entre as páginas;</a:t>
+            </a:r>
+            <a:endParaRPr lang="pt-BR" altLang="en-US" sz="1200"/>
+          </a:p>
+          <a:p>
+            <a:pPr marL="0" indent="0" algn="just">
+              <a:buFont typeface="Arial" panose="020B0604020202020204" pitchFamily="34" charset="0"/>
+              <a:buNone/>
+            </a:pPr>
+            <a:r>
+              <a:rPr lang="pt-BR" altLang="en-US" sz="1200">
+                <a:sym typeface="+mn-ea"/>
+              </a:rPr>
+              <a:t>6 - No painel "Árvore do Relatório", gerencie a estrutura do relatório;</a:t>
+            </a:r>
+            <a:endParaRPr lang="pt-BR" altLang="en-US" sz="1200"/>
+          </a:p>
+          <a:p>
+            <a:pPr marL="0" indent="0" algn="just">
+              <a:buFont typeface="Arial" panose="020B0604020202020204" pitchFamily="34" charset="0"/>
+              <a:buNone/>
+            </a:pPr>
+            <a:r>
+              <a:rPr lang="pt-BR" altLang="en-US" sz="1200">
+                <a:sym typeface="+mn-ea"/>
+              </a:rPr>
+              <a:t>7 - Faça ajustes nos objetos através do painel "Inspetor de Objetos";</a:t>
+            </a:r>
+            <a:endParaRPr lang="pt-BR" altLang="en-US" sz="1200"/>
+          </a:p>
+          <a:p>
+            <a:pPr marL="0" indent="0" algn="just">
+              <a:buFont typeface="Arial" panose="020B0604020202020204" pitchFamily="34" charset="0"/>
+              <a:buNone/>
+            </a:pPr>
+            <a:r>
+              <a:rPr lang="pt-BR" altLang="en-US" sz="1200">
+                <a:sym typeface="+mn-ea"/>
+              </a:rPr>
+              <a:t>8 - “Árvore de dados”;</a:t>
+            </a:r>
+            <a:endParaRPr lang="pt-BR" altLang="en-US" sz="1200"/>
+          </a:p>
+          <a:p>
+            <a:pPr marL="0" indent="0" algn="just">
+              <a:buFont typeface="Arial" panose="020B0604020202020204" pitchFamily="34" charset="0"/>
+              <a:buNone/>
+            </a:pPr>
+            <a:r>
+              <a:rPr lang="pt-BR" altLang="en-US" sz="1200">
+                <a:sym typeface="+mn-ea"/>
+              </a:rPr>
+              <a:t>9 - Posicione réguas na página do relatório para ajudar no alinhamento de objetos;</a:t>
+            </a:r>
+            <a:endParaRPr lang="pt-BR" altLang="en-US" sz="1200"/>
+          </a:p>
+          <a:p>
+            <a:pPr marL="0" indent="0" algn="just">
+              <a:buFont typeface="Arial" panose="020B0604020202020204" pitchFamily="34" charset="0"/>
+              <a:buNone/>
+            </a:pPr>
+            <a:r>
+              <a:rPr lang="pt-BR" altLang="en-US" sz="1200">
+                <a:sym typeface="+mn-ea"/>
+              </a:rPr>
+              <a:t>10 - Barra de status.</a:t>
+            </a:r>
+            <a:endParaRPr lang="pt-BR" altLang="en-US" sz="1200"/>
+          </a:p>
+          <a:p>
+            <a:endParaRPr lang="pt-BR" altLang="en-US" sz="1200"/>
           </a:p>
         </p:txBody>
       </p:sp>
@@ -9829,125 +8999,558 @@
   <p:timing>
     <p:tnLst>
       <p:par>
-        <p:cTn id="1" dur="indefinite" restart="never" nodeType="tmRoot">
-          <p:childTnLst>
-            <p:seq concurrent="1" nextAc="seek">
-              <p:cTn id="2" dur="indefinite" nodeType="mainSeq">
-                <p:childTnLst>
-                  <p:par>
-                    <p:cTn id="3" fill="hold">
-                      <p:stCondLst>
-                        <p:cond delay="indefinite"/>
-                        <p:cond evt="onBegin" delay="0">
-                          <p:tn val="2"/>
-                        </p:cond>
-                      </p:stCondLst>
-                      <p:childTnLst>
-                        <p:par>
-                          <p:cTn id="4" fill="hold">
-                            <p:stCondLst>
-                              <p:cond delay="0"/>
-                            </p:stCondLst>
-                            <p:childTnLst>
-                              <p:par>
-                                <p:cTn id="5" presetID="1" presetClass="entr" presetSubtype="0" fill="hold" nodeType="afterEffect">
-                                  <p:stCondLst>
-                                    <p:cond delay="0"/>
-                                  </p:stCondLst>
-                                  <p:childTnLst>
-                                    <p:set>
-                                      <p:cBhvr>
-                                        <p:cTn id="6" dur="1" fill="hold">
-                                          <p:stCondLst>
-                                            <p:cond delay="0"/>
-                                          </p:stCondLst>
-                                        </p:cTn>
-                                        <p:tgtEl>
-                                          <p:spTgt spid="110">
-                                            <p:txEl>
-                                              <p:pRg st="0" end="0"/>
-                                            </p:txEl>
-                                          </p:spTgt>
-                                        </p:tgtEl>
-                                        <p:attrNameLst>
-                                          <p:attrName>style.visibility</p:attrName>
-                                        </p:attrNameLst>
-                                      </p:cBhvr>
-                                      <p:to>
-                                        <p:strVal val="visible"/>
-                                      </p:to>
-                                    </p:set>
-                                  </p:childTnLst>
-                                </p:cTn>
-                              </p:par>
-                            </p:childTnLst>
-                          </p:cTn>
-                        </p:par>
-                        <p:par>
-                          <p:cTn id="7" fill="hold">
-                            <p:stCondLst>
-                              <p:cond delay="0"/>
-                            </p:stCondLst>
-                            <p:childTnLst>
-                              <p:par>
-                                <p:cTn id="8" presetID="1" presetClass="entr" presetSubtype="0" fill="hold" nodeType="afterEffect">
-                                  <p:stCondLst>
-                                    <p:cond delay="0"/>
-                                  </p:stCondLst>
-                                  <p:childTnLst>
-                                    <p:set>
-                                      <p:cBhvr>
-                                        <p:cTn id="9" dur="1" fill="hold">
-                                          <p:stCondLst>
-                                            <p:cond delay="0"/>
-                                          </p:stCondLst>
-                                        </p:cTn>
-                                        <p:tgtEl>
-                                          <p:spTgt spid="110">
-                                            <p:txEl>
-                                              <p:pRg st="3" end="3"/>
-                                            </p:txEl>
-                                          </p:spTgt>
-                                        </p:tgtEl>
-                                        <p:attrNameLst>
-                                          <p:attrName>style.visibility</p:attrName>
-                                        </p:attrNameLst>
-                                      </p:cBhvr>
-                                      <p:to>
-                                        <p:strVal val="visible"/>
-                                      </p:to>
-                                    </p:set>
-                                  </p:childTnLst>
-                                </p:cTn>
-                              </p:par>
-                            </p:childTnLst>
-                          </p:cTn>
-                        </p:par>
-                      </p:childTnLst>
-                    </p:cTn>
-                  </p:par>
-                </p:childTnLst>
-              </p:cTn>
-              <p:prevCondLst>
-                <p:cond evt="onPrev">
-                  <p:tgtEl>
-                    <p:sldTgt/>
-                  </p:tgtEl>
-                </p:cond>
-              </p:prevCondLst>
-              <p:nextCondLst>
-                <p:cond evt="onNext">
-                  <p:tgtEl>
-                    <p:sldTgt/>
-                  </p:tgtEl>
-                </p:cond>
-              </p:nextCondLst>
-            </p:seq>
-          </p:childTnLst>
-        </p:cTn>
+        <p:cTn id="1" dur="indefinite" restart="never" nodeType="tmRoot"/>
       </p:par>
     </p:tnLst>
   </p:timing>
+</p:sld>
+</file>
+
+<file path=ppt/slides/slide18.xml><?xml version="1.0" encoding="utf-8"?>
+<p:sld xmlns:a="http://schemas.openxmlformats.org/drawingml/2006/main" xmlns:r="http://schemas.openxmlformats.org/officeDocument/2006/relationships" xmlns:p="http://schemas.openxmlformats.org/presentationml/2006/main">
+  <p:cSld>
+    <p:spTree>
+      <p:nvGrpSpPr>
+        <p:cNvPr id="1" name=""/>
+        <p:cNvGrpSpPr/>
+        <p:nvPr/>
+      </p:nvGrpSpPr>
+      <p:grpSpPr/>
+      <p:sp>
+        <p:nvSpPr>
+          <p:cNvPr id="2" name="Título 1"/>
+          <p:cNvSpPr>
+            <a:spLocks noGrp="1"/>
+          </p:cNvSpPr>
+          <p:nvPr>
+            <p:ph type="title"/>
+          </p:nvPr>
+        </p:nvSpPr>
+        <p:spPr/>
+        <p:txBody>
+          <a:bodyPr/>
+          <a:p>
+            <a:r>
+              <a:rPr lang="pt-BR" sz="2400" b="1" i="0" strike="noStrike">
+                <a:solidFill>
+                  <a:srgbClr val="00315D"/>
+                </a:solidFill>
+                <a:latin typeface="Arial" panose="020B0604020202020204"/>
+                <a:ea typeface="Arial" panose="020B0604020202020204"/>
+                <a:sym typeface="+mn-ea"/>
+              </a:rPr>
+              <a:t>Bandas de dados - </a:t>
+            </a:r>
+            <a:endParaRPr lang="pt-BR" altLang="en-US" sz="2400" b="1" i="0" strike="noStrike">
+              <a:solidFill>
+                <a:srgbClr val="00315D"/>
+              </a:solidFill>
+              <a:latin typeface="Arial" panose="020B0604020202020204"/>
+              <a:ea typeface="Arial" panose="020B0604020202020204"/>
+              <a:sym typeface="+mn-ea"/>
+            </a:endParaRPr>
+          </a:p>
+        </p:txBody>
+      </p:sp>
+      <p:sp>
+        <p:nvSpPr>
+          <p:cNvPr id="3" name="Espaço Reservado para Conteúdo 2"/>
+          <p:cNvSpPr>
+            <a:spLocks noGrp="1"/>
+          </p:cNvSpPr>
+          <p:nvPr>
+            <p:ph/>
+          </p:nvPr>
+        </p:nvSpPr>
+        <p:spPr/>
+        <p:txBody>
+          <a:bodyPr/>
+          <a:p>
+            <a:pPr marL="285750" indent="-285750" algn="just">
+              <a:buFont typeface="Arial" panose="020B0604020202020204" pitchFamily="34" charset="0"/>
+              <a:buChar char="•"/>
+            </a:pPr>
+            <a:r>
+              <a:rPr lang="pt-BR" altLang="en-US"/>
+              <a:t>Na aula anterior foi possível verificar como implementar as query SQL no relatório. Nesta aula veremos as ferramentas e recursos da interface do designer, dando um foco maior nas ferramentas mais utilizadas, e para finalizar vamos ver como implementar os campos das bases de dados no layout.</a:t>
+            </a:r>
+            <a:endParaRPr lang="pt-BR" altLang="en-US"/>
+          </a:p>
+          <a:p>
+            <a:pPr marL="285750" indent="-285750" algn="just">
+              <a:buFont typeface="Arial" panose="020B0604020202020204" pitchFamily="34" charset="0"/>
+              <a:buChar char="•"/>
+            </a:pPr>
+            <a:endParaRPr lang="pt-BR" altLang="en-US"/>
+          </a:p>
+          <a:p>
+            <a:pPr marL="285750" indent="-285750" algn="just">
+              <a:buFont typeface="Arial" panose="020B0604020202020204" pitchFamily="34" charset="0"/>
+              <a:buChar char="•"/>
+            </a:pPr>
+            <a:r>
+              <a:rPr lang="pt-BR" altLang="en-US"/>
+              <a:t>A imagem a seguir númera os recursos do designer de relatórios. Mais adiante será disponibilizado uma legenda para melhor compreensão de cada região destacada.</a:t>
+            </a:r>
+            <a:endParaRPr lang="pt-BR" altLang="en-US"/>
+          </a:p>
+        </p:txBody>
+      </p:sp>
+      <p:sp>
+        <p:nvSpPr>
+          <p:cNvPr id="112" name="Google Shape;97;p17"/>
+          <p:cNvSpPr/>
+          <p:nvPr/>
+        </p:nvSpPr>
+        <p:spPr>
+          <a:xfrm flipH="1">
+            <a:off x="-720" y="4570920"/>
+            <a:ext cx="9143640" cy="572400"/>
+          </a:xfrm>
+          <a:prstGeom prst="rtTriangle">
+            <a:avLst/>
+          </a:prstGeom>
+          <a:gradFill rotWithShape="0">
+            <a:gsLst>
+              <a:gs pos="0">
+                <a:srgbClr val="DFE9FB"/>
+              </a:gs>
+              <a:gs pos="100000">
+                <a:srgbClr val="6E9BE7"/>
+              </a:gs>
+            </a:gsLst>
+            <a:lin ang="5394000"/>
+          </a:gradFill>
+          <a:ln w="0">
+            <a:noFill/>
+          </a:ln>
+        </p:spPr>
+        <p:style>
+          <a:lnRef idx="0">
+            <a:srgbClr val="FFFFFF"/>
+          </a:lnRef>
+          <a:fillRef idx="0">
+            <a:srgbClr val="FFFFFF"/>
+          </a:fillRef>
+          <a:effectRef idx="0">
+            <a:srgbClr val="FFFFFF"/>
+          </a:effectRef>
+          <a:fontRef idx="minor"/>
+        </p:style>
+        <p:txBody>
+          <a:bodyPr tIns="91440" bIns="91440" anchor="ctr">
+            <a:noAutofit/>
+          </a:bodyPr>
+          <a:p>
+            <a:pPr>
+              <a:lnSpc>
+                <a:spcPct val="100000"/>
+              </a:lnSpc>
+              <a:tabLst>
+                <a:tab pos="0" algn="l"/>
+              </a:tabLst>
+            </a:pPr>
+            <a:endParaRPr lang="pt-BR" sz="1400" b="0" strike="noStrike" spc="-1">
+              <a:solidFill>
+                <a:srgbClr val="000000"/>
+              </a:solidFill>
+              <a:latin typeface="Arial" panose="020B0604020202020204"/>
+              <a:ea typeface="Arial" panose="020B0604020202020204"/>
+            </a:endParaRPr>
+          </a:p>
+        </p:txBody>
+      </p:sp>
+      <p:sp>
+        <p:nvSpPr>
+          <p:cNvPr id="113" name="Google Shape;98;p17"/>
+          <p:cNvSpPr/>
+          <p:nvPr/>
+        </p:nvSpPr>
+        <p:spPr>
+          <a:xfrm>
+            <a:off x="0" y="4570920"/>
+            <a:ext cx="9143640" cy="572400"/>
+          </a:xfrm>
+          <a:prstGeom prst="rtTriangle">
+            <a:avLst/>
+          </a:prstGeom>
+          <a:gradFill rotWithShape="0">
+            <a:gsLst>
+              <a:gs pos="0">
+                <a:srgbClr val="00315D"/>
+              </a:gs>
+              <a:gs pos="100000">
+                <a:srgbClr val="1155CC"/>
+              </a:gs>
+            </a:gsLst>
+            <a:lin ang="2700000"/>
+          </a:gradFill>
+          <a:ln w="0">
+            <a:noFill/>
+          </a:ln>
+        </p:spPr>
+        <p:style>
+          <a:lnRef idx="0">
+            <a:srgbClr val="FFFFFF"/>
+          </a:lnRef>
+          <a:fillRef idx="0">
+            <a:srgbClr val="FFFFFF"/>
+          </a:fillRef>
+          <a:effectRef idx="0">
+            <a:srgbClr val="FFFFFF"/>
+          </a:effectRef>
+          <a:fontRef idx="minor"/>
+        </p:style>
+        <p:txBody>
+          <a:bodyPr tIns="91440" bIns="91440" anchor="ctr">
+            <a:noAutofit/>
+          </a:bodyPr>
+          <a:p>
+            <a:pPr>
+              <a:lnSpc>
+                <a:spcPct val="100000"/>
+              </a:lnSpc>
+              <a:tabLst>
+                <a:tab pos="0" algn="l"/>
+              </a:tabLst>
+            </a:pPr>
+            <a:endParaRPr lang="pt-BR" sz="1400" b="0" strike="noStrike" spc="-1">
+              <a:solidFill>
+                <a:srgbClr val="000000"/>
+              </a:solidFill>
+              <a:latin typeface="Arial" panose="020B0604020202020204"/>
+              <a:ea typeface="Arial" panose="020B0604020202020204"/>
+            </a:endParaRPr>
+          </a:p>
+        </p:txBody>
+      </p:sp>
+      <p:pic>
+        <p:nvPicPr>
+          <p:cNvPr id="114" name="Google Shape;99;p17"/>
+          <p:cNvPicPr/>
+          <p:nvPr/>
+        </p:nvPicPr>
+        <p:blipFill>
+          <a:blip r:embed="rId1"/>
+          <a:stretch>
+            <a:fillRect/>
+          </a:stretch>
+        </p:blipFill>
+        <p:spPr>
+          <a:xfrm>
+            <a:off x="117000" y="4700520"/>
+            <a:ext cx="1223280" cy="466920"/>
+          </a:xfrm>
+          <a:prstGeom prst="rect">
+            <a:avLst/>
+          </a:prstGeom>
+          <a:ln w="0">
+            <a:noFill/>
+          </a:ln>
+          <a:effectLst>
+            <a:outerShdw blurRad="57240" dist="19080" dir="5400000" algn="bl" rotWithShape="0">
+              <a:srgbClr val="000000">
+                <a:alpha val="50000"/>
+              </a:srgbClr>
+            </a:outerShdw>
+          </a:effectLst>
+        </p:spPr>
+      </p:pic>
+    </p:spTree>
+  </p:cSld>
+  <p:clrMapOvr>
+    <a:masterClrMapping/>
+  </p:clrMapOvr>
+  <p:timing>
+    <p:tnLst>
+      <p:par>
+        <p:cTn id="1" dur="indefinite" restart="never" nodeType="tmRoot"/>
+      </p:par>
+    </p:tnLst>
+  </p:timing>
+</p:sld>
+</file>
+
+<file path=ppt/slides/slide19.xml><?xml version="1.0" encoding="utf-8"?>
+<p:sld xmlns:a="http://schemas.openxmlformats.org/drawingml/2006/main" xmlns:r="http://schemas.openxmlformats.org/officeDocument/2006/relationships" xmlns:p="http://schemas.openxmlformats.org/presentationml/2006/main">
+  <p:cSld>
+    <p:spTree>
+      <p:nvGrpSpPr>
+        <p:cNvPr id="1" name=""/>
+        <p:cNvGrpSpPr/>
+        <p:nvPr/>
+      </p:nvGrpSpPr>
+      <p:grpSpPr/>
+      <p:sp>
+        <p:nvSpPr>
+          <p:cNvPr id="2" name="Título 1"/>
+          <p:cNvSpPr>
+            <a:spLocks noGrp="1"/>
+          </p:cNvSpPr>
+          <p:nvPr>
+            <p:ph type="title"/>
+          </p:nvPr>
+        </p:nvSpPr>
+        <p:spPr>
+          <a:xfrm>
+            <a:off x="311785" y="262255"/>
+            <a:ext cx="8520430" cy="755015"/>
+          </a:xfrm>
+        </p:spPr>
+        <p:txBody>
+          <a:bodyPr/>
+          <a:p>
+            <a:r>
+              <a:rPr lang="pt-BR" sz="2400" b="1" i="0" strike="noStrike">
+                <a:solidFill>
+                  <a:srgbClr val="00315D"/>
+                </a:solidFill>
+                <a:latin typeface="Arial" panose="020B0604020202020204"/>
+                <a:ea typeface="Arial" panose="020B0604020202020204"/>
+                <a:sym typeface="+mn-ea"/>
+              </a:rPr>
+              <a:t>Boas Práticas</a:t>
+            </a:r>
+            <a:endParaRPr lang="pt-BR" altLang="en-US" sz="2400" b="1" i="0" strike="noStrike">
+              <a:solidFill>
+                <a:srgbClr val="00315D"/>
+              </a:solidFill>
+              <a:latin typeface="Arial" panose="020B0604020202020204"/>
+              <a:ea typeface="Arial" panose="020B0604020202020204"/>
+              <a:sym typeface="+mn-ea"/>
+            </a:endParaRPr>
+          </a:p>
+        </p:txBody>
+      </p:sp>
+      <p:sp>
+        <p:nvSpPr>
+          <p:cNvPr id="3" name="Espaço Reservado para Conteúdo 2"/>
+          <p:cNvSpPr>
+            <a:spLocks noGrp="1"/>
+          </p:cNvSpPr>
+          <p:nvPr>
+            <p:ph/>
+          </p:nvPr>
+        </p:nvSpPr>
+        <p:spPr>
+          <a:xfrm>
+            <a:off x="4121150" y="1152525"/>
+            <a:ext cx="4745990" cy="1789430"/>
+          </a:xfrm>
+        </p:spPr>
+        <p:txBody>
+          <a:bodyPr/>
+          <a:p>
+            <a:pPr marL="171450" indent="-171450" algn="just">
+              <a:buFont typeface="Arial" panose="020B0604020202020204" pitchFamily="34" charset="0"/>
+              <a:buChar char="•"/>
+            </a:pPr>
+            <a:r>
+              <a:rPr lang="pt-BR" b="0" strike="noStrike">
+                <a:solidFill>
+                  <a:srgbClr val="3B3B3B"/>
+                </a:solidFill>
+                <a:latin typeface="Arial" panose="020B0604020202020204"/>
+                <a:ea typeface="Arial" panose="020B0604020202020204"/>
+                <a:sym typeface="+mn-ea"/>
+              </a:rPr>
+              <a:t>Após uma introdução do FAST e do seu funcionamento, é importante destacar algumas boas práticas na hora de iníciar ou fazer alguma alteração em um relatório, para que seja feita da melhor forma possível.</a:t>
+            </a:r>
+            <a:endParaRPr lang="pt-BR" altLang="en-US"/>
+          </a:p>
+        </p:txBody>
+      </p:sp>
+      <p:pic>
+        <p:nvPicPr>
+          <p:cNvPr id="100" name="Imagem 99"/>
+          <p:cNvPicPr/>
+          <p:nvPr/>
+        </p:nvPicPr>
+        <p:blipFill>
+          <a:blip r:embed="rId1"/>
+          <a:stretch>
+            <a:fillRect/>
+          </a:stretch>
+        </p:blipFill>
+        <p:spPr>
+          <a:xfrm>
+            <a:off x="326390" y="1131570"/>
+            <a:ext cx="3629660" cy="3119120"/>
+          </a:xfrm>
+          <a:prstGeom prst="rect">
+            <a:avLst/>
+          </a:prstGeom>
+          <a:noFill/>
+          <a:ln w="9525">
+            <a:noFill/>
+          </a:ln>
+        </p:spPr>
+      </p:pic>
+      <p:sp>
+        <p:nvSpPr>
+          <p:cNvPr id="112" name="Google Shape;97;p17"/>
+          <p:cNvSpPr/>
+          <p:nvPr/>
+        </p:nvSpPr>
+        <p:spPr>
+          <a:xfrm flipH="1">
+            <a:off x="-720" y="4570920"/>
+            <a:ext cx="9143640" cy="572400"/>
+          </a:xfrm>
+          <a:prstGeom prst="rtTriangle">
+            <a:avLst/>
+          </a:prstGeom>
+          <a:gradFill rotWithShape="0">
+            <a:gsLst>
+              <a:gs pos="0">
+                <a:srgbClr val="DFE9FB"/>
+              </a:gs>
+              <a:gs pos="100000">
+                <a:srgbClr val="6E9BE7"/>
+              </a:gs>
+            </a:gsLst>
+            <a:lin ang="5394000"/>
+          </a:gradFill>
+          <a:ln w="0">
+            <a:noFill/>
+          </a:ln>
+        </p:spPr>
+        <p:style>
+          <a:lnRef idx="0">
+            <a:srgbClr val="FFFFFF"/>
+          </a:lnRef>
+          <a:fillRef idx="0">
+            <a:srgbClr val="FFFFFF"/>
+          </a:fillRef>
+          <a:effectRef idx="0">
+            <a:srgbClr val="FFFFFF"/>
+          </a:effectRef>
+          <a:fontRef idx="minor"/>
+        </p:style>
+        <p:txBody>
+          <a:bodyPr tIns="91440" bIns="91440" anchor="ctr">
+            <a:noAutofit/>
+          </a:bodyPr>
+          <a:p>
+            <a:pPr>
+              <a:lnSpc>
+                <a:spcPct val="100000"/>
+              </a:lnSpc>
+              <a:tabLst>
+                <a:tab pos="0" algn="l"/>
+              </a:tabLst>
+            </a:pPr>
+            <a:endParaRPr lang="pt-BR" sz="1400" b="0" strike="noStrike" spc="-1">
+              <a:solidFill>
+                <a:srgbClr val="000000"/>
+              </a:solidFill>
+              <a:latin typeface="Arial" panose="020B0604020202020204"/>
+              <a:ea typeface="Arial" panose="020B0604020202020204"/>
+            </a:endParaRPr>
+          </a:p>
+        </p:txBody>
+      </p:sp>
+      <p:sp>
+        <p:nvSpPr>
+          <p:cNvPr id="113" name="Google Shape;98;p17"/>
+          <p:cNvSpPr/>
+          <p:nvPr/>
+        </p:nvSpPr>
+        <p:spPr>
+          <a:xfrm>
+            <a:off x="0" y="4570920"/>
+            <a:ext cx="9143640" cy="572400"/>
+          </a:xfrm>
+          <a:prstGeom prst="rtTriangle">
+            <a:avLst/>
+          </a:prstGeom>
+          <a:gradFill rotWithShape="0">
+            <a:gsLst>
+              <a:gs pos="0">
+                <a:srgbClr val="00315D"/>
+              </a:gs>
+              <a:gs pos="100000">
+                <a:srgbClr val="1155CC"/>
+              </a:gs>
+            </a:gsLst>
+            <a:lin ang="2700000"/>
+          </a:gradFill>
+          <a:ln w="0">
+            <a:noFill/>
+          </a:ln>
+        </p:spPr>
+        <p:style>
+          <a:lnRef idx="0">
+            <a:srgbClr val="FFFFFF"/>
+          </a:lnRef>
+          <a:fillRef idx="0">
+            <a:srgbClr val="FFFFFF"/>
+          </a:fillRef>
+          <a:effectRef idx="0">
+            <a:srgbClr val="FFFFFF"/>
+          </a:effectRef>
+          <a:fontRef idx="minor"/>
+        </p:style>
+        <p:txBody>
+          <a:bodyPr tIns="91440" bIns="91440" anchor="ctr">
+            <a:noAutofit/>
+          </a:bodyPr>
+          <a:p>
+            <a:pPr>
+              <a:lnSpc>
+                <a:spcPct val="100000"/>
+              </a:lnSpc>
+              <a:tabLst>
+                <a:tab pos="0" algn="l"/>
+              </a:tabLst>
+            </a:pPr>
+            <a:endParaRPr lang="pt-BR" sz="1400" b="0" strike="noStrike" spc="-1">
+              <a:solidFill>
+                <a:srgbClr val="000000"/>
+              </a:solidFill>
+              <a:latin typeface="Arial" panose="020B0604020202020204"/>
+              <a:ea typeface="Arial" panose="020B0604020202020204"/>
+            </a:endParaRPr>
+          </a:p>
+        </p:txBody>
+      </p:sp>
+      <p:pic>
+        <p:nvPicPr>
+          <p:cNvPr id="114" name="Google Shape;99;p17"/>
+          <p:cNvPicPr/>
+          <p:nvPr/>
+        </p:nvPicPr>
+        <p:blipFill>
+          <a:blip r:embed="rId2"/>
+          <a:stretch>
+            <a:fillRect/>
+          </a:stretch>
+        </p:blipFill>
+        <p:spPr>
+          <a:xfrm>
+            <a:off x="117000" y="4700520"/>
+            <a:ext cx="1223280" cy="466920"/>
+          </a:xfrm>
+          <a:prstGeom prst="rect">
+            <a:avLst/>
+          </a:prstGeom>
+          <a:ln w="0">
+            <a:noFill/>
+          </a:ln>
+          <a:effectLst>
+            <a:outerShdw blurRad="57240" dist="19080" dir="5400000" algn="bl" rotWithShape="0">
+              <a:srgbClr val="000000">
+                <a:alpha val="50000"/>
+              </a:srgbClr>
+            </a:outerShdw>
+          </a:effectLst>
+        </p:spPr>
+      </p:pic>
+    </p:spTree>
+  </p:cSld>
+  <p:clrMapOvr>
+    <a:masterClrMapping/>
+  </p:clrMapOvr>
 </p:sld>
 </file>
 
@@ -10092,7 +9695,7 @@
               <a:buChar char="•"/>
             </a:pPr>
             <a:r>
-              <a:rPr lang="pt-BR" sz="2400" b="1" strike="noStrike">
+              <a:rPr lang="pt-BR" sz="2000" b="1" strike="noStrike">
                 <a:solidFill>
                   <a:srgbClr val="00315D"/>
                 </a:solidFill>
@@ -10100,20 +9703,9 @@
                 <a:ea typeface="Arial" panose="020B0604020202020204"/>
                 <a:sym typeface="+mn-ea"/>
               </a:rPr>
-              <a:t>Instalação do </a:t>
-            </a:r>
-            <a:r>
-              <a:rPr lang="pt-BR" sz="2400" b="1" strike="noStrike">
-                <a:solidFill>
-                  <a:srgbClr val="00315D"/>
-                </a:solidFill>
-                <a:latin typeface="Arial" panose="020B0604020202020204"/>
-                <a:ea typeface="Arial" panose="020B0604020202020204"/>
-                <a:sym typeface="+mn-ea"/>
-              </a:rPr>
-              <a:t>Terminal GIT;</a:t>
-            </a:r>
-            <a:endParaRPr lang="pt-BR" sz="2400" b="1" strike="noStrike">
+              <a:t>Criação da conta GitHub;</a:t>
+            </a:r>
+            <a:endParaRPr lang="pt-BR" sz="2000" b="1" strike="noStrike">
               <a:solidFill>
                 <a:srgbClr val="00315D"/>
               </a:solidFill>
@@ -10137,7 +9729,7 @@
               <a:buChar char="•"/>
             </a:pPr>
             <a:r>
-              <a:rPr lang="pt-BR" sz="2400" b="1" strike="noStrike">
+              <a:rPr lang="pt-BR" sz="2000" b="1" strike="noStrike">
                 <a:solidFill>
                   <a:srgbClr val="00315D"/>
                 </a:solidFill>
@@ -10145,9 +9737,9 @@
                 <a:ea typeface="Arial" panose="020B0604020202020204"/>
                 <a:sym typeface="+mn-ea"/>
               </a:rPr>
-              <a:t>Registrando usuário global e chave SSH; </a:t>
-            </a:r>
-            <a:endParaRPr lang="pt-BR" sz="2400" b="1" strike="noStrike">
+              <a:t>Instalação do Terminal GIT e configuração da chave SSH; </a:t>
+            </a:r>
+            <a:endParaRPr lang="pt-BR" sz="2000" b="1" strike="noStrike">
               <a:solidFill>
                 <a:srgbClr val="00315D"/>
               </a:solidFill>
@@ -10171,7 +9763,7 @@
               <a:buChar char="•"/>
             </a:pPr>
             <a:r>
-              <a:rPr lang="pt-BR" sz="2400" b="1" strike="noStrike">
+              <a:rPr lang="pt-BR" sz="2000" b="1" strike="noStrike">
                 <a:solidFill>
                   <a:srgbClr val="00315D"/>
                 </a:solidFill>
@@ -10179,9 +9771,9 @@
                 <a:ea typeface="Arial" panose="020B0604020202020204"/>
                 <a:sym typeface="+mn-ea"/>
               </a:rPr>
-              <a:t>Instalação do GSR Designer;</a:t>
-            </a:r>
-            <a:endParaRPr lang="pt-BR" sz="2400" b="1" strike="noStrike">
+              <a:t>Configuração do GSR Designer;</a:t>
+            </a:r>
+            <a:endParaRPr lang="pt-BR" sz="2000" b="1" strike="noStrike">
               <a:solidFill>
                 <a:srgbClr val="00315D"/>
               </a:solidFill>
@@ -10205,7 +9797,7 @@
               <a:buChar char="•"/>
             </a:pPr>
             <a:r>
-              <a:rPr lang="pt-BR" sz="2400" b="1" strike="noStrike">
+              <a:rPr lang="pt-BR" sz="2000" b="1" strike="noStrike">
                 <a:solidFill>
                   <a:srgbClr val="00315D"/>
                 </a:solidFill>
@@ -10215,7 +9807,7 @@
               </a:rPr>
               <a:t>Registrando um banco de dados;</a:t>
             </a:r>
-            <a:endParaRPr lang="pt-BR" sz="2400" b="0" strike="noStrike" spc="-1">
+            <a:endParaRPr lang="pt-BR" sz="2000" b="0" strike="noStrike" spc="-1">
               <a:solidFill>
                 <a:srgbClr val="000000"/>
               </a:solidFill>
@@ -10237,7 +9829,7 @@
               <a:buChar char="•"/>
             </a:pPr>
             <a:r>
-              <a:rPr lang="pt-BR" sz="2400" b="1" strike="noStrike" spc="-1">
+              <a:rPr lang="pt-BR" sz="2000" b="1" strike="noStrike" spc="-1">
                 <a:solidFill>
                   <a:srgbClr val="00315D"/>
                 </a:solidFill>
@@ -10246,7 +9838,7 @@
               </a:rPr>
               <a:t>Base de dados;</a:t>
             </a:r>
-            <a:endParaRPr lang="pt-BR" sz="2400" b="1" strike="noStrike" spc="-1">
+            <a:endParaRPr lang="pt-BR" sz="2000" b="1" strike="noStrike" spc="-1">
               <a:solidFill>
                 <a:srgbClr val="00315D"/>
               </a:solidFill>
@@ -10269,7 +9861,7 @@
               <a:buChar char="•"/>
             </a:pPr>
             <a:r>
-              <a:rPr lang="pt-BR" sz="2400" b="1" strike="noStrike" spc="-1">
+              <a:rPr lang="pt-BR" sz="2000" b="1" strike="noStrike" spc="-1">
                 <a:solidFill>
                   <a:srgbClr val="00315D"/>
                 </a:solidFill>
@@ -10278,7 +9870,7 @@
               </a:rPr>
               <a:t>Parâmetros;</a:t>
             </a:r>
-            <a:endParaRPr lang="pt-BR" sz="2400" b="1" strike="noStrike" spc="-1">
+            <a:endParaRPr lang="pt-BR" sz="2000" b="1" strike="noStrike" spc="-1">
               <a:solidFill>
                 <a:srgbClr val="00315D"/>
               </a:solidFill>
@@ -10301,7 +9893,7 @@
               <a:buChar char="•"/>
             </a:pPr>
             <a:r>
-              <a:rPr lang="pt-BR" sz="2400" b="1" strike="noStrike">
+              <a:rPr lang="pt-BR" sz="2000" b="1" strike="noStrike">
                 <a:solidFill>
                   <a:srgbClr val="00315D"/>
                 </a:solidFill>
@@ -10311,7 +9903,7 @@
               </a:rPr>
               <a:t>Conclusão e Boas Práticas.</a:t>
             </a:r>
-            <a:endParaRPr lang="pt-BR" sz="2400" b="0" strike="noStrike" spc="-1">
+            <a:endParaRPr lang="pt-BR" sz="2000" b="0" strike="noStrike" spc="-1">
               <a:solidFill>
                 <a:srgbClr val="000000"/>
               </a:solidFill>
@@ -10332,7 +9924,7 @@
               <a:buFont typeface="Arial" panose="020B0604020202020204" pitchFamily="34" charset="0"/>
               <a:buChar char="•"/>
             </a:pPr>
-            <a:endParaRPr lang="pt-BR" sz="2400" b="0" strike="noStrike" spc="-1">
+            <a:endParaRPr lang="pt-BR" sz="2000" b="0" strike="noStrike" spc="-1">
               <a:solidFill>
                 <a:srgbClr val="000000"/>
               </a:solidFill>
@@ -10350,7 +9942,7 @@
               <a:buFont typeface="Arial" panose="020B0604020202020204" pitchFamily="34" charset="0"/>
               <a:buChar char="•"/>
             </a:pPr>
-            <a:endParaRPr lang="pt-BR" sz="2400" b="0" strike="noStrike" spc="-1">
+            <a:endParaRPr lang="pt-BR" sz="2000" b="0" strike="noStrike" spc="-1">
               <a:solidFill>
                 <a:srgbClr val="000000"/>
               </a:solidFill>
@@ -10368,7 +9960,7 @@
               <a:buFont typeface="Arial" panose="020B0604020202020204" pitchFamily="34" charset="0"/>
               <a:buChar char="•"/>
             </a:pPr>
-            <a:endParaRPr lang="pt-BR" sz="2400" b="0" strike="noStrike" spc="-1">
+            <a:endParaRPr lang="pt-BR" sz="2000" b="0" strike="noStrike" spc="-1">
               <a:solidFill>
                 <a:srgbClr val="000000"/>
               </a:solidFill>
@@ -10644,7 +10236,7 @@
                                         <p:tgtEl>
                                           <p:spTgt spid="89">
                                             <p:txEl>
-                                              <p:pRg st="0" end="0"/>
+                                              <p:pRg st="1" end="1"/>
                                             </p:txEl>
                                           </p:spTgt>
                                         </p:tgtEl>
@@ -10684,7 +10276,7 @@
                                         <p:tgtEl>
                                           <p:spTgt spid="89">
                                             <p:txEl>
-                                              <p:pRg st="1" end="1"/>
+                                              <p:pRg st="0" end="0"/>
                                             </p:txEl>
                                           </p:spTgt>
                                         </p:tgtEl>
@@ -11016,6 +10608,636 @@
                 <a:ea typeface="Arial" panose="020B0604020202020204"/>
                 <a:sym typeface="+mn-ea"/>
               </a:rPr>
+              <a:t>Antes de iniciar um novo relatório verifique se é possível utilizar um modelo existente, para manter um padrão. Podendo ainda marcar ou não a opção “Herança do relatório”.</a:t>
+            </a:r>
+            <a:endParaRPr lang="pt-BR" sz="1600" b="0" strike="noStrike">
+              <a:solidFill>
+                <a:srgbClr val="3B3B3B"/>
+              </a:solidFill>
+              <a:latin typeface="Arial" panose="020B0604020202020204"/>
+              <a:ea typeface="Arial" panose="020B0604020202020204"/>
+              <a:sym typeface="+mn-ea"/>
+            </a:endParaRPr>
+          </a:p>
+          <a:p>
+            <a:pPr marL="457200" indent="-406400" algn="just">
+              <a:lnSpc>
+                <a:spcPct val="115000"/>
+              </a:lnSpc>
+              <a:buClr>
+                <a:srgbClr val="00315D"/>
+              </a:buClr>
+              <a:buFont typeface="Arial" panose="020B0604020202020204"/>
+              <a:buChar char="●"/>
+            </a:pPr>
+            <a:endParaRPr lang="pt-BR" sz="2000" b="0" strike="noStrike">
+              <a:solidFill>
+                <a:srgbClr val="3B3B3B"/>
+              </a:solidFill>
+              <a:latin typeface="Arial" panose="020B0604020202020204"/>
+              <a:ea typeface="Arial" panose="020B0604020202020204"/>
+              <a:sym typeface="+mn-ea"/>
+            </a:endParaRPr>
+          </a:p>
+          <a:p>
+            <a:pPr marL="457200" indent="-406400" algn="just">
+              <a:lnSpc>
+                <a:spcPct val="115000"/>
+              </a:lnSpc>
+              <a:buClr>
+                <a:srgbClr val="00315D"/>
+              </a:buClr>
+              <a:buFont typeface="Arial" panose="020B0604020202020204"/>
+              <a:buChar char="●"/>
+            </a:pPr>
+            <a:endParaRPr lang="pt-BR" sz="2000" b="0" strike="noStrike">
+              <a:solidFill>
+                <a:srgbClr val="3B3B3B"/>
+              </a:solidFill>
+              <a:latin typeface="Arial" panose="020B0604020202020204"/>
+              <a:ea typeface="Arial" panose="020B0604020202020204"/>
+              <a:sym typeface="+mn-ea"/>
+            </a:endParaRPr>
+          </a:p>
+          <a:p>
+            <a:pPr marL="914400" lvl="1" indent="-406400" algn="just">
+              <a:lnSpc>
+                <a:spcPct val="115000"/>
+              </a:lnSpc>
+              <a:buClr>
+                <a:srgbClr val="00315D"/>
+              </a:buClr>
+              <a:buFont typeface="Wingdings" panose="05000000000000000000" charset="0"/>
+              <a:buChar char="Ø"/>
+            </a:pPr>
+            <a:r>
+              <a:rPr kumimoji="0" lang="pt-BR" sz="1400" b="1" i="0" u="none" strike="noStrike" kern="0" cap="none" spc="-1" normalizeH="0" baseline="0" noProof="1">
+                <a:solidFill>
+                  <a:srgbClr val="00315D"/>
+                </a:solidFill>
+                <a:latin typeface="Arial" panose="020B0604020202020204"/>
+                <a:ea typeface="Arial" panose="020B0604020202020204"/>
+                <a:cs typeface="+mn-ea"/>
+                <a:sym typeface="+mn-ea"/>
+              </a:rPr>
+              <a:t>Modelo</a:t>
+            </a:r>
+            <a:r>
+              <a:rPr lang="pt-BR" sz="1400" b="1" strike="noStrike" spc="-1">
+                <a:solidFill>
+                  <a:srgbClr val="00315D"/>
+                </a:solidFill>
+                <a:latin typeface="Arial" panose="020B0604020202020204"/>
+                <a:ea typeface="Arial" panose="020B0604020202020204"/>
+                <a:sym typeface="+mn-ea"/>
+              </a:rPr>
+              <a:t>: É um relatório padrão, que pode vir com um cabeçalho e rodapé prontos, por exemplo. Também é possível criar novos modelos.</a:t>
+            </a:r>
+            <a:endParaRPr lang="pt-BR" sz="1400" b="1" strike="noStrike" spc="-1">
+              <a:solidFill>
+                <a:srgbClr val="00315D"/>
+              </a:solidFill>
+              <a:latin typeface="Arial" panose="020B0604020202020204"/>
+              <a:ea typeface="Arial" panose="020B0604020202020204"/>
+              <a:sym typeface="+mn-ea"/>
+            </a:endParaRPr>
+          </a:p>
+          <a:p>
+            <a:pPr marL="457200" indent="-406400">
+              <a:lnSpc>
+                <a:spcPct val="115000"/>
+              </a:lnSpc>
+              <a:buClr>
+                <a:srgbClr val="00315D"/>
+              </a:buClr>
+              <a:buFont typeface="Wingdings" panose="05000000000000000000" charset="0"/>
+              <a:buChar char="Ø"/>
+            </a:pPr>
+            <a:endParaRPr lang="pt-BR" sz="1400" b="1" strike="noStrike" spc="-1">
+              <a:solidFill>
+                <a:srgbClr val="00315D"/>
+              </a:solidFill>
+              <a:latin typeface="Arial" panose="020B0604020202020204"/>
+              <a:ea typeface="Arial" panose="020B0604020202020204"/>
+              <a:sym typeface="+mn-ea"/>
+            </a:endParaRPr>
+          </a:p>
+          <a:p>
+            <a:pPr marL="50800" indent="0">
+              <a:lnSpc>
+                <a:spcPct val="115000"/>
+              </a:lnSpc>
+              <a:buClr>
+                <a:srgbClr val="00315D"/>
+              </a:buClr>
+              <a:buFont typeface="Wingdings" panose="05000000000000000000" charset="0"/>
+              <a:buNone/>
+            </a:pPr>
+            <a:endParaRPr lang="pt-BR" sz="1400" b="1" strike="noStrike" spc="-1">
+              <a:solidFill>
+                <a:srgbClr val="00315D"/>
+              </a:solidFill>
+              <a:latin typeface="Arial" panose="020B0604020202020204"/>
+              <a:ea typeface="Arial" panose="020B0604020202020204"/>
+              <a:sym typeface="+mn-ea"/>
+            </a:endParaRPr>
+          </a:p>
+        </p:txBody>
+      </p:sp>
+      <p:grpSp>
+        <p:nvGrpSpPr>
+          <p:cNvPr id="111" name="Google Shape;96;p17"/>
+          <p:cNvGrpSpPr/>
+          <p:nvPr/>
+        </p:nvGrpSpPr>
+        <p:grpSpPr>
+          <a:xfrm>
+            <a:off x="-360" y="4570920"/>
+            <a:ext cx="9144000" cy="596520"/>
+            <a:chOff x="-360" y="4570920"/>
+            <a:chExt cx="9144000" cy="596520"/>
+          </a:xfrm>
+        </p:grpSpPr>
+        <p:sp>
+          <p:nvSpPr>
+            <p:cNvPr id="112" name="Google Shape;97;p17"/>
+            <p:cNvSpPr/>
+            <p:nvPr/>
+          </p:nvSpPr>
+          <p:spPr>
+            <a:xfrm flipH="1">
+              <a:off x="-720" y="4570920"/>
+              <a:ext cx="9143640" cy="572400"/>
+            </a:xfrm>
+            <a:prstGeom prst="rtTriangle">
+              <a:avLst/>
+            </a:prstGeom>
+            <a:gradFill rotWithShape="0">
+              <a:gsLst>
+                <a:gs pos="0">
+                  <a:srgbClr val="DFE9FB"/>
+                </a:gs>
+                <a:gs pos="100000">
+                  <a:srgbClr val="6E9BE7"/>
+                </a:gs>
+              </a:gsLst>
+              <a:lin ang="5394000"/>
+            </a:gradFill>
+            <a:ln w="0">
+              <a:noFill/>
+            </a:ln>
+          </p:spPr>
+          <p:style>
+            <a:lnRef idx="0">
+              <a:srgbClr val="FFFFFF"/>
+            </a:lnRef>
+            <a:fillRef idx="0">
+              <a:srgbClr val="FFFFFF"/>
+            </a:fillRef>
+            <a:effectRef idx="0">
+              <a:srgbClr val="FFFFFF"/>
+            </a:effectRef>
+            <a:fontRef idx="minor"/>
+          </p:style>
+          <p:txBody>
+            <a:bodyPr tIns="91440" bIns="91440" anchor="ctr">
+              <a:noAutofit/>
+            </a:bodyPr>
+            <a:p>
+              <a:pPr>
+                <a:lnSpc>
+                  <a:spcPct val="100000"/>
+                </a:lnSpc>
+                <a:tabLst>
+                  <a:tab pos="0" algn="l"/>
+                </a:tabLst>
+              </a:pPr>
+              <a:endParaRPr lang="pt-BR" sz="1400" b="0" strike="noStrike" spc="-1">
+                <a:solidFill>
+                  <a:srgbClr val="000000"/>
+                </a:solidFill>
+                <a:latin typeface="Arial" panose="020B0604020202020204"/>
+                <a:ea typeface="Arial" panose="020B0604020202020204"/>
+              </a:endParaRPr>
+            </a:p>
+          </p:txBody>
+        </p:sp>
+        <p:sp>
+          <p:nvSpPr>
+            <p:cNvPr id="113" name="Google Shape;98;p17"/>
+            <p:cNvSpPr/>
+            <p:nvPr/>
+          </p:nvSpPr>
+          <p:spPr>
+            <a:xfrm>
+              <a:off x="0" y="4570920"/>
+              <a:ext cx="9143640" cy="572400"/>
+            </a:xfrm>
+            <a:prstGeom prst="rtTriangle">
+              <a:avLst/>
+            </a:prstGeom>
+            <a:gradFill rotWithShape="0">
+              <a:gsLst>
+                <a:gs pos="0">
+                  <a:srgbClr val="00315D"/>
+                </a:gs>
+                <a:gs pos="100000">
+                  <a:srgbClr val="1155CC"/>
+                </a:gs>
+              </a:gsLst>
+              <a:lin ang="2700000"/>
+            </a:gradFill>
+            <a:ln w="0">
+              <a:noFill/>
+            </a:ln>
+          </p:spPr>
+          <p:style>
+            <a:lnRef idx="0">
+              <a:srgbClr val="FFFFFF"/>
+            </a:lnRef>
+            <a:fillRef idx="0">
+              <a:srgbClr val="FFFFFF"/>
+            </a:fillRef>
+            <a:effectRef idx="0">
+              <a:srgbClr val="FFFFFF"/>
+            </a:effectRef>
+            <a:fontRef idx="minor"/>
+          </p:style>
+          <p:txBody>
+            <a:bodyPr tIns="91440" bIns="91440" anchor="ctr">
+              <a:noAutofit/>
+            </a:bodyPr>
+            <a:p>
+              <a:pPr>
+                <a:lnSpc>
+                  <a:spcPct val="100000"/>
+                </a:lnSpc>
+                <a:tabLst>
+                  <a:tab pos="0" algn="l"/>
+                </a:tabLst>
+              </a:pPr>
+              <a:endParaRPr lang="pt-BR" sz="1400" b="0" strike="noStrike" spc="-1">
+                <a:solidFill>
+                  <a:srgbClr val="000000"/>
+                </a:solidFill>
+                <a:latin typeface="Arial" panose="020B0604020202020204"/>
+                <a:ea typeface="Arial" panose="020B0604020202020204"/>
+              </a:endParaRPr>
+            </a:p>
+          </p:txBody>
+        </p:sp>
+        <p:pic>
+          <p:nvPicPr>
+            <p:cNvPr id="114" name="Google Shape;99;p17"/>
+            <p:cNvPicPr/>
+            <p:nvPr/>
+          </p:nvPicPr>
+          <p:blipFill>
+            <a:blip r:embed="rId1"/>
+            <a:stretch>
+              <a:fillRect/>
+            </a:stretch>
+          </p:blipFill>
+          <p:spPr>
+            <a:xfrm>
+              <a:off x="117000" y="4700520"/>
+              <a:ext cx="1223280" cy="466920"/>
+            </a:xfrm>
+            <a:prstGeom prst="rect">
+              <a:avLst/>
+            </a:prstGeom>
+            <a:ln w="0">
+              <a:noFill/>
+            </a:ln>
+            <a:effectLst>
+              <a:outerShdw blurRad="57240" dist="19080" dir="5400000" algn="bl" rotWithShape="0">
+                <a:srgbClr val="000000">
+                  <a:alpha val="50000"/>
+                </a:srgbClr>
+              </a:outerShdw>
+            </a:effectLst>
+          </p:spPr>
+        </p:pic>
+      </p:grpSp>
+      <p:pic>
+        <p:nvPicPr>
+          <p:cNvPr id="2" name="Imagem 1"/>
+          <p:cNvPicPr>
+            <a:picLocks noChangeAspect="1"/>
+          </p:cNvPicPr>
+          <p:nvPr/>
+        </p:nvPicPr>
+        <p:blipFill>
+          <a:blip r:embed="rId2"/>
+          <a:stretch>
+            <a:fillRect/>
+          </a:stretch>
+        </p:blipFill>
+        <p:spPr>
+          <a:xfrm>
+            <a:off x="5868035" y="1202055"/>
+            <a:ext cx="3046730" cy="3250565"/>
+          </a:xfrm>
+          <a:prstGeom prst="rect">
+            <a:avLst/>
+          </a:prstGeom>
+        </p:spPr>
+      </p:pic>
+      <p:sp>
+        <p:nvSpPr>
+          <p:cNvPr id="3" name="Caixa de Texto 2"/>
+          <p:cNvSpPr txBox="1"/>
+          <p:nvPr/>
+        </p:nvSpPr>
+        <p:spPr>
+          <a:xfrm>
+            <a:off x="5828665" y="821055"/>
+            <a:ext cx="3035300" cy="306705"/>
+          </a:xfrm>
+          <a:prstGeom prst="rect">
+            <a:avLst/>
+          </a:prstGeom>
+          <a:noFill/>
+        </p:spPr>
+        <p:txBody>
+          <a:bodyPr wrap="square" rtlCol="0">
+            <a:spAutoFit/>
+          </a:bodyPr>
+          <a:p>
+            <a:r>
+              <a:rPr lang="pt-BR" sz="1400" b="1" kern="0" spc="-1">
+                <a:solidFill>
+                  <a:srgbClr val="00315D"/>
+                </a:solidFill>
+                <a:latin typeface="Arial" panose="020B0604020202020204"/>
+                <a:ea typeface="Arial" panose="020B0604020202020204"/>
+                <a:cs typeface="+mn-ea"/>
+              </a:rPr>
+              <a:t>Menu Arquivo &gt; Novo</a:t>
+            </a:r>
+            <a:endParaRPr lang="pt-BR" altLang="en-US" sz="1400" b="1"/>
+          </a:p>
+        </p:txBody>
+      </p:sp>
+    </p:spTree>
+  </p:cSld>
+  <p:clrMapOvr>
+    <a:masterClrMapping/>
+  </p:clrMapOvr>
+  <p:transition spd="slow">
+    <p:fade/>
+  </p:transition>
+  <p:timing>
+    <p:tnLst>
+      <p:par>
+        <p:cTn id="1" dur="indefinite" restart="never" nodeType="tmRoot">
+          <p:childTnLst>
+            <p:seq concurrent="1" nextAc="seek">
+              <p:cTn id="2" dur="indefinite" nodeType="mainSeq">
+                <p:childTnLst>
+                  <p:par>
+                    <p:cTn id="3" fill="hold">
+                      <p:stCondLst>
+                        <p:cond delay="indefinite"/>
+                        <p:cond evt="onBegin" delay="0">
+                          <p:tn val="2"/>
+                        </p:cond>
+                      </p:stCondLst>
+                      <p:childTnLst>
+                        <p:par>
+                          <p:cTn id="4" fill="hold">
+                            <p:stCondLst>
+                              <p:cond delay="0"/>
+                            </p:stCondLst>
+                            <p:childTnLst>
+                              <p:par>
+                                <p:cTn id="5" presetID="1" presetClass="entr" presetSubtype="0" fill="hold" nodeType="afterEffect">
+                                  <p:stCondLst>
+                                    <p:cond delay="0"/>
+                                  </p:stCondLst>
+                                  <p:childTnLst>
+                                    <p:set>
+                                      <p:cBhvr>
+                                        <p:cTn id="6" dur="1" fill="hold">
+                                          <p:stCondLst>
+                                            <p:cond delay="0"/>
+                                          </p:stCondLst>
+                                        </p:cTn>
+                                        <p:tgtEl>
+                                          <p:spTgt spid="110">
+                                            <p:txEl>
+                                              <p:pRg st="0" end="0"/>
+                                            </p:txEl>
+                                          </p:spTgt>
+                                        </p:tgtEl>
+                                        <p:attrNameLst>
+                                          <p:attrName>style.visibility</p:attrName>
+                                        </p:attrNameLst>
+                                      </p:cBhvr>
+                                      <p:to>
+                                        <p:strVal val="visible"/>
+                                      </p:to>
+                                    </p:set>
+                                  </p:childTnLst>
+                                </p:cTn>
+                              </p:par>
+                            </p:childTnLst>
+                          </p:cTn>
+                        </p:par>
+                        <p:par>
+                          <p:cTn id="7" fill="hold">
+                            <p:stCondLst>
+                              <p:cond delay="0"/>
+                            </p:stCondLst>
+                            <p:childTnLst>
+                              <p:par>
+                                <p:cTn id="8" presetID="1" presetClass="entr" presetSubtype="0" fill="hold" nodeType="afterEffect">
+                                  <p:stCondLst>
+                                    <p:cond delay="0"/>
+                                  </p:stCondLst>
+                                  <p:childTnLst>
+                                    <p:set>
+                                      <p:cBhvr>
+                                        <p:cTn id="9" dur="1" fill="hold">
+                                          <p:stCondLst>
+                                            <p:cond delay="0"/>
+                                          </p:stCondLst>
+                                        </p:cTn>
+                                        <p:tgtEl>
+                                          <p:spTgt spid="110">
+                                            <p:txEl>
+                                              <p:pRg st="3" end="3"/>
+                                            </p:txEl>
+                                          </p:spTgt>
+                                        </p:tgtEl>
+                                        <p:attrNameLst>
+                                          <p:attrName>style.visibility</p:attrName>
+                                        </p:attrNameLst>
+                                      </p:cBhvr>
+                                      <p:to>
+                                        <p:strVal val="visible"/>
+                                      </p:to>
+                                    </p:set>
+                                  </p:childTnLst>
+                                </p:cTn>
+                              </p:par>
+                            </p:childTnLst>
+                          </p:cTn>
+                        </p:par>
+                      </p:childTnLst>
+                    </p:cTn>
+                  </p:par>
+                </p:childTnLst>
+              </p:cTn>
+              <p:prevCondLst>
+                <p:cond evt="onPrev">
+                  <p:tgtEl>
+                    <p:sldTgt/>
+                  </p:tgtEl>
+                </p:cond>
+              </p:prevCondLst>
+              <p:nextCondLst>
+                <p:cond evt="onNext">
+                  <p:tgtEl>
+                    <p:sldTgt/>
+                  </p:tgtEl>
+                </p:cond>
+              </p:nextCondLst>
+            </p:seq>
+          </p:childTnLst>
+        </p:cTn>
+      </p:par>
+    </p:tnLst>
+  </p:timing>
+</p:sld>
+</file>
+
+<file path=ppt/slides/slide21.xml><?xml version="1.0" encoding="utf-8"?>
+<p:sld xmlns:a="http://schemas.openxmlformats.org/drawingml/2006/main" xmlns:r="http://schemas.openxmlformats.org/officeDocument/2006/relationships" xmlns:p="http://schemas.openxmlformats.org/presentationml/2006/main">
+  <p:cSld>
+    <p:spTree>
+      <p:nvGrpSpPr>
+        <p:cNvPr id="1" name=""/>
+        <p:cNvGrpSpPr/>
+        <p:nvPr/>
+      </p:nvGrpSpPr>
+      <p:grpSpPr>
+        <a:xfrm>
+          <a:off x="0" y="0"/>
+          <a:ext cx="0" cy="0"/>
+          <a:chOff x="0" y="0"/>
+          <a:chExt cx="0" cy="0"/>
+        </a:xfrm>
+      </p:grpSpPr>
+      <p:sp>
+        <p:nvSpPr>
+          <p:cNvPr id="109" name="PlaceHolder 1"/>
+          <p:cNvSpPr>
+            <a:spLocks noGrp="1"/>
+          </p:cNvSpPr>
+          <p:nvPr>
+            <p:ph type="title"/>
+          </p:nvPr>
+        </p:nvSpPr>
+        <p:spPr>
+          <a:xfrm>
+            <a:off x="311760" y="82080"/>
+            <a:ext cx="8520120" cy="572400"/>
+          </a:xfrm>
+          <a:prstGeom prst="rect">
+            <a:avLst/>
+          </a:prstGeom>
+          <a:noFill/>
+          <a:ln w="0">
+            <a:noFill/>
+          </a:ln>
+        </p:spPr>
+        <p:txBody>
+          <a:bodyPr tIns="91440" bIns="91440" anchor="t">
+            <a:normAutofit fontScale="89000"/>
+          </a:bodyPr>
+          <a:p>
+            <a:pPr indent="0">
+              <a:lnSpc>
+                <a:spcPct val="115000"/>
+              </a:lnSpc>
+              <a:spcBef>
+                <a:spcPts val="1200"/>
+              </a:spcBef>
+              <a:spcAft>
+                <a:spcPts val="1200"/>
+              </a:spcAft>
+              <a:buNone/>
+              <a:tabLst>
+                <a:tab pos="0" algn="l"/>
+              </a:tabLst>
+            </a:pPr>
+            <a:r>
+              <a:rPr lang="pt-BR" sz="2500" b="1" i="0" strike="noStrike" spc="-1">
+                <a:solidFill>
+                  <a:srgbClr val="00315D"/>
+                </a:solidFill>
+                <a:latin typeface="Arial" panose="020B0604020202020204"/>
+                <a:ea typeface="Arial" panose="020B0604020202020204"/>
+              </a:rPr>
+              <a:t>Boas Práticas - Modelos </a:t>
+            </a:r>
+            <a:endParaRPr lang="pt-BR" sz="2500" b="0" i="0" strike="noStrike" spc="-1">
+              <a:solidFill>
+                <a:srgbClr val="000000"/>
+              </a:solidFill>
+              <a:latin typeface="Arial" panose="020B0604020202020204"/>
+            </a:endParaRPr>
+          </a:p>
+        </p:txBody>
+      </p:sp>
+      <p:sp>
+        <p:nvSpPr>
+          <p:cNvPr id="110" name="PlaceHolder 2"/>
+          <p:cNvSpPr>
+            <a:spLocks noGrp="1"/>
+          </p:cNvSpPr>
+          <p:nvPr>
+            <p:ph/>
+          </p:nvPr>
+        </p:nvSpPr>
+        <p:spPr>
+          <a:xfrm>
+            <a:off x="541020" y="729615"/>
+            <a:ext cx="4973955" cy="4196080"/>
+          </a:xfrm>
+          <a:prstGeom prst="rect">
+            <a:avLst/>
+          </a:prstGeom>
+          <a:noFill/>
+          <a:ln w="0">
+            <a:noFill/>
+          </a:ln>
+        </p:spPr>
+        <p:txBody>
+          <a:bodyPr tIns="91440" bIns="91440" anchor="t">
+            <a:noAutofit/>
+          </a:bodyPr>
+          <a:p>
+            <a:pPr marL="457200" indent="-406400" algn="just">
+              <a:lnSpc>
+                <a:spcPct val="115000"/>
+              </a:lnSpc>
+              <a:buClr>
+                <a:srgbClr val="00315D"/>
+              </a:buClr>
+              <a:buFont typeface="Arial" panose="020B0604020202020204"/>
+              <a:buChar char="●"/>
+            </a:pPr>
+            <a:r>
+              <a:rPr lang="pt-BR" sz="1600" b="0" strike="noStrike">
+                <a:solidFill>
+                  <a:srgbClr val="3B3B3B"/>
+                </a:solidFill>
+                <a:latin typeface="Arial" panose="020B0604020202020204"/>
+                <a:ea typeface="Arial" panose="020B0604020202020204"/>
+                <a:sym typeface="+mn-ea"/>
+              </a:rPr>
               <a:t>Quando a opção “Herança do relatório” for marcada, surgirá um cadeado nos campos/códigos (figura 1). Significa que será possível alterar esses campos/códigos apenas no modelo pai. Se esta opção estiver desmarcada, ele trará apenas uma cópia do modelo, permitindo a edição de qualquer campo/código (figura 2), não havendo vínculo de herança, ou seja, ao editar o modelo pai não será feita a alteração nesse relatório. </a:t>
             </a:r>
             <a:endParaRPr lang="pt-BR" sz="1000" b="1" strike="noStrike" spc="-1">
@@ -11281,8 +11503,8 @@
         </p:nvSpPr>
         <p:spPr>
           <a:xfrm>
-            <a:off x="6702425" y="1895475"/>
-            <a:ext cx="648335" cy="245110"/>
+            <a:off x="6299835" y="1867535"/>
+            <a:ext cx="1544955" cy="245110"/>
           </a:xfrm>
           <a:prstGeom prst="rect">
             <a:avLst/>
@@ -11303,7 +11525,7 @@
                 <a:ea typeface="Arial" panose="020B0604020202020204"/>
                 <a:cs typeface="+mn-ea"/>
               </a:rPr>
-              <a:t>Figura 1</a:t>
+              <a:t>Figura 1 - Com Herança</a:t>
             </a:r>
             <a:endParaRPr lang="pt-BR" altLang="en-US" sz="1000" kern="0">
               <a:solidFill>
@@ -11324,8 +11546,8 @@
         </p:nvSpPr>
         <p:spPr>
           <a:xfrm>
-            <a:off x="6702425" y="3326130"/>
-            <a:ext cx="648335" cy="245110"/>
+            <a:off x="6257290" y="3325495"/>
+            <a:ext cx="1537970" cy="245110"/>
           </a:xfrm>
           <a:prstGeom prst="rect">
             <a:avLst/>
@@ -11346,7 +11568,7 @@
                 <a:ea typeface="Arial" panose="020B0604020202020204"/>
                 <a:cs typeface="+mn-ea"/>
               </a:rPr>
-              <a:t>Figura 2</a:t>
+              <a:t>Figura 2 - Sem Herança</a:t>
             </a:r>
             <a:endParaRPr lang="pt-BR" sz="1000" kern="0">
               <a:solidFill>
@@ -11426,7 +11648,7 @@
 </p:sld>
 </file>
 
-<file path=ppt/slides/slide21.xml><?xml version="1.0" encoding="utf-8"?>
+<file path=ppt/slides/slide22.xml><?xml version="1.0" encoding="utf-8"?>
 <p:sld xmlns:a="http://schemas.openxmlformats.org/drawingml/2006/main" xmlns:r="http://schemas.openxmlformats.org/officeDocument/2006/relationships" xmlns:p="http://schemas.openxmlformats.org/presentationml/2006/main">
   <p:cSld>
     <p:spTree>
@@ -11871,7 +12093,7 @@
 </p:sld>
 </file>
 
-<file path=ppt/slides/slide22.xml><?xml version="1.0" encoding="utf-8"?>
+<file path=ppt/slides/slide23.xml><?xml version="1.0" encoding="utf-8"?>
 <p:sld xmlns:a="http://schemas.openxmlformats.org/drawingml/2006/main" xmlns:r="http://schemas.openxmlformats.org/officeDocument/2006/relationships" xmlns:p="http://schemas.openxmlformats.org/presentationml/2006/main">
   <p:cSld>
     <p:spTree>
@@ -12412,7 +12634,7 @@
                 <a:ea typeface="Arial" panose="020B0604020202020204"/>
                 <a:sym typeface="+mn-ea"/>
               </a:rPr>
-              <a:t>Instalação do Terminal GIT  </a:t>
+              <a:t>Criação da conta GitHub</a:t>
             </a:r>
             <a:endParaRPr lang="pt-BR" sz="2800" b="0" strike="noStrike" spc="-1">
               <a:solidFill>
@@ -12674,7 +12896,7 @@
                 <a:ea typeface="Arial" panose="020B0604020202020204"/>
                 <a:sym typeface="+mn-ea"/>
               </a:rPr>
-              <a:t>A interação com o GITHUB ocorre por meio do Terminal GIT (64-bit), é nele que será digitado todas as linhas de código que permitiram clonar os repositórios, puxar novas atualizações, enviar novas mudanças, e etc.</a:t>
+              <a:t>Crie uma conta GitHub com o seu e-mail da Embras;</a:t>
             </a:r>
             <a:endParaRPr lang="pt-BR" sz="1600" b="0" strike="noStrike">
               <a:solidFill>
@@ -12696,6 +12918,17 @@
               <a:buFont typeface="Arial" panose="020B0604020202020204"/>
               <a:buChar char="●"/>
             </a:pPr>
+            <a:r>
+              <a:rPr lang="pt-BR" sz="1600" b="0" strike="noStrike">
+                <a:solidFill>
+                  <a:srgbClr val="3B3B3B"/>
+                </a:solidFill>
+                <a:latin typeface="Arial" panose="020B0604020202020204"/>
+                <a:ea typeface="Arial" panose="020B0604020202020204"/>
+                <a:sym typeface="+mn-ea"/>
+              </a:rPr>
+              <a:t>Solicite para a infraestrutura o acesso aos repositórios da empresa. Chegará um e-mail de confirmação;</a:t>
+            </a:r>
             <a:endParaRPr lang="pt-BR" sz="1600" b="0" strike="noStrike">
               <a:solidFill>
                 <a:srgbClr val="3B3B3B"/>
@@ -12725,51 +12958,9 @@
                 <a:ea typeface="Arial" panose="020B0604020202020204"/>
                 <a:sym typeface="+mn-ea"/>
               </a:rPr>
-              <a:t>Abaixo está disponível o link para download do terminal git;</a:t>
-            </a:r>
-            <a:r>
-              <a:rPr lang="pt-BR" sz="1600" b="1" strike="noStrike">
-                <a:solidFill>
-                  <a:srgbClr val="3B3B3B"/>
-                </a:solidFill>
-                <a:latin typeface="Arial" panose="020B0604020202020204"/>
-                <a:ea typeface="Arial" panose="020B0604020202020204"/>
-                <a:sym typeface="+mn-ea"/>
-              </a:rPr>
-              <a:t>  </a:t>
-            </a:r>
-            <a:endParaRPr lang="pt-BR" sz="1600" b="1" strike="noStrike">
-              <a:solidFill>
-                <a:srgbClr val="3B3B3B"/>
-              </a:solidFill>
-              <a:latin typeface="Arial" panose="020B0604020202020204"/>
-              <a:ea typeface="Arial" panose="020B0604020202020204"/>
-              <a:sym typeface="+mn-ea"/>
-            </a:endParaRPr>
-          </a:p>
-          <a:p>
-            <a:pPr marL="50800" indent="0" algn="just">
-              <a:lnSpc>
-                <a:spcPct val="115000"/>
-              </a:lnSpc>
-              <a:buClr>
-                <a:srgbClr val="00315D"/>
-              </a:buClr>
-              <a:buFont typeface="Arial" panose="020B0604020202020204"/>
-              <a:buNone/>
-            </a:pPr>
-            <a:r>
-              <a:rPr lang="pt-BR" sz="1600" b="1" strike="noStrike">
-                <a:solidFill>
-                  <a:srgbClr val="3B3B3B"/>
-                </a:solidFill>
-                <a:latin typeface="Arial" panose="020B0604020202020204"/>
-                <a:ea typeface="Arial" panose="020B0604020202020204"/>
-                <a:sym typeface="+mn-ea"/>
-              </a:rPr>
-              <a:t>  </a:t>
-            </a:r>
-            <a:endParaRPr lang="pt-BR" sz="1600" b="1" strike="noStrike">
+              <a:t>Abaixo segue o link para se cadastrar no GitHub:</a:t>
+            </a:r>
+            <a:endParaRPr lang="pt-BR" sz="1600" b="0" strike="noStrike">
               <a:solidFill>
                 <a:srgbClr val="3B3B3B"/>
               </a:solidFill>
@@ -12789,8 +12980,28 @@
               <a:buFont typeface="Arial" panose="020B0604020202020204"/>
               <a:buChar char="●"/>
             </a:pPr>
-            <a:r>
-              <a:rPr lang="pt-BR" sz="1600" b="1" strike="noStrike">
+            <a:endParaRPr lang="pt-BR" sz="1600" b="0" strike="noStrike">
+              <a:solidFill>
+                <a:srgbClr val="3B3B3B"/>
+              </a:solidFill>
+              <a:latin typeface="Arial" panose="020B0604020202020204"/>
+              <a:ea typeface="Arial" panose="020B0604020202020204"/>
+              <a:sym typeface="+mn-ea"/>
+            </a:endParaRPr>
+          </a:p>
+          <a:p>
+            <a:pPr marL="457200" indent="-406400" algn="just">
+              <a:lnSpc>
+                <a:spcPct val="115000"/>
+              </a:lnSpc>
+              <a:buClr>
+                <a:srgbClr val="00315D"/>
+              </a:buClr>
+              <a:buFont typeface="Arial" panose="020B0604020202020204"/>
+              <a:buChar char="●"/>
+            </a:pPr>
+            <a:r>
+              <a:rPr lang="pt-BR" sz="1600" b="0" strike="noStrike">
                 <a:solidFill>
                   <a:srgbClr val="3B3B3B"/>
                 </a:solidFill>
@@ -12798,31 +13009,11 @@
                 <a:ea typeface="Arial" panose="020B0604020202020204"/>
                 <a:sym typeface="+mn-ea"/>
               </a:rPr>
-              <a:t>https://git-scm.com/download/win</a:t>
-            </a:r>
-            <a:endParaRPr lang="pt-BR" sz="1600" b="1" strike="noStrike">
-              <a:solidFill>
-                <a:srgbClr val="3B3B3B"/>
-              </a:solidFill>
-              <a:latin typeface="Arial" panose="020B0604020202020204"/>
-              <a:ea typeface="Arial" panose="020B0604020202020204"/>
-              <a:sym typeface="+mn-ea"/>
-            </a:endParaRPr>
-          </a:p>
-          <a:p>
-            <a:pPr marL="50800" indent="0" algn="just">
-              <a:lnSpc>
-                <a:spcPct val="115000"/>
-              </a:lnSpc>
-              <a:buClr>
-                <a:srgbClr val="00315D"/>
-              </a:buClr>
-              <a:buFont typeface="Arial" panose="020B0604020202020204"/>
-              <a:buNone/>
-            </a:pPr>
+              <a:t>https://github.com/  </a:t>
+            </a:r>
             <a:endParaRPr lang="pt-BR" sz="1600" strike="noStrike">
               <a:solidFill>
-                <a:srgbClr val="3B3B3B"/>
+                <a:srgbClr val="00B050"/>
               </a:solidFill>
               <a:latin typeface="Arial" panose="020B0604020202020204"/>
               <a:ea typeface="Arial" panose="020B0604020202020204"/>
@@ -12892,7 +13083,7 @@
         </p:spPr>
         <p:txBody>
           <a:bodyPr tIns="91440" bIns="91440" anchor="t">
-            <a:normAutofit fontScale="91000"/>
+            <a:normAutofit fontScale="81000"/>
           </a:bodyPr>
           <a:p>
             <a:pPr indent="0">
@@ -12913,7 +13104,18 @@
                 <a:ea typeface="Arial" panose="020B0604020202020204"/>
                 <a:sym typeface="+mn-ea"/>
               </a:rPr>
-              <a:t>Registrando usuário global e chave SSH</a:t>
+              <a:t>Instalação do Terminal GIT e configuração da chave SSH</a:t>
+            </a:r>
+            <a:r>
+              <a:rPr lang="pt-BR" sz="2800" b="1" strike="noStrike">
+                <a:solidFill>
+                  <a:srgbClr val="00315D"/>
+                </a:solidFill>
+                <a:latin typeface="Arial" panose="020B0604020202020204"/>
+                <a:ea typeface="Arial" panose="020B0604020202020204"/>
+                <a:sym typeface="+mn-ea"/>
+              </a:rPr>
+              <a:t>  </a:t>
             </a:r>
             <a:endParaRPr lang="pt-BR" sz="2800" b="0" strike="noStrike" spc="-1">
               <a:solidFill>
@@ -13109,7 +13311,7 @@
         </p:nvSpPr>
         <p:spPr>
           <a:xfrm>
-            <a:off x="311785" y="980440"/>
+            <a:off x="311785" y="621665"/>
             <a:ext cx="8568690" cy="3096260"/>
           </a:xfrm>
           <a:prstGeom prst="rect">
@@ -13175,9 +13377,9 @@
                 <a:ea typeface="Arial" panose="020B0604020202020204"/>
                 <a:sym typeface="+mn-ea"/>
               </a:rPr>
-              <a:t>Na barra de “Pesquisar” do Windows digite por “Git Bash” para abrir o terminal.</a:t>
-            </a:r>
-            <a:endParaRPr lang="pt-BR" sz="1600" b="0" strike="noStrike">
+              <a:t>Após criar a conta no GitHub e ter todos os acessos aos repositórios acesse o link abaixo e faça o download do repositório “FAST_Report”;</a:t>
+            </a:r>
+            <a:endParaRPr lang="pt-BR" sz="1600" strike="noStrike">
               <a:solidFill>
                 <a:srgbClr val="3B3B3B"/>
               </a:solidFill>
@@ -13206,25 +13408,11 @@
                 <a:ea typeface="Arial" panose="020B0604020202020204"/>
                 <a:sym typeface="+mn-ea"/>
               </a:rPr>
-              <a:t>Em seguida digite o seguinte comando: git config --global user.name </a:t>
-            </a:r>
-            <a:r>
-              <a:rPr lang="pt-BR" sz="1600" strike="noStrike" kern="0">
-                <a:solidFill>
-                  <a:schemeClr val="accent1">
-                    <a:lumMod val="75000"/>
-                  </a:schemeClr>
-                </a:solidFill>
-                <a:latin typeface="Arial" panose="020B0604020202020204"/>
-                <a:ea typeface="Arial" panose="020B0604020202020204"/>
-                <a:cs typeface="+mn-ea"/>
-                <a:sym typeface="+mn-ea"/>
-              </a:rPr>
-              <a:t>"YOUR NAME"</a:t>
+              <a:t>https://github.com/MauricioSEmbras/FAST_Report</a:t>
             </a:r>
             <a:endParaRPr lang="pt-BR" sz="1600" strike="noStrike">
               <a:solidFill>
-                <a:srgbClr val="00B050"/>
+                <a:srgbClr val="3B3B3B"/>
               </a:solidFill>
               <a:latin typeface="Arial" panose="020B0604020202020204"/>
               <a:ea typeface="Arial" panose="020B0604020202020204"/>
@@ -13233,6 +13421,57 @@
           </a:p>
         </p:txBody>
       </p:sp>
+      <p:graphicFrame>
+        <p:nvGraphicFramePr>
+          <p:cNvPr id="2" name="Espaço Reservado para Conteúdo 1"/>
+          <p:cNvGraphicFramePr/>
+          <p:nvPr>
+            <p:ph/>
+          </p:nvPr>
+        </p:nvGraphicFramePr>
+        <p:xfrm>
+          <a:off x="1115695" y="1976120"/>
+          <a:ext cx="6883400" cy="2522855"/>
+        </p:xfrm>
+        <a:graphic>
+          <a:graphicData uri="http://schemas.openxmlformats.org/presentationml/2006/ole">
+            <mc:AlternateContent xmlns:mc="http://schemas.openxmlformats.org/markup-compatibility/2006">
+              <mc:Choice xmlns:v="urn:schemas-microsoft-com:vml" Requires="v">
+                <p:oleObj spid="_x0000_s3" name="" r:id="rId2" imgW="11772900" imgH="5505450" progId="Paint.Picture">
+                  <p:embed/>
+                </p:oleObj>
+              </mc:Choice>
+              <mc:Fallback>
+                <p:oleObj name="" r:id="rId2" imgW="11772900" imgH="5505450" progId="Paint.Picture">
+                  <p:embed/>
+                  <p:pic>
+                    <p:nvPicPr>
+                      <p:cNvPr id="0" name="Imagem 2"/>
+                      <p:cNvPicPr/>
+                      <p:nvPr/>
+                    </p:nvPicPr>
+                    <p:blipFill>
+                      <a:blip r:embed="rId3"/>
+                      <a:stretch>
+                        <a:fillRect/>
+                      </a:stretch>
+                    </p:blipFill>
+                    <p:spPr>
+                      <a:xfrm>
+                        <a:off x="1115695" y="1976120"/>
+                        <a:ext cx="6883400" cy="2522855"/>
+                      </a:xfrm>
+                      <a:prstGeom prst="rect">
+                        <a:avLst/>
+                      </a:prstGeom>
+                    </p:spPr>
+                  </p:pic>
+                </p:oleObj>
+              </mc:Fallback>
+            </mc:AlternateContent>
+          </a:graphicData>
+        </a:graphic>
+      </p:graphicFrame>
     </p:spTree>
   </p:cSld>
   <p:clrMapOvr>
@@ -13294,7 +13533,7 @@
         </p:spPr>
         <p:txBody>
           <a:bodyPr tIns="91440" bIns="91440" anchor="t">
-            <a:normAutofit fontScale="91000"/>
+            <a:normAutofit fontScale="81000"/>
           </a:bodyPr>
           <a:p>
             <a:pPr indent="0">
@@ -13315,7 +13554,7 @@
                 <a:ea typeface="Arial" panose="020B0604020202020204"/>
                 <a:sym typeface="+mn-ea"/>
               </a:rPr>
-              <a:t>I </a:t>
+              <a:t>Instalação do Terminal GIT e configuração da chave SSH</a:t>
             </a:r>
             <a:endParaRPr lang="pt-BR" sz="2800" b="0" strike="noStrike" spc="-1">
               <a:solidFill>
@@ -13501,140 +13740,142 @@
           </p:spPr>
         </p:pic>
       </p:grpSp>
-      <p:pic>
-        <p:nvPicPr>
-          <p:cNvPr id="3" name="Espaço Reservado para Conteúdo 2"/>
-          <p:cNvPicPr>
-            <a:picLocks noChangeAspect="1"/>
-          </p:cNvPicPr>
-          <p:nvPr>
-            <p:ph/>
-          </p:nvPr>
-        </p:nvPicPr>
-        <p:blipFill>
-          <a:blip r:embed="rId2"/>
-          <a:stretch>
-            <a:fillRect/>
-          </a:stretch>
-        </p:blipFill>
-        <p:spPr>
-          <a:xfrm>
-            <a:off x="45085" y="1131570"/>
-            <a:ext cx="4514850" cy="2976245"/>
+      <p:sp>
+        <p:nvSpPr>
+          <p:cNvPr id="110" name="PlaceHolder 2"/>
+          <p:cNvSpPr>
+            <a:spLocks noGrp="1"/>
+          </p:cNvSpPr>
+          <p:nvPr/>
+        </p:nvSpPr>
+        <p:spPr>
+          <a:xfrm>
+            <a:off x="311785" y="980440"/>
+            <a:ext cx="8568690" cy="3096260"/>
           </a:xfrm>
           <a:prstGeom prst="rect">
             <a:avLst/>
           </a:prstGeom>
-        </p:spPr>
-      </p:pic>
-      <p:pic>
-        <p:nvPicPr>
-          <p:cNvPr id="4" name="Espaço Reservado para Conteúdo 3"/>
-          <p:cNvPicPr>
-            <a:picLocks noChangeAspect="1"/>
-          </p:cNvPicPr>
-          <p:nvPr>
-            <p:ph/>
-          </p:nvPr>
-        </p:nvPicPr>
-        <p:blipFill>
-          <a:blip r:embed="rId3"/>
-          <a:stretch>
-            <a:fillRect/>
-          </a:stretch>
-        </p:blipFill>
-        <p:spPr>
-          <a:xfrm>
-            <a:off x="4596130" y="1131570"/>
-            <a:ext cx="4479290" cy="2975610"/>
-          </a:xfrm>
-          <a:prstGeom prst="rect">
-            <a:avLst/>
-          </a:prstGeom>
-        </p:spPr>
-      </p:pic>
-      <p:sp>
-        <p:nvSpPr>
-          <p:cNvPr id="8" name="Caixa de Texto 7"/>
-          <p:cNvSpPr txBox="1"/>
-          <p:nvPr/>
-        </p:nvSpPr>
-        <p:spPr>
-          <a:xfrm>
-            <a:off x="45085" y="4084320"/>
-            <a:ext cx="4112895" cy="245110"/>
-          </a:xfrm>
-          <a:prstGeom prst="rect">
-            <a:avLst/>
-          </a:prstGeom>
           <a:noFill/>
-        </p:spPr>
-        <p:txBody>
-          <a:bodyPr wrap="square" rtlCol="0">
-            <a:spAutoFit/>
+          <a:ln w="0">
+            <a:noFill/>
+          </a:ln>
+        </p:spPr>
+        <p:txBody>
+          <a:bodyPr lIns="0" tIns="91440" rIns="0" bIns="91440" anchor="t">
+            <a:noAutofit/>
           </a:bodyPr>
-          <a:p>
-            <a:r>
-              <a:rPr lang="pt-BR" sz="1000" kern="0">
+          <a:lstStyle>
+            <a:lvl1pPr/>
+            <a:lvl2pPr/>
+            <a:lvl3pPr/>
+            <a:lvl4pPr/>
+            <a:lvl5pPr/>
+            <a:lvl6pPr/>
+            <a:lvl7pPr/>
+            <a:lvl8pPr/>
+            <a:lvl9pPr/>
+          </a:lstStyle>
+          <a:p>
+            <a:pPr marL="50800" indent="0" algn="just">
+              <a:lnSpc>
+                <a:spcPct val="115000"/>
+              </a:lnSpc>
+              <a:buClr>
+                <a:srgbClr val="00315D"/>
+              </a:buClr>
+              <a:buFont typeface="Arial" panose="020B0604020202020204"/>
+              <a:buNone/>
+            </a:pPr>
+            <a:endParaRPr lang="pt-BR" sz="1600" b="0" strike="noStrike">
+              <a:solidFill>
+                <a:srgbClr val="3B3B3B"/>
+              </a:solidFill>
+              <a:latin typeface="Arial" panose="020B0604020202020204"/>
+              <a:ea typeface="Arial" panose="020B0604020202020204"/>
+              <a:sym typeface="+mn-ea"/>
+            </a:endParaRPr>
+          </a:p>
+          <a:p>
+            <a:pPr marL="457200" indent="-406400" algn="just">
+              <a:lnSpc>
+                <a:spcPct val="115000"/>
+              </a:lnSpc>
+              <a:buClr>
+                <a:srgbClr val="00315D"/>
+              </a:buClr>
+              <a:buFont typeface="Arial" panose="020B0604020202020204"/>
+              <a:buChar char="●"/>
+            </a:pPr>
+            <a:r>
+              <a:rPr lang="pt-BR" sz="1600" b="0" strike="noStrike">
                 <a:solidFill>
                   <a:srgbClr val="3B3B3B"/>
                 </a:solidFill>
                 <a:latin typeface="Arial" panose="020B0604020202020204"/>
                 <a:ea typeface="Arial" panose="020B0604020202020204"/>
-                <a:cs typeface="+mn-ea"/>
+                <a:sym typeface="+mn-ea"/>
               </a:rPr>
-              <a:t>Figura 1 - Filtrar pelo nome do repositório “gsr designer”;</a:t>
-            </a:r>
-            <a:endParaRPr lang="pt-BR" altLang="en-US" sz="1000" kern="0">
+              <a:t>Extraia todos os arquivos da pasta e, em seguida, instale o aplicativo “Git-2.41.0-64-bit” e avance até o fim da instalação;</a:t>
+            </a:r>
+            <a:endParaRPr lang="pt-BR" sz="1600" b="0" strike="noStrike">
               <a:solidFill>
                 <a:srgbClr val="3B3B3B"/>
               </a:solidFill>
               <a:latin typeface="Arial" panose="020B0604020202020204"/>
               <a:ea typeface="Arial" panose="020B0604020202020204"/>
-              <a:cs typeface="+mn-ea"/>
-            </a:endParaRPr>
-          </a:p>
-        </p:txBody>
-      </p:sp>
-      <p:sp>
-        <p:nvSpPr>
-          <p:cNvPr id="7" name="Caixa de Texto 6"/>
-          <p:cNvSpPr txBox="1"/>
-          <p:nvPr/>
-        </p:nvSpPr>
-        <p:spPr>
-          <a:xfrm>
-            <a:off x="4596130" y="4086225"/>
-            <a:ext cx="4112895" cy="398780"/>
-          </a:xfrm>
-          <a:prstGeom prst="rect">
-            <a:avLst/>
-          </a:prstGeom>
-          <a:noFill/>
-        </p:spPr>
-        <p:txBody>
-          <a:bodyPr wrap="square" rtlCol="0">
-            <a:spAutoFit/>
-          </a:bodyPr>
-          <a:p>
-            <a:r>
-              <a:rPr lang="pt-BR" sz="1000" kern="0">
+              <a:sym typeface="+mn-ea"/>
+            </a:endParaRPr>
+          </a:p>
+          <a:p>
+            <a:pPr marL="457200" indent="-406400" algn="just">
+              <a:lnSpc>
+                <a:spcPct val="115000"/>
+              </a:lnSpc>
+              <a:buClr>
+                <a:srgbClr val="00315D"/>
+              </a:buClr>
+              <a:buFont typeface="Arial" panose="020B0604020202020204"/>
+              <a:buChar char="●"/>
+            </a:pPr>
+            <a:endParaRPr lang="pt-BR" sz="1600" b="0" strike="noStrike">
+              <a:solidFill>
+                <a:srgbClr val="3B3B3B"/>
+              </a:solidFill>
+              <a:latin typeface="Arial" panose="020B0604020202020204"/>
+              <a:ea typeface="Arial" panose="020B0604020202020204"/>
+              <a:sym typeface="+mn-ea"/>
+            </a:endParaRPr>
+          </a:p>
+          <a:p>
+            <a:pPr marL="457200" indent="-406400" algn="just">
+              <a:lnSpc>
+                <a:spcPct val="115000"/>
+              </a:lnSpc>
+              <a:buClr>
+                <a:srgbClr val="00315D"/>
+              </a:buClr>
+              <a:buFont typeface="Arial" panose="020B0604020202020204"/>
+              <a:buChar char="●"/>
+            </a:pPr>
+            <a:r>
+              <a:rPr lang="pt-BR" sz="1600" b="0" strike="noStrike">
                 <a:solidFill>
                   <a:srgbClr val="3B3B3B"/>
                 </a:solidFill>
                 <a:latin typeface="Arial" panose="020B0604020202020204"/>
                 <a:ea typeface="Arial" panose="020B0604020202020204"/>
-                <a:cs typeface="+mn-ea"/>
+                <a:sym typeface="+mn-ea"/>
               </a:rPr>
-              <a:t>Figura 2 - Após entrar no repositório, clique em “code” e copie o link SSH para poder realizar a clonagem.</a:t>
-            </a:r>
-            <a:endParaRPr lang="pt-BR" altLang="en-US" sz="1000" kern="0">
-              <a:solidFill>
-                <a:srgbClr val="3B3B3B"/>
+              <a:t>Após a instalação do terminal GIT veja o vídeo de instalação e realize a configuração de sua chave SSH.	</a:t>
+            </a:r>
+            <a:endParaRPr lang="pt-BR" sz="1600" strike="noStrike">
+              <a:solidFill>
+                <a:srgbClr val="00B050"/>
               </a:solidFill>
               <a:latin typeface="Arial" panose="020B0604020202020204"/>
               <a:ea typeface="Arial" panose="020B0604020202020204"/>
-              <a:cs typeface="+mn-ea"/>
+              <a:sym typeface="+mn-ea"/>
             </a:endParaRPr>
           </a:p>
         </p:txBody>
@@ -13690,6 +13931,10 @@
           </p:nvPr>
         </p:nvSpPr>
         <p:spPr>
+          <a:xfrm>
+            <a:off x="311760" y="157940"/>
+            <a:ext cx="8520120" cy="572400"/>
+          </a:xfrm>
           <a:prstGeom prst="rect">
             <a:avLst/>
           </a:prstGeom>
@@ -13700,7 +13945,7 @@
         </p:spPr>
         <p:txBody>
           <a:bodyPr tIns="91440" bIns="91440" anchor="t">
-            <a:normAutofit fontScale="91000"/>
+            <a:normAutofit fontScale="81000"/>
           </a:bodyPr>
           <a:p>
             <a:pPr indent="0">
@@ -13721,7 +13966,7 @@
                 <a:ea typeface="Arial" panose="020B0604020202020204"/>
                 <a:sym typeface="+mn-ea"/>
               </a:rPr>
-              <a:t>Instalação do Terminal GIT e do GSR Designer </a:t>
+              <a:t>Instalação do Terminal GIT e configuração da chave SSH</a:t>
             </a:r>
             <a:endParaRPr lang="pt-BR" sz="2800" b="0" strike="noStrike" spc="-1">
               <a:solidFill>
@@ -13909,110 +14154,273 @@
       </p:grpSp>
       <p:sp>
         <p:nvSpPr>
-          <p:cNvPr id="8" name="Caixa de Texto 7"/>
-          <p:cNvSpPr txBox="1"/>
+          <p:cNvPr id="110" name="PlaceHolder 2"/>
+          <p:cNvSpPr>
+            <a:spLocks noGrp="1"/>
+          </p:cNvSpPr>
           <p:nvPr/>
         </p:nvSpPr>
         <p:spPr>
           <a:xfrm>
-            <a:off x="116840" y="4156075"/>
-            <a:ext cx="4112895" cy="245110"/>
+            <a:off x="2751455" y="3707130"/>
+            <a:ext cx="3399790" cy="854710"/>
           </a:xfrm>
           <a:prstGeom prst="rect">
             <a:avLst/>
           </a:prstGeom>
           <a:noFill/>
-        </p:spPr>
-        <p:txBody>
-          <a:bodyPr wrap="square" rtlCol="0">
-            <a:spAutoFit/>
+          <a:ln w="0">
+            <a:noFill/>
+          </a:ln>
+        </p:spPr>
+        <p:txBody>
+          <a:bodyPr lIns="0" tIns="91440" rIns="0" bIns="91440" anchor="t">
+            <a:noAutofit/>
           </a:bodyPr>
-          <a:p>
-            <a:r>
-              <a:rPr lang="pt-BR" sz="1000" kern="0">
+          <a:lstStyle>
+            <a:lvl1pPr/>
+            <a:lvl2pPr/>
+            <a:lvl3pPr/>
+            <a:lvl4pPr/>
+            <a:lvl5pPr/>
+            <a:lvl6pPr/>
+            <a:lvl7pPr/>
+            <a:lvl8pPr/>
+            <a:lvl9pPr/>
+          </a:lstStyle>
+          <a:p>
+            <a:pPr marL="50800" indent="0" algn="ctr">
+              <a:lnSpc>
+                <a:spcPct val="115000"/>
+              </a:lnSpc>
+              <a:buClr>
+                <a:srgbClr val="00315D"/>
+              </a:buClr>
+              <a:buFont typeface="Arial" panose="020B0604020202020204"/>
+              <a:buNone/>
+            </a:pPr>
+            <a:r>
+              <a:rPr lang="pt-BR" sz="1000" b="1">
+                <a:solidFill>
+                  <a:srgbClr val="00315D"/>
+                </a:solidFill>
+                <a:latin typeface="Arial" panose="020B0604020202020204"/>
+                <a:ea typeface="Arial" panose="020B0604020202020204"/>
+                <a:sym typeface="+mn-ea"/>
+              </a:rPr>
+              <a:t>Configuração da chave SSH</a:t>
+            </a:r>
+            <a:endParaRPr lang="pt-BR" sz="1000">
+              <a:solidFill>
+                <a:srgbClr val="3B3B3B"/>
+              </a:solidFill>
+              <a:latin typeface="Arial" panose="020B0604020202020204"/>
+              <a:ea typeface="Arial" panose="020B0604020202020204"/>
+              <a:sym typeface="+mn-ea"/>
+            </a:endParaRPr>
+          </a:p>
+          <a:p>
+            <a:pPr marL="457200" indent="-406400" algn="just">
+              <a:lnSpc>
+                <a:spcPct val="115000"/>
+              </a:lnSpc>
+              <a:buClr>
+                <a:srgbClr val="00315D"/>
+              </a:buClr>
+              <a:buFont typeface="Arial" panose="020B0604020202020204"/>
+              <a:buChar char="●"/>
+            </a:pPr>
+            <a:r>
+              <a:rPr lang="pt-BR" sz="1000">
                 <a:solidFill>
                   <a:srgbClr val="3B3B3B"/>
                 </a:solidFill>
                 <a:latin typeface="Arial" panose="020B0604020202020204"/>
                 <a:ea typeface="Arial" panose="020B0604020202020204"/>
-                <a:cs typeface="+mn-ea"/>
+                <a:sym typeface="+mn-ea"/>
               </a:rPr>
-              <a:t>Figura 3 - Utilizando o Terminal GIT ;</a:t>
-            </a:r>
-            <a:endParaRPr lang="pt-BR" altLang="en-US" sz="1000" kern="0">
+              <a:t>Passo 01: Insira o seu nome e pressione “Enter”;</a:t>
+            </a:r>
+            <a:endParaRPr lang="pt-BR" sz="1000" b="0" strike="noStrike">
               <a:solidFill>
                 <a:srgbClr val="3B3B3B"/>
               </a:solidFill>
               <a:latin typeface="Arial" panose="020B0604020202020204"/>
               <a:ea typeface="Arial" panose="020B0604020202020204"/>
-              <a:cs typeface="+mn-ea"/>
-            </a:endParaRPr>
-          </a:p>
-        </p:txBody>
-      </p:sp>
-      <p:sp>
-        <p:nvSpPr>
-          <p:cNvPr id="7" name="Caixa de Texto 6"/>
-          <p:cNvSpPr txBox="1"/>
-          <p:nvPr/>
-        </p:nvSpPr>
-        <p:spPr>
-          <a:xfrm>
-            <a:off x="4596130" y="4157980"/>
-            <a:ext cx="4112895" cy="398780"/>
-          </a:xfrm>
-          <a:prstGeom prst="rect">
-            <a:avLst/>
-          </a:prstGeom>
-          <a:noFill/>
-        </p:spPr>
-        <p:txBody>
-          <a:bodyPr wrap="square" rtlCol="0">
-            <a:spAutoFit/>
-          </a:bodyPr>
-          <a:p>
-            <a:r>
-              <a:rPr lang="pt-BR" sz="1000" kern="0">
+              <a:sym typeface="+mn-ea"/>
+            </a:endParaRPr>
+          </a:p>
+          <a:p>
+            <a:pPr marL="457200" indent="-406400" algn="just">
+              <a:lnSpc>
+                <a:spcPct val="115000"/>
+              </a:lnSpc>
+              <a:buClr>
+                <a:srgbClr val="00315D"/>
+              </a:buClr>
+              <a:buFont typeface="Arial" panose="020B0604020202020204"/>
+              <a:buChar char="●"/>
+            </a:pPr>
+            <a:r>
+              <a:rPr lang="pt-BR" sz="1000">
                 <a:solidFill>
                   <a:srgbClr val="3B3B3B"/>
                 </a:solidFill>
                 <a:latin typeface="Arial" panose="020B0604020202020204"/>
                 <a:ea typeface="Arial" panose="020B0604020202020204"/>
-                <a:cs typeface="+mn-ea"/>
+                <a:sym typeface="+mn-ea"/>
               </a:rPr>
-              <a:t>Figura 2 - Após entrar no repositório, clique em “code” e copie o link SSH para poder realizar a clonagem.</a:t>
-            </a:r>
-            <a:endParaRPr lang="pt-BR" altLang="en-US" sz="1000" kern="0">
+              <a:t>Passo 02: Insira o seu e-mail e pressione “Enter”;</a:t>
+            </a:r>
+            <a:endParaRPr lang="pt-BR" sz="1000">
               <a:solidFill>
                 <a:srgbClr val="3B3B3B"/>
               </a:solidFill>
               <a:latin typeface="Arial" panose="020B0604020202020204"/>
               <a:ea typeface="Arial" panose="020B0604020202020204"/>
-              <a:cs typeface="+mn-ea"/>
+              <a:sym typeface="+mn-ea"/>
+            </a:endParaRPr>
+          </a:p>
+          <a:p>
+            <a:pPr marL="457200" indent="-406400" algn="just">
+              <a:lnSpc>
+                <a:spcPct val="115000"/>
+              </a:lnSpc>
+              <a:buClr>
+                <a:srgbClr val="00315D"/>
+              </a:buClr>
+              <a:buFont typeface="Arial" panose="020B0604020202020204"/>
+              <a:buChar char="●"/>
+            </a:pPr>
+            <a:r>
+              <a:rPr lang="pt-BR" sz="1000">
+                <a:solidFill>
+                  <a:srgbClr val="3B3B3B"/>
+                </a:solidFill>
+                <a:latin typeface="Arial" panose="020B0604020202020204"/>
+                <a:ea typeface="Arial" panose="020B0604020202020204"/>
+                <a:sym typeface="+mn-ea"/>
+              </a:rPr>
+              <a:t>Passo 03: Deixe em branco e pressione “Enter”;</a:t>
+            </a:r>
+            <a:endParaRPr lang="pt-BR" sz="1000">
+              <a:solidFill>
+                <a:srgbClr val="3B3B3B"/>
+              </a:solidFill>
+              <a:latin typeface="Arial" panose="020B0604020202020204"/>
+              <a:ea typeface="Arial" panose="020B0604020202020204"/>
+              <a:sym typeface="+mn-ea"/>
+            </a:endParaRPr>
+          </a:p>
+          <a:p>
+            <a:pPr marL="457200" indent="-406400" algn="just">
+              <a:lnSpc>
+                <a:spcPct val="115000"/>
+              </a:lnSpc>
+              <a:buClr>
+                <a:srgbClr val="00315D"/>
+              </a:buClr>
+              <a:buFont typeface="Arial" panose="020B0604020202020204"/>
+              <a:buChar char="●"/>
+            </a:pPr>
+            <a:r>
+              <a:rPr lang="pt-BR" sz="1000">
+                <a:solidFill>
+                  <a:srgbClr val="3B3B3B"/>
+                </a:solidFill>
+                <a:latin typeface="Arial" panose="020B0604020202020204"/>
+                <a:ea typeface="Arial" panose="020B0604020202020204"/>
+                <a:sym typeface="+mn-ea"/>
+              </a:rPr>
+              <a:t>Passo 04: Para finalizar pressione “Enter”;</a:t>
+            </a:r>
+            <a:endParaRPr lang="pt-BR" sz="1000">
+              <a:solidFill>
+                <a:srgbClr val="3B3B3B"/>
+              </a:solidFill>
+              <a:latin typeface="Arial" panose="020B0604020202020204"/>
+              <a:ea typeface="Arial" panose="020B0604020202020204"/>
+              <a:sym typeface="+mn-ea"/>
+            </a:endParaRPr>
+          </a:p>
+          <a:p>
+            <a:pPr marL="50800" indent="0" algn="just">
+              <a:lnSpc>
+                <a:spcPct val="115000"/>
+              </a:lnSpc>
+              <a:buClr>
+                <a:srgbClr val="00315D"/>
+              </a:buClr>
+              <a:buFont typeface="Arial" panose="020B0604020202020204"/>
+              <a:buNone/>
+            </a:pPr>
+            <a:endParaRPr lang="pt-BR" sz="1000" b="0" strike="noStrike">
+              <a:solidFill>
+                <a:srgbClr val="3B3B3B"/>
+              </a:solidFill>
+              <a:latin typeface="Arial" panose="020B0604020202020204"/>
+              <a:ea typeface="Arial" panose="020B0604020202020204"/>
+              <a:sym typeface="+mn-ea"/>
+            </a:endParaRPr>
+          </a:p>
+          <a:p>
+            <a:pPr marL="50800" indent="0" algn="just">
+              <a:lnSpc>
+                <a:spcPct val="115000"/>
+              </a:lnSpc>
+              <a:buClr>
+                <a:srgbClr val="00315D"/>
+              </a:buClr>
+              <a:buFont typeface="Arial" panose="020B0604020202020204"/>
+              <a:buNone/>
+            </a:pPr>
+            <a:r>
+              <a:rPr lang="pt-BR" sz="1000" b="0" strike="noStrike">
+                <a:solidFill>
+                  <a:srgbClr val="3B3B3B"/>
+                </a:solidFill>
+                <a:latin typeface="Arial" panose="020B0604020202020204"/>
+                <a:ea typeface="Arial" panose="020B0604020202020204"/>
+                <a:sym typeface="+mn-ea"/>
+              </a:rPr>
+              <a:t>	</a:t>
+            </a:r>
+            <a:endParaRPr lang="pt-BR" sz="1000" b="0" strike="noStrike">
+              <a:solidFill>
+                <a:srgbClr val="3B3B3B"/>
+              </a:solidFill>
+              <a:latin typeface="Arial" panose="020B0604020202020204"/>
+              <a:ea typeface="Arial" panose="020B0604020202020204"/>
+              <a:sym typeface="+mn-ea"/>
             </a:endParaRPr>
           </a:p>
         </p:txBody>
       </p:sp>
       <p:pic>
         <p:nvPicPr>
-          <p:cNvPr id="6" name="Espaço Reservado para Conteúdo 5"/>
-          <p:cNvPicPr>
-            <a:picLocks noChangeAspect="1"/>
-          </p:cNvPicPr>
+          <p:cNvPr id="2" name="configuracaochavessh">
+            <a:hlinkClick r:id="" action="ppaction://media"/>
+          </p:cNvPr>
+          <p:cNvPicPr/>
           <p:nvPr>
-            <p:ph/>
+            <a:videoFile r:link="rId2"/>
+            <p:extLst>
+              <p:ext uri="{DAA4B4D4-6D71-4841-9C94-3DE7FCFB9230}">
+                <p14:media xmlns:p14="http://schemas.microsoft.com/office/powerpoint/2010/main" r:embed="rId3"/>
+              </p:ext>
+            </p:extLst>
           </p:nvPr>
         </p:nvPicPr>
         <p:blipFill>
-          <a:blip r:embed="rId2"/>
+          <a:blip r:embed="rId4"/>
           <a:stretch>
             <a:fillRect/>
           </a:stretch>
         </p:blipFill>
         <p:spPr>
           <a:xfrm>
-            <a:off x="172720" y="1179830"/>
-            <a:ext cx="4423410" cy="2976245"/>
+            <a:off x="892810" y="694055"/>
+            <a:ext cx="7270115" cy="2894965"/>
           </a:xfrm>
           <a:prstGeom prst="rect">
             <a:avLst/>
@@ -14035,7 +14443,22 @@
   <p:timing>
     <p:tnLst>
       <p:par>
-        <p:cTn id="1" dur="indefinite" restart="never" nodeType="tmRoot"/>
+        <p:cTn id="1" dur="indefinite" restart="never" nodeType="tmRoot">
+          <p:childTnLst>
+            <p:video fullScrn="0">
+              <p:cMediaNode>
+                <p:cTn id="2" fill="hold" display="1">
+                  <p:stCondLst>
+                    <p:cond delay="indefinite"/>
+                  </p:stCondLst>
+                </p:cTn>
+                <p:tgtEl>
+                  <p:spTgt spid="2"/>
+                </p:tgtEl>
+              </p:cMediaNode>
+            </p:video>
+          </p:childTnLst>
+        </p:cTn>
       </p:par>
     </p:tnLst>
   </p:timing>
@@ -14061,6 +14484,444 @@
       </p:grpSpPr>
       <p:sp>
         <p:nvSpPr>
+          <p:cNvPr id="88" name="PlaceHolder 1"/>
+          <p:cNvSpPr>
+            <a:spLocks noGrp="1"/>
+          </p:cNvSpPr>
+          <p:nvPr>
+            <p:ph type="title"/>
+          </p:nvPr>
+        </p:nvSpPr>
+        <p:spPr>
+          <a:xfrm>
+            <a:off x="311760" y="86185"/>
+            <a:ext cx="8520120" cy="572400"/>
+          </a:xfrm>
+          <a:prstGeom prst="rect">
+            <a:avLst/>
+          </a:prstGeom>
+          <a:noFill/>
+          <a:ln w="0">
+            <a:noFill/>
+          </a:ln>
+        </p:spPr>
+        <p:txBody>
+          <a:bodyPr tIns="91440" bIns="91440" anchor="t">
+            <a:normAutofit fontScale="91000"/>
+          </a:bodyPr>
+          <a:p>
+            <a:pPr indent="0">
+              <a:lnSpc>
+                <a:spcPct val="100000"/>
+              </a:lnSpc>
+              <a:buNone/>
+              <a:tabLst>
+                <a:tab pos="0" algn="l"/>
+              </a:tabLst>
+            </a:pPr>
+            <a:r>
+              <a:rPr lang="pt-BR" sz="2800" b="1" strike="noStrike">
+                <a:solidFill>
+                  <a:srgbClr val="00315D"/>
+                </a:solidFill>
+                <a:latin typeface="Arial" panose="020B0604020202020204"/>
+                <a:ea typeface="Arial" panose="020B0604020202020204"/>
+                <a:sym typeface="+mn-ea"/>
+              </a:rPr>
+              <a:t>Configuração do GSR Designer</a:t>
+            </a:r>
+            <a:endParaRPr lang="pt-BR" sz="2800" b="0" strike="noStrike" spc="-1">
+              <a:solidFill>
+                <a:srgbClr val="000000"/>
+              </a:solidFill>
+              <a:latin typeface="Arial" panose="020B0604020202020204"/>
+            </a:endParaRPr>
+          </a:p>
+        </p:txBody>
+      </p:sp>
+      <p:grpSp>
+        <p:nvGrpSpPr>
+          <p:cNvPr id="90" name="Google Shape;64;p14"/>
+          <p:cNvGrpSpPr/>
+          <p:nvPr/>
+        </p:nvGrpSpPr>
+        <p:grpSpPr>
+          <a:xfrm>
+            <a:off x="-360" y="4570920"/>
+            <a:ext cx="9144000" cy="596520"/>
+            <a:chOff x="-360" y="4570920"/>
+            <a:chExt cx="9144000" cy="596520"/>
+          </a:xfrm>
+        </p:grpSpPr>
+        <p:sp>
+          <p:nvSpPr>
+            <p:cNvPr id="91" name="Google Shape;65;p14"/>
+            <p:cNvSpPr/>
+            <p:nvPr/>
+          </p:nvSpPr>
+          <p:spPr>
+            <a:xfrm flipH="1">
+              <a:off x="-720" y="4570920"/>
+              <a:ext cx="9143640" cy="572400"/>
+            </a:xfrm>
+            <a:prstGeom prst="rtTriangle">
+              <a:avLst/>
+            </a:prstGeom>
+            <a:gradFill rotWithShape="0">
+              <a:gsLst>
+                <a:gs pos="0">
+                  <a:srgbClr val="DFE9FB"/>
+                </a:gs>
+                <a:gs pos="100000">
+                  <a:srgbClr val="6E9BE7"/>
+                </a:gs>
+              </a:gsLst>
+              <a:lin ang="5394000"/>
+            </a:gradFill>
+            <a:ln w="0">
+              <a:noFill/>
+            </a:ln>
+          </p:spPr>
+          <p:style>
+            <a:lnRef idx="0">
+              <a:srgbClr val="FFFFFF"/>
+            </a:lnRef>
+            <a:fillRef idx="0">
+              <a:srgbClr val="FFFFFF"/>
+            </a:fillRef>
+            <a:effectRef idx="0">
+              <a:srgbClr val="FFFFFF"/>
+            </a:effectRef>
+            <a:fontRef idx="minor"/>
+          </p:style>
+          <p:txBody>
+            <a:bodyPr tIns="91440" bIns="91440" anchor="ctr">
+              <a:noAutofit/>
+            </a:bodyPr>
+            <a:p>
+              <a:pPr>
+                <a:lnSpc>
+                  <a:spcPct val="100000"/>
+                </a:lnSpc>
+                <a:tabLst>
+                  <a:tab pos="0" algn="l"/>
+                </a:tabLst>
+              </a:pPr>
+              <a:endParaRPr lang="pt-BR" sz="1400" b="0" strike="noStrike" spc="-1">
+                <a:solidFill>
+                  <a:srgbClr val="000000"/>
+                </a:solidFill>
+                <a:latin typeface="Arial" panose="020B0604020202020204"/>
+                <a:ea typeface="Arial" panose="020B0604020202020204"/>
+              </a:endParaRPr>
+            </a:p>
+          </p:txBody>
+        </p:sp>
+        <p:sp>
+          <p:nvSpPr>
+            <p:cNvPr id="92" name="Google Shape;66;p14"/>
+            <p:cNvSpPr/>
+            <p:nvPr/>
+          </p:nvSpPr>
+          <p:spPr>
+            <a:xfrm>
+              <a:off x="0" y="4570920"/>
+              <a:ext cx="9143640" cy="572400"/>
+            </a:xfrm>
+            <a:prstGeom prst="rtTriangle">
+              <a:avLst/>
+            </a:prstGeom>
+            <a:gradFill rotWithShape="0">
+              <a:gsLst>
+                <a:gs pos="0">
+                  <a:srgbClr val="00315D"/>
+                </a:gs>
+                <a:gs pos="100000">
+                  <a:srgbClr val="1155CC"/>
+                </a:gs>
+              </a:gsLst>
+              <a:lin ang="2700000"/>
+            </a:gradFill>
+            <a:ln w="0">
+              <a:noFill/>
+            </a:ln>
+          </p:spPr>
+          <p:style>
+            <a:lnRef idx="0">
+              <a:srgbClr val="FFFFFF"/>
+            </a:lnRef>
+            <a:fillRef idx="0">
+              <a:srgbClr val="FFFFFF"/>
+            </a:fillRef>
+            <a:effectRef idx="0">
+              <a:srgbClr val="FFFFFF"/>
+            </a:effectRef>
+            <a:fontRef idx="minor"/>
+          </p:style>
+          <p:txBody>
+            <a:bodyPr tIns="91440" bIns="91440" anchor="ctr">
+              <a:noAutofit/>
+            </a:bodyPr>
+            <a:p>
+              <a:pPr>
+                <a:lnSpc>
+                  <a:spcPct val="100000"/>
+                </a:lnSpc>
+                <a:tabLst>
+                  <a:tab pos="0" algn="l"/>
+                </a:tabLst>
+              </a:pPr>
+              <a:endParaRPr lang="pt-BR" sz="1400" b="0" strike="noStrike" spc="-1">
+                <a:solidFill>
+                  <a:srgbClr val="000000"/>
+                </a:solidFill>
+                <a:latin typeface="Arial" panose="020B0604020202020204"/>
+                <a:ea typeface="Arial" panose="020B0604020202020204"/>
+              </a:endParaRPr>
+            </a:p>
+          </p:txBody>
+        </p:sp>
+        <p:pic>
+          <p:nvPicPr>
+            <p:cNvPr id="93" name="Google Shape;67;p14"/>
+            <p:cNvPicPr/>
+            <p:nvPr/>
+          </p:nvPicPr>
+          <p:blipFill>
+            <a:blip r:embed="rId1"/>
+            <a:stretch>
+              <a:fillRect/>
+            </a:stretch>
+          </p:blipFill>
+          <p:spPr>
+            <a:xfrm>
+              <a:off x="117000" y="4700520"/>
+              <a:ext cx="1223280" cy="466920"/>
+            </a:xfrm>
+            <a:prstGeom prst="rect">
+              <a:avLst/>
+            </a:prstGeom>
+            <a:ln w="0">
+              <a:noFill/>
+            </a:ln>
+            <a:effectLst>
+              <a:outerShdw blurRad="57240" dist="19080" dir="5400000" algn="bl" rotWithShape="0">
+                <a:srgbClr val="000000">
+                  <a:alpha val="50000"/>
+                </a:srgbClr>
+              </a:outerShdw>
+            </a:effectLst>
+          </p:spPr>
+        </p:pic>
+      </p:grpSp>
+      <p:sp>
+        <p:nvSpPr>
+          <p:cNvPr id="110" name="PlaceHolder 2"/>
+          <p:cNvSpPr>
+            <a:spLocks noGrp="1"/>
+          </p:cNvSpPr>
+          <p:nvPr/>
+        </p:nvSpPr>
+        <p:spPr>
+          <a:xfrm>
+            <a:off x="311785" y="3707130"/>
+            <a:ext cx="8568690" cy="846455"/>
+          </a:xfrm>
+          <a:prstGeom prst="rect">
+            <a:avLst/>
+          </a:prstGeom>
+          <a:noFill/>
+          <a:ln w="0">
+            <a:noFill/>
+          </a:ln>
+        </p:spPr>
+        <p:txBody>
+          <a:bodyPr lIns="0" tIns="91440" rIns="0" bIns="91440" anchor="t">
+            <a:noAutofit/>
+          </a:bodyPr>
+          <a:lstStyle>
+            <a:lvl1pPr/>
+            <a:lvl2pPr/>
+            <a:lvl3pPr/>
+            <a:lvl4pPr/>
+            <a:lvl5pPr/>
+            <a:lvl6pPr/>
+            <a:lvl7pPr/>
+            <a:lvl8pPr/>
+            <a:lvl9pPr/>
+          </a:lstStyle>
+          <a:p>
+            <a:pPr marL="50800" indent="0" algn="just">
+              <a:lnSpc>
+                <a:spcPct val="115000"/>
+              </a:lnSpc>
+              <a:buClr>
+                <a:srgbClr val="00315D"/>
+              </a:buClr>
+              <a:buFont typeface="Arial" panose="020B0604020202020204"/>
+              <a:buNone/>
+            </a:pPr>
+            <a:endParaRPr lang="pt-BR" sz="1200" b="0" strike="noStrike">
+              <a:solidFill>
+                <a:srgbClr val="3B3B3B"/>
+              </a:solidFill>
+              <a:latin typeface="Arial" panose="020B0604020202020204"/>
+              <a:ea typeface="Arial" panose="020B0604020202020204"/>
+              <a:sym typeface="+mn-ea"/>
+            </a:endParaRPr>
+          </a:p>
+          <a:p>
+            <a:pPr marL="457200" indent="-406400" algn="just">
+              <a:lnSpc>
+                <a:spcPct val="115000"/>
+              </a:lnSpc>
+              <a:buClr>
+                <a:srgbClr val="00315D"/>
+              </a:buClr>
+              <a:buFont typeface="Arial" panose="020B0604020202020204"/>
+              <a:buChar char="●"/>
+            </a:pPr>
+            <a:r>
+              <a:rPr lang="pt-BR" sz="1200" b="0" strike="noStrike">
+                <a:solidFill>
+                  <a:srgbClr val="3B3B3B"/>
+                </a:solidFill>
+                <a:latin typeface="Arial" panose="020B0604020202020204"/>
+                <a:ea typeface="Arial" panose="020B0604020202020204"/>
+                <a:sym typeface="+mn-ea"/>
+              </a:rPr>
+              <a:t>Para executar o GSR Designer em sua máquina será preciso mover o arquivo “siap_sys.dll” para a pasta “gsr-designer”;</a:t>
+            </a:r>
+            <a:endParaRPr lang="pt-BR" sz="1200" b="0" strike="noStrike">
+              <a:solidFill>
+                <a:srgbClr val="3B3B3B"/>
+              </a:solidFill>
+              <a:latin typeface="Arial" panose="020B0604020202020204"/>
+              <a:ea typeface="Arial" panose="020B0604020202020204"/>
+              <a:sym typeface="+mn-ea"/>
+            </a:endParaRPr>
+          </a:p>
+          <a:p>
+            <a:pPr marL="457200" indent="-406400" algn="just">
+              <a:lnSpc>
+                <a:spcPct val="115000"/>
+              </a:lnSpc>
+              <a:buClr>
+                <a:srgbClr val="00315D"/>
+              </a:buClr>
+              <a:buFont typeface="Arial" panose="020B0604020202020204"/>
+              <a:buChar char="●"/>
+            </a:pPr>
+            <a:r>
+              <a:rPr lang="pt-BR" sz="1200" b="0" strike="noStrike">
+                <a:solidFill>
+                  <a:srgbClr val="3B3B3B"/>
+                </a:solidFill>
+                <a:latin typeface="Arial" panose="020B0604020202020204"/>
+                <a:ea typeface="Arial" panose="020B0604020202020204"/>
+                <a:sym typeface="+mn-ea"/>
+              </a:rPr>
+              <a:t>Depois entre na pasta “gsr-designer” e execute como administrador o aplicativo “gsr_designer.exe”.</a:t>
+            </a:r>
+            <a:endParaRPr lang="pt-BR" sz="1200" b="0" strike="noStrike">
+              <a:solidFill>
+                <a:srgbClr val="3B3B3B"/>
+              </a:solidFill>
+              <a:latin typeface="Arial" panose="020B0604020202020204"/>
+              <a:ea typeface="Arial" panose="020B0604020202020204"/>
+              <a:sym typeface="+mn-ea"/>
+            </a:endParaRPr>
+          </a:p>
+        </p:txBody>
+      </p:sp>
+      <p:pic>
+        <p:nvPicPr>
+          <p:cNvPr id="2" name="siapsysdll">
+            <a:hlinkClick r:id="" action="ppaction://media"/>
+          </p:cNvPr>
+          <p:cNvPicPr/>
+          <p:nvPr>
+            <a:videoFile r:link="rId2"/>
+            <p:extLst>
+              <p:ext uri="{DAA4B4D4-6D71-4841-9C94-3DE7FCFB9230}">
+                <p14:media xmlns:p14="http://schemas.microsoft.com/office/powerpoint/2010/main" r:embed="rId3"/>
+              </p:ext>
+            </p:extLst>
+          </p:nvPr>
+        </p:nvPicPr>
+        <p:blipFill>
+          <a:blip r:embed="rId4"/>
+          <a:stretch>
+            <a:fillRect/>
+          </a:stretch>
+        </p:blipFill>
+        <p:spPr>
+          <a:xfrm>
+            <a:off x="902970" y="602615"/>
+            <a:ext cx="6727190" cy="3261360"/>
+          </a:xfrm>
+          <a:prstGeom prst="rect">
+            <a:avLst/>
+          </a:prstGeom>
+        </p:spPr>
+      </p:pic>
+    </p:spTree>
+  </p:cSld>
+  <p:clrMapOvr>
+    <a:masterClrMapping/>
+  </p:clrMapOvr>
+  <mc:AlternateContent xmlns:mc="http://schemas.openxmlformats.org/markup-compatibility/2006">
+    <mc:Choice xmlns:p14="http://schemas.microsoft.com/office/powerpoint/2010/main" Requires="p14">
+      <p:transition spd="slow" p14:dur="2000"/>
+    </mc:Choice>
+    <mc:Fallback>
+      <p:transition spd="slow"/>
+    </mc:Fallback>
+  </mc:AlternateContent>
+  <p:timing>
+    <p:tnLst>
+      <p:par>
+        <p:cTn id="1" dur="indefinite" restart="never" nodeType="tmRoot">
+          <p:childTnLst>
+            <p:video fullScrn="0">
+              <p:cMediaNode>
+                <p:cTn id="2" fill="hold" display="1">
+                  <p:stCondLst>
+                    <p:cond delay="indefinite"/>
+                  </p:stCondLst>
+                </p:cTn>
+                <p:tgtEl>
+                  <p:spTgt spid="2"/>
+                </p:tgtEl>
+              </p:cMediaNode>
+            </p:video>
+          </p:childTnLst>
+        </p:cTn>
+      </p:par>
+    </p:tnLst>
+  </p:timing>
+</p:sld>
+</file>
+
+<file path=ppt/slides/slide8.xml><?xml version="1.0" encoding="utf-8"?>
+<p:sld xmlns:a="http://schemas.openxmlformats.org/drawingml/2006/main" xmlns:r="http://schemas.openxmlformats.org/officeDocument/2006/relationships" xmlns:p="http://schemas.openxmlformats.org/presentationml/2006/main">
+  <p:cSld>
+    <p:spTree>
+      <p:nvGrpSpPr>
+        <p:cNvPr id="1" name=""/>
+        <p:cNvGrpSpPr/>
+        <p:nvPr/>
+      </p:nvGrpSpPr>
+      <p:grpSpPr>
+        <a:xfrm>
+          <a:off x="0" y="0"/>
+          <a:ext cx="0" cy="0"/>
+          <a:chOff x="0" y="0"/>
+          <a:chExt cx="0" cy="0"/>
+        </a:xfrm>
+      </p:grpSpPr>
+      <p:sp>
+        <p:nvSpPr>
           <p:cNvPr id="109" name="PlaceHolder 1"/>
           <p:cNvSpPr>
             <a:spLocks noGrp="1"/>
@@ -14212,7 +15073,7 @@
                 <a:ea typeface="Arial" panose="020B0604020202020204"/>
                 <a:sym typeface="+mn-ea"/>
               </a:rPr>
-              <a:t>”. Se for firebird basta alterar em SGBD. Não precisa preencher o campo “Schema”.</a:t>
+              <a:t>”. Se for firebird basta alterar em SGBD. Não há necessidade em preencher o campo “Schema”.</a:t>
             </a:r>
             <a:endParaRPr lang="pt-BR" sz="1400" b="1" strike="noStrike" spc="-1">
               <a:solidFill>
@@ -14572,7 +15433,7 @@
 </p:sld>
 </file>
 
-<file path=ppt/slides/slide8.xml><?xml version="1.0" encoding="utf-8"?>
+<file path=ppt/slides/slide9.xml><?xml version="1.0" encoding="utf-8"?>
 <p:sld xmlns:a="http://schemas.openxmlformats.org/drawingml/2006/main" xmlns:r="http://schemas.openxmlformats.org/officeDocument/2006/relationships" xmlns:p="http://schemas.openxmlformats.org/presentationml/2006/main">
   <p:cSld>
     <p:spTree>
@@ -14637,28 +15498,21 @@
               <a:buChar char="•"/>
             </a:pPr>
             <a:r>
-              <a:rPr lang="pt-BR" altLang="en-US"/>
+              <a:rPr lang="pt-BR" altLang="en-US" sz="1600"/>
               <a:t>A base de dados é um item do fast report que permite armazenar uma sentença SQL. Na base de dados serão feitas todas as consultas que forem necessárias para o relatório;</a:t>
             </a:r>
-            <a:endParaRPr lang="pt-BR" altLang="en-US"/>
+            <a:endParaRPr lang="pt-BR" altLang="en-US" sz="1600"/>
           </a:p>
           <a:p>
             <a:pPr marL="285750" indent="-285750" algn="just">
               <a:buFont typeface="Arial" panose="020B0604020202020204" pitchFamily="34" charset="0"/>
               <a:buChar char="•"/>
             </a:pPr>
-            <a:endParaRPr lang="pt-BR" altLang="en-US"/>
-          </a:p>
-          <a:p>
-            <a:pPr marL="285750" indent="-285750" algn="just">
-              <a:buFont typeface="Arial" panose="020B0604020202020204" pitchFamily="34" charset="0"/>
-              <a:buChar char="•"/>
-            </a:pPr>
-            <a:r>
-              <a:rPr lang="pt-BR" altLang="en-US"/>
+            <a:r>
+              <a:rPr lang="pt-BR" altLang="en-US" sz="1600"/>
               <a:t>É possível utilizar quantas bases de dados forem necessárias para a criação do relatório.</a:t>
             </a:r>
-            <a:endParaRPr lang="pt-BR" altLang="en-US"/>
+            <a:endParaRPr lang="pt-BR" altLang="en-US" sz="1600"/>
           </a:p>
         </p:txBody>
       </p:sp>
@@ -14822,260 +15676,16 @@
           </a:effectLst>
         </p:spPr>
       </p:pic>
-    </p:spTree>
-  </p:cSld>
-  <p:clrMapOvr>
-    <a:masterClrMapping/>
-  </p:clrMapOvr>
-  <p:timing>
-    <p:tnLst>
-      <p:par>
-        <p:cTn id="1" dur="indefinite" restart="never" nodeType="tmRoot"/>
-      </p:par>
-    </p:tnLst>
-  </p:timing>
-</p:sld>
-</file>
-
-<file path=ppt/slides/slide9.xml><?xml version="1.0" encoding="utf-8"?>
-<p:sld xmlns:a="http://schemas.openxmlformats.org/drawingml/2006/main" xmlns:r="http://schemas.openxmlformats.org/officeDocument/2006/relationships" xmlns:p="http://schemas.openxmlformats.org/presentationml/2006/main">
-  <p:cSld>
-    <p:spTree>
-      <p:nvGrpSpPr>
-        <p:cNvPr id="1" name=""/>
-        <p:cNvGrpSpPr/>
-        <p:nvPr/>
-      </p:nvGrpSpPr>
-      <p:grpSpPr/>
-      <p:sp>
-        <p:nvSpPr>
-          <p:cNvPr id="2" name="Título 1"/>
-          <p:cNvSpPr>
-            <a:spLocks noGrp="1"/>
-          </p:cNvSpPr>
-          <p:nvPr>
-            <p:ph type="title"/>
-          </p:nvPr>
-        </p:nvSpPr>
-        <p:spPr/>
-        <p:txBody>
-          <a:bodyPr/>
-          <a:p>
-            <a:r>
-              <a:rPr lang="pt-BR" sz="2400" b="1" i="0" strike="noStrike">
-                <a:solidFill>
-                  <a:srgbClr val="00315D"/>
-                </a:solidFill>
-                <a:latin typeface="Arial" panose="020B0604020202020204"/>
-                <a:ea typeface="Arial" panose="020B0604020202020204"/>
-                <a:sym typeface="+mn-ea"/>
-              </a:rPr>
-              <a:t>Base de dados</a:t>
-            </a:r>
-            <a:endParaRPr lang="pt-BR" altLang="en-US" sz="2400" b="1" i="0" strike="noStrike">
-              <a:solidFill>
-                <a:srgbClr val="00315D"/>
-              </a:solidFill>
-              <a:latin typeface="Arial" panose="020B0604020202020204"/>
-              <a:ea typeface="Arial" panose="020B0604020202020204"/>
-              <a:sym typeface="+mn-ea"/>
-            </a:endParaRPr>
-          </a:p>
-        </p:txBody>
-      </p:sp>
-      <p:sp>
-        <p:nvSpPr>
-          <p:cNvPr id="3" name="Espaço Reservado para Conteúdo 2"/>
-          <p:cNvSpPr>
-            <a:spLocks noGrp="1"/>
-          </p:cNvSpPr>
-          <p:nvPr>
-            <p:ph/>
-          </p:nvPr>
-        </p:nvSpPr>
-        <p:spPr/>
-        <p:txBody>
-          <a:bodyPr/>
-          <a:p>
-            <a:pPr marL="285750" indent="-285750">
-              <a:buFont typeface="Arial" panose="020B0604020202020204" pitchFamily="34" charset="0"/>
-              <a:buChar char="•"/>
-            </a:pPr>
-            <a:r>
-              <a:rPr lang="pt-BR" altLang="en-US"/>
-              <a:t>Demonstração</a:t>
-            </a:r>
-            <a:endParaRPr lang="pt-BR" altLang="en-US"/>
-          </a:p>
-        </p:txBody>
-      </p:sp>
-      <p:sp>
-        <p:nvSpPr>
-          <p:cNvPr id="112" name="Google Shape;97;p17"/>
-          <p:cNvSpPr/>
-          <p:nvPr/>
-        </p:nvSpPr>
-        <p:spPr>
-          <a:xfrm flipH="1">
-            <a:off x="-720" y="4570920"/>
-            <a:ext cx="9143640" cy="572400"/>
-          </a:xfrm>
-          <a:prstGeom prst="rtTriangle">
-            <a:avLst/>
-          </a:prstGeom>
-          <a:gradFill rotWithShape="0">
-            <a:gsLst>
-              <a:gs pos="0">
-                <a:srgbClr val="DFE9FB"/>
-              </a:gs>
-              <a:gs pos="100000">
-                <a:srgbClr val="6E9BE7"/>
-              </a:gs>
-            </a:gsLst>
-            <a:lin ang="5394000"/>
-          </a:gradFill>
-          <a:ln w="0">
-            <a:noFill/>
-          </a:ln>
-        </p:spPr>
-        <p:style>
-          <a:lnRef idx="0">
-            <a:srgbClr val="FFFFFF"/>
-          </a:lnRef>
-          <a:fillRef idx="0">
-            <a:srgbClr val="FFFFFF"/>
-          </a:fillRef>
-          <a:effectRef idx="0">
-            <a:srgbClr val="FFFFFF"/>
-          </a:effectRef>
-          <a:fontRef idx="minor"/>
-        </p:style>
-        <p:txBody>
-          <a:bodyPr tIns="91440" bIns="91440" anchor="ctr">
-            <a:noAutofit/>
-          </a:bodyPr>
-          <a:p>
-            <a:pPr>
-              <a:lnSpc>
-                <a:spcPct val="100000"/>
-              </a:lnSpc>
-              <a:tabLst>
-                <a:tab pos="0" algn="l"/>
-              </a:tabLst>
-            </a:pPr>
-            <a:endParaRPr lang="pt-BR" sz="1400" b="0" strike="noStrike" spc="-1">
-              <a:solidFill>
-                <a:srgbClr val="000000"/>
-              </a:solidFill>
-              <a:latin typeface="Arial" panose="020B0604020202020204"/>
-              <a:ea typeface="Arial" panose="020B0604020202020204"/>
-            </a:endParaRPr>
-          </a:p>
-        </p:txBody>
-      </p:sp>
-      <p:sp>
-        <p:nvSpPr>
-          <p:cNvPr id="113" name="Google Shape;98;p17"/>
-          <p:cNvSpPr/>
-          <p:nvPr/>
-        </p:nvSpPr>
-        <p:spPr>
-          <a:xfrm>
-            <a:off x="0" y="4570920"/>
-            <a:ext cx="9143640" cy="572400"/>
-          </a:xfrm>
-          <a:prstGeom prst="rtTriangle">
-            <a:avLst/>
-          </a:prstGeom>
-          <a:gradFill rotWithShape="0">
-            <a:gsLst>
-              <a:gs pos="0">
-                <a:srgbClr val="00315D"/>
-              </a:gs>
-              <a:gs pos="100000">
-                <a:srgbClr val="1155CC"/>
-              </a:gs>
-            </a:gsLst>
-            <a:lin ang="2700000"/>
-          </a:gradFill>
-          <a:ln w="0">
-            <a:noFill/>
-          </a:ln>
-        </p:spPr>
-        <p:style>
-          <a:lnRef idx="0">
-            <a:srgbClr val="FFFFFF"/>
-          </a:lnRef>
-          <a:fillRef idx="0">
-            <a:srgbClr val="FFFFFF"/>
-          </a:fillRef>
-          <a:effectRef idx="0">
-            <a:srgbClr val="FFFFFF"/>
-          </a:effectRef>
-          <a:fontRef idx="minor"/>
-        </p:style>
-        <p:txBody>
-          <a:bodyPr tIns="91440" bIns="91440" anchor="ctr">
-            <a:noAutofit/>
-          </a:bodyPr>
-          <a:p>
-            <a:pPr>
-              <a:lnSpc>
-                <a:spcPct val="100000"/>
-              </a:lnSpc>
-              <a:tabLst>
-                <a:tab pos="0" algn="l"/>
-              </a:tabLst>
-            </a:pPr>
-            <a:endParaRPr lang="pt-BR" sz="1400" b="0" strike="noStrike" spc="-1">
-              <a:solidFill>
-                <a:srgbClr val="000000"/>
-              </a:solidFill>
-              <a:latin typeface="Arial" panose="020B0604020202020204"/>
-              <a:ea typeface="Arial" panose="020B0604020202020204"/>
-            </a:endParaRPr>
-          </a:p>
-        </p:txBody>
-      </p:sp>
-      <p:pic>
-        <p:nvPicPr>
-          <p:cNvPr id="114" name="Google Shape;99;p17"/>
-          <p:cNvPicPr/>
-          <p:nvPr/>
-        </p:nvPicPr>
-        <p:blipFill>
-          <a:blip r:embed="rId1"/>
-          <a:stretch>
-            <a:fillRect/>
-          </a:stretch>
-        </p:blipFill>
-        <p:spPr>
-          <a:xfrm>
-            <a:off x="117000" y="4700520"/>
-            <a:ext cx="1223280" cy="466920"/>
-          </a:xfrm>
-          <a:prstGeom prst="rect">
-            <a:avLst/>
-          </a:prstGeom>
-          <a:ln w="0">
-            <a:noFill/>
-          </a:ln>
-          <a:effectLst>
-            <a:outerShdw blurRad="57240" dist="19080" dir="5400000" algn="bl" rotWithShape="0">
-              <a:srgbClr val="000000">
-                <a:alpha val="50000"/>
-              </a:srgbClr>
-            </a:outerShdw>
-          </a:effectLst>
-        </p:spPr>
-      </p:pic>
       <p:pic>
         <p:nvPicPr>
           <p:cNvPr id="5" name="WhatsApp Video 2023-05-05 at 11.19.24">
             <a:hlinkClick r:id="" action="ppaction://media"/>
           </p:cNvPr>
-          <p:cNvPicPr/>
+          <p:cNvPicPr>
+            <a:picLocks noChangeAspect="1"/>
+          </p:cNvPicPr>
           <p:nvPr>
+            <p:ph/>
             <a:videoFile r:link="rId2"/>
             <p:extLst>
               <p:ext uri="{DAA4B4D4-6D71-4841-9C94-3DE7FCFB9230}">
@@ -15092,8 +15702,8 @@
         </p:blipFill>
         <p:spPr>
           <a:xfrm>
-            <a:off x="428625" y="1707515"/>
-            <a:ext cx="8284845" cy="2376805"/>
+            <a:off x="892175" y="1995805"/>
+            <a:ext cx="7357110" cy="2616200"/>
           </a:xfrm>
           <a:prstGeom prst="rect">
             <a:avLst/>
